--- a/BurstChaser.pptx
+++ b/BurstChaser.pptx
@@ -4,17 +4,26 @@
   <p:sldMasterIdLst>
     <p:sldMasterId id="2147483648" r:id="rId1"/>
   </p:sldMasterIdLst>
+  <p:notesMasterIdLst>
+    <p:notesMasterId r:id="rId18"/>
+  </p:notesMasterIdLst>
   <p:sldIdLst>
     <p:sldId id="256" r:id="rId2"/>
-    <p:sldId id="258" r:id="rId3"/>
-    <p:sldId id="257" r:id="rId4"/>
-    <p:sldId id="259" r:id="rId5"/>
-    <p:sldId id="260" r:id="rId6"/>
-    <p:sldId id="261" r:id="rId7"/>
-    <p:sldId id="262" r:id="rId8"/>
-    <p:sldId id="264" r:id="rId9"/>
-    <p:sldId id="263" r:id="rId10"/>
-    <p:sldId id="265" r:id="rId11"/>
+    <p:sldId id="268" r:id="rId3"/>
+    <p:sldId id="259" r:id="rId4"/>
+    <p:sldId id="260" r:id="rId5"/>
+    <p:sldId id="269" r:id="rId6"/>
+    <p:sldId id="270" r:id="rId7"/>
+    <p:sldId id="271" r:id="rId8"/>
+    <p:sldId id="272" r:id="rId9"/>
+    <p:sldId id="273" r:id="rId10"/>
+    <p:sldId id="274" r:id="rId11"/>
+    <p:sldId id="267" r:id="rId12"/>
+    <p:sldId id="262" r:id="rId13"/>
+    <p:sldId id="266" r:id="rId14"/>
+    <p:sldId id="264" r:id="rId15"/>
+    <p:sldId id="263" r:id="rId16"/>
+    <p:sldId id="265" r:id="rId17"/>
   </p:sldIdLst>
   <p:sldSz cx="12192000" cy="6858000"/>
   <p:notesSz cx="6858000" cy="9144000"/>
@@ -113,7 +122,532 @@
       </a:defRPr>
     </a:lvl9pPr>
   </p:defaultTextStyle>
+  <p:extLst>
+    <p:ext uri="{EFAFB233-063F-42B5-8137-9DF3F51BA10A}">
+      <p15:sldGuideLst xmlns:p15="http://schemas.microsoft.com/office/powerpoint/2012/main"/>
+    </p:ext>
+  </p:extLst>
 </p:presentation>
+</file>
+
+<file path=ppt/notesMasters/notesMaster1.xml><?xml version="1.0" encoding="utf-8"?>
+<p:notesMaster xmlns:a="http://schemas.openxmlformats.org/drawingml/2006/main" xmlns:r="http://schemas.openxmlformats.org/officeDocument/2006/relationships" xmlns:p="http://schemas.openxmlformats.org/presentationml/2006/main">
+  <p:cSld>
+    <p:bg>
+      <p:bgRef idx="1001">
+        <a:schemeClr val="bg1"/>
+      </p:bgRef>
+    </p:bg>
+    <p:spTree>
+      <p:nvGrpSpPr>
+        <p:cNvPr id="1" name=""/>
+        <p:cNvGrpSpPr/>
+        <p:nvPr/>
+      </p:nvGrpSpPr>
+      <p:grpSpPr>
+        <a:xfrm>
+          <a:off x="0" y="0"/>
+          <a:ext cx="0" cy="0"/>
+          <a:chOff x="0" y="0"/>
+          <a:chExt cx="0" cy="0"/>
+        </a:xfrm>
+      </p:grpSpPr>
+      <p:sp>
+        <p:nvSpPr>
+          <p:cNvPr id="2" name="Header Placeholder 1"/>
+          <p:cNvSpPr>
+            <a:spLocks noGrp="1"/>
+          </p:cNvSpPr>
+          <p:nvPr>
+            <p:ph type="hdr" sz="quarter"/>
+          </p:nvPr>
+        </p:nvSpPr>
+        <p:spPr>
+          <a:xfrm>
+            <a:off x="0" y="0"/>
+            <a:ext cx="2971800" cy="458788"/>
+          </a:xfrm>
+          <a:prstGeom prst="rect">
+            <a:avLst/>
+          </a:prstGeom>
+        </p:spPr>
+        <p:txBody>
+          <a:bodyPr vert="horz" lIns="91440" tIns="45720" rIns="91440" bIns="45720" rtlCol="0"/>
+          <a:lstStyle>
+            <a:lvl1pPr algn="l">
+              <a:defRPr sz="1200"/>
+            </a:lvl1pPr>
+          </a:lstStyle>
+          <a:p>
+            <a:endParaRPr lang="en-US"/>
+          </a:p>
+        </p:txBody>
+      </p:sp>
+      <p:sp>
+        <p:nvSpPr>
+          <p:cNvPr id="3" name="Date Placeholder 2"/>
+          <p:cNvSpPr>
+            <a:spLocks noGrp="1"/>
+          </p:cNvSpPr>
+          <p:nvPr>
+            <p:ph type="dt" idx="1"/>
+          </p:nvPr>
+        </p:nvSpPr>
+        <p:spPr>
+          <a:xfrm>
+            <a:off x="3884613" y="0"/>
+            <a:ext cx="2971800" cy="458788"/>
+          </a:xfrm>
+          <a:prstGeom prst="rect">
+            <a:avLst/>
+          </a:prstGeom>
+        </p:spPr>
+        <p:txBody>
+          <a:bodyPr vert="horz" lIns="91440" tIns="45720" rIns="91440" bIns="45720" rtlCol="0"/>
+          <a:lstStyle>
+            <a:lvl1pPr algn="r">
+              <a:defRPr sz="1200"/>
+            </a:lvl1pPr>
+          </a:lstStyle>
+          <a:p>
+            <a:fld id="{A9967E87-85BF-704A-ABDA-7CE606E33A8E}" type="datetimeFigureOut">
+              <a:rPr lang="en-US" smtClean="0"/>
+              <a:t>1/11/25</a:t>
+            </a:fld>
+            <a:endParaRPr lang="en-US"/>
+          </a:p>
+        </p:txBody>
+      </p:sp>
+      <p:sp>
+        <p:nvSpPr>
+          <p:cNvPr id="4" name="Slide Image Placeholder 3"/>
+          <p:cNvSpPr>
+            <a:spLocks noGrp="1" noRot="1" noChangeAspect="1"/>
+          </p:cNvSpPr>
+          <p:nvPr>
+            <p:ph type="sldImg" idx="2"/>
+          </p:nvPr>
+        </p:nvSpPr>
+        <p:spPr>
+          <a:xfrm>
+            <a:off x="685800" y="1143000"/>
+            <a:ext cx="5486400" cy="3086100"/>
+          </a:xfrm>
+          <a:prstGeom prst="rect">
+            <a:avLst/>
+          </a:prstGeom>
+          <a:noFill/>
+          <a:ln w="12700">
+            <a:solidFill>
+              <a:prstClr val="black"/>
+            </a:solidFill>
+          </a:ln>
+        </p:spPr>
+        <p:txBody>
+          <a:bodyPr vert="horz" lIns="91440" tIns="45720" rIns="91440" bIns="45720" rtlCol="0" anchor="ctr"/>
+          <a:lstStyle/>
+          <a:p>
+            <a:endParaRPr lang="en-US"/>
+          </a:p>
+        </p:txBody>
+      </p:sp>
+      <p:sp>
+        <p:nvSpPr>
+          <p:cNvPr id="5" name="Notes Placeholder 4"/>
+          <p:cNvSpPr>
+            <a:spLocks noGrp="1"/>
+          </p:cNvSpPr>
+          <p:nvPr>
+            <p:ph type="body" sz="quarter" idx="3"/>
+          </p:nvPr>
+        </p:nvSpPr>
+        <p:spPr>
+          <a:xfrm>
+            <a:off x="685800" y="4400550"/>
+            <a:ext cx="5486400" cy="3600450"/>
+          </a:xfrm>
+          <a:prstGeom prst="rect">
+            <a:avLst/>
+          </a:prstGeom>
+        </p:spPr>
+        <p:txBody>
+          <a:bodyPr vert="horz" lIns="91440" tIns="45720" rIns="91440" bIns="45720" rtlCol="0"/>
+          <a:lstStyle/>
+          <a:p>
+            <a:pPr lvl="0"/>
+            <a:r>
+              <a:rPr lang="en-US"/>
+              <a:t>Click to edit Master text styles</a:t>
+            </a:r>
+          </a:p>
+          <a:p>
+            <a:pPr lvl="1"/>
+            <a:r>
+              <a:rPr lang="en-US"/>
+              <a:t>Second level</a:t>
+            </a:r>
+          </a:p>
+          <a:p>
+            <a:pPr lvl="2"/>
+            <a:r>
+              <a:rPr lang="en-US"/>
+              <a:t>Third level</a:t>
+            </a:r>
+          </a:p>
+          <a:p>
+            <a:pPr lvl="3"/>
+            <a:r>
+              <a:rPr lang="en-US"/>
+              <a:t>Fourth level</a:t>
+            </a:r>
+          </a:p>
+          <a:p>
+            <a:pPr lvl="4"/>
+            <a:r>
+              <a:rPr lang="en-US"/>
+              <a:t>Fifth level</a:t>
+            </a:r>
+          </a:p>
+        </p:txBody>
+      </p:sp>
+      <p:sp>
+        <p:nvSpPr>
+          <p:cNvPr id="6" name="Footer Placeholder 5"/>
+          <p:cNvSpPr>
+            <a:spLocks noGrp="1"/>
+          </p:cNvSpPr>
+          <p:nvPr>
+            <p:ph type="ftr" sz="quarter" idx="4"/>
+          </p:nvPr>
+        </p:nvSpPr>
+        <p:spPr>
+          <a:xfrm>
+            <a:off x="0" y="8685213"/>
+            <a:ext cx="2971800" cy="458787"/>
+          </a:xfrm>
+          <a:prstGeom prst="rect">
+            <a:avLst/>
+          </a:prstGeom>
+        </p:spPr>
+        <p:txBody>
+          <a:bodyPr vert="horz" lIns="91440" tIns="45720" rIns="91440" bIns="45720" rtlCol="0" anchor="b"/>
+          <a:lstStyle>
+            <a:lvl1pPr algn="l">
+              <a:defRPr sz="1200"/>
+            </a:lvl1pPr>
+          </a:lstStyle>
+          <a:p>
+            <a:endParaRPr lang="en-US"/>
+          </a:p>
+        </p:txBody>
+      </p:sp>
+      <p:sp>
+        <p:nvSpPr>
+          <p:cNvPr id="7" name="Slide Number Placeholder 6"/>
+          <p:cNvSpPr>
+            <a:spLocks noGrp="1"/>
+          </p:cNvSpPr>
+          <p:nvPr>
+            <p:ph type="sldNum" sz="quarter" idx="5"/>
+          </p:nvPr>
+        </p:nvSpPr>
+        <p:spPr>
+          <a:xfrm>
+            <a:off x="3884613" y="8685213"/>
+            <a:ext cx="2971800" cy="458787"/>
+          </a:xfrm>
+          <a:prstGeom prst="rect">
+            <a:avLst/>
+          </a:prstGeom>
+        </p:spPr>
+        <p:txBody>
+          <a:bodyPr vert="horz" lIns="91440" tIns="45720" rIns="91440" bIns="45720" rtlCol="0" anchor="b"/>
+          <a:lstStyle>
+            <a:lvl1pPr algn="r">
+              <a:defRPr sz="1200"/>
+            </a:lvl1pPr>
+          </a:lstStyle>
+          <a:p>
+            <a:fld id="{807C8C24-13A2-6E4E-AE65-590B323F8C5B}" type="slidenum">
+              <a:rPr lang="en-US" smtClean="0"/>
+              <a:t>‹#›</a:t>
+            </a:fld>
+            <a:endParaRPr lang="en-US"/>
+          </a:p>
+        </p:txBody>
+      </p:sp>
+    </p:spTree>
+    <p:extLst>
+      <p:ext uri="{BB962C8B-B14F-4D97-AF65-F5344CB8AC3E}">
+        <p14:creationId xmlns:p14="http://schemas.microsoft.com/office/powerpoint/2010/main" val="2307109236"/>
+      </p:ext>
+    </p:extLst>
+  </p:cSld>
+  <p:clrMap bg1="lt1" tx1="dk1" bg2="lt2" tx2="dk2" accent1="accent1" accent2="accent2" accent3="accent3" accent4="accent4" accent5="accent5" accent6="accent6" hlink="hlink" folHlink="folHlink"/>
+  <p:notesStyle>
+    <a:lvl1pPr marL="0" algn="l" defTabSz="914400" rtl="0" eaLnBrk="1" latinLnBrk="0" hangingPunct="1">
+      <a:defRPr sz="1200" kern="1200">
+        <a:solidFill>
+          <a:schemeClr val="tx1"/>
+        </a:solidFill>
+        <a:latin typeface="+mn-lt"/>
+        <a:ea typeface="+mn-ea"/>
+        <a:cs typeface="+mn-cs"/>
+      </a:defRPr>
+    </a:lvl1pPr>
+    <a:lvl2pPr marL="457200" algn="l" defTabSz="914400" rtl="0" eaLnBrk="1" latinLnBrk="0" hangingPunct="1">
+      <a:defRPr sz="1200" kern="1200">
+        <a:solidFill>
+          <a:schemeClr val="tx1"/>
+        </a:solidFill>
+        <a:latin typeface="+mn-lt"/>
+        <a:ea typeface="+mn-ea"/>
+        <a:cs typeface="+mn-cs"/>
+      </a:defRPr>
+    </a:lvl2pPr>
+    <a:lvl3pPr marL="914400" algn="l" defTabSz="914400" rtl="0" eaLnBrk="1" latinLnBrk="0" hangingPunct="1">
+      <a:defRPr sz="1200" kern="1200">
+        <a:solidFill>
+          <a:schemeClr val="tx1"/>
+        </a:solidFill>
+        <a:latin typeface="+mn-lt"/>
+        <a:ea typeface="+mn-ea"/>
+        <a:cs typeface="+mn-cs"/>
+      </a:defRPr>
+    </a:lvl3pPr>
+    <a:lvl4pPr marL="1371600" algn="l" defTabSz="914400" rtl="0" eaLnBrk="1" latinLnBrk="0" hangingPunct="1">
+      <a:defRPr sz="1200" kern="1200">
+        <a:solidFill>
+          <a:schemeClr val="tx1"/>
+        </a:solidFill>
+        <a:latin typeface="+mn-lt"/>
+        <a:ea typeface="+mn-ea"/>
+        <a:cs typeface="+mn-cs"/>
+      </a:defRPr>
+    </a:lvl4pPr>
+    <a:lvl5pPr marL="1828800" algn="l" defTabSz="914400" rtl="0" eaLnBrk="1" latinLnBrk="0" hangingPunct="1">
+      <a:defRPr sz="1200" kern="1200">
+        <a:solidFill>
+          <a:schemeClr val="tx1"/>
+        </a:solidFill>
+        <a:latin typeface="+mn-lt"/>
+        <a:ea typeface="+mn-ea"/>
+        <a:cs typeface="+mn-cs"/>
+      </a:defRPr>
+    </a:lvl5pPr>
+    <a:lvl6pPr marL="2286000" algn="l" defTabSz="914400" rtl="0" eaLnBrk="1" latinLnBrk="0" hangingPunct="1">
+      <a:defRPr sz="1200" kern="1200">
+        <a:solidFill>
+          <a:schemeClr val="tx1"/>
+        </a:solidFill>
+        <a:latin typeface="+mn-lt"/>
+        <a:ea typeface="+mn-ea"/>
+        <a:cs typeface="+mn-cs"/>
+      </a:defRPr>
+    </a:lvl6pPr>
+    <a:lvl7pPr marL="2743200" algn="l" defTabSz="914400" rtl="0" eaLnBrk="1" latinLnBrk="0" hangingPunct="1">
+      <a:defRPr sz="1200" kern="1200">
+        <a:solidFill>
+          <a:schemeClr val="tx1"/>
+        </a:solidFill>
+        <a:latin typeface="+mn-lt"/>
+        <a:ea typeface="+mn-ea"/>
+        <a:cs typeface="+mn-cs"/>
+      </a:defRPr>
+    </a:lvl7pPr>
+    <a:lvl8pPr marL="3200400" algn="l" defTabSz="914400" rtl="0" eaLnBrk="1" latinLnBrk="0" hangingPunct="1">
+      <a:defRPr sz="1200" kern="1200">
+        <a:solidFill>
+          <a:schemeClr val="tx1"/>
+        </a:solidFill>
+        <a:latin typeface="+mn-lt"/>
+        <a:ea typeface="+mn-ea"/>
+        <a:cs typeface="+mn-cs"/>
+      </a:defRPr>
+    </a:lvl8pPr>
+    <a:lvl9pPr marL="3657600" algn="l" defTabSz="914400" rtl="0" eaLnBrk="1" latinLnBrk="0" hangingPunct="1">
+      <a:defRPr sz="1200" kern="1200">
+        <a:solidFill>
+          <a:schemeClr val="tx1"/>
+        </a:solidFill>
+        <a:latin typeface="+mn-lt"/>
+        <a:ea typeface="+mn-ea"/>
+        <a:cs typeface="+mn-cs"/>
+      </a:defRPr>
+    </a:lvl9pPr>
+  </p:notesStyle>
+</p:notesMaster>
+</file>
+
+<file path=ppt/notesSlides/notesSlide1.xml><?xml version="1.0" encoding="utf-8"?>
+<p:notes xmlns:a="http://schemas.openxmlformats.org/drawingml/2006/main" xmlns:r="http://schemas.openxmlformats.org/officeDocument/2006/relationships" xmlns:p="http://schemas.openxmlformats.org/presentationml/2006/main">
+  <p:cSld>
+    <p:spTree>
+      <p:nvGrpSpPr>
+        <p:cNvPr id="1" name=""/>
+        <p:cNvGrpSpPr/>
+        <p:nvPr/>
+      </p:nvGrpSpPr>
+      <p:grpSpPr>
+        <a:xfrm>
+          <a:off x="0" y="0"/>
+          <a:ext cx="0" cy="0"/>
+          <a:chOff x="0" y="0"/>
+          <a:chExt cx="0" cy="0"/>
+        </a:xfrm>
+      </p:grpSpPr>
+      <p:sp>
+        <p:nvSpPr>
+          <p:cNvPr id="2" name="Slide Image Placeholder 1"/>
+          <p:cNvSpPr>
+            <a:spLocks noGrp="1" noRot="1" noChangeAspect="1"/>
+          </p:cNvSpPr>
+          <p:nvPr>
+            <p:ph type="sldImg"/>
+          </p:nvPr>
+        </p:nvSpPr>
+        <p:spPr/>
+      </p:sp>
+      <p:sp>
+        <p:nvSpPr>
+          <p:cNvPr id="3" name="Notes Placeholder 2"/>
+          <p:cNvSpPr>
+            <a:spLocks noGrp="1"/>
+          </p:cNvSpPr>
+          <p:nvPr>
+            <p:ph type="body" idx="1"/>
+          </p:nvPr>
+        </p:nvSpPr>
+        <p:spPr/>
+        <p:txBody>
+          <a:bodyPr/>
+          <a:lstStyle/>
+          <a:p>
+            <a:r>
+              <a:rPr lang="en-US" dirty="0"/>
+              <a:t>So we need to give all these things labels that can be taught to other people </a:t>
+            </a:r>
+          </a:p>
+        </p:txBody>
+      </p:sp>
+      <p:sp>
+        <p:nvSpPr>
+          <p:cNvPr id="4" name="Slide Number Placeholder 3"/>
+          <p:cNvSpPr>
+            <a:spLocks noGrp="1"/>
+          </p:cNvSpPr>
+          <p:nvPr>
+            <p:ph type="sldNum" sz="quarter" idx="5"/>
+          </p:nvPr>
+        </p:nvSpPr>
+        <p:spPr/>
+        <p:txBody>
+          <a:bodyPr/>
+          <a:lstStyle/>
+          <a:p>
+            <a:fld id="{807C8C24-13A2-6E4E-AE65-590B323F8C5B}" type="slidenum">
+              <a:rPr lang="en-US" smtClean="0"/>
+              <a:t>4</a:t>
+            </a:fld>
+            <a:endParaRPr lang="en-US"/>
+          </a:p>
+        </p:txBody>
+      </p:sp>
+    </p:spTree>
+    <p:extLst>
+      <p:ext uri="{BB962C8B-B14F-4D97-AF65-F5344CB8AC3E}">
+        <p14:creationId xmlns:p14="http://schemas.microsoft.com/office/powerpoint/2010/main" val="2363953386"/>
+      </p:ext>
+    </p:extLst>
+  </p:cSld>
+  <p:clrMapOvr>
+    <a:masterClrMapping/>
+  </p:clrMapOvr>
+</p:notes>
+</file>
+
+<file path=ppt/notesSlides/notesSlide2.xml><?xml version="1.0" encoding="utf-8"?>
+<p:notes xmlns:a="http://schemas.openxmlformats.org/drawingml/2006/main" xmlns:r="http://schemas.openxmlformats.org/officeDocument/2006/relationships" xmlns:p="http://schemas.openxmlformats.org/presentationml/2006/main">
+  <p:cSld>
+    <p:spTree>
+      <p:nvGrpSpPr>
+        <p:cNvPr id="1" name=""/>
+        <p:cNvGrpSpPr/>
+        <p:nvPr/>
+      </p:nvGrpSpPr>
+      <p:grpSpPr>
+        <a:xfrm>
+          <a:off x="0" y="0"/>
+          <a:ext cx="0" cy="0"/>
+          <a:chOff x="0" y="0"/>
+          <a:chExt cx="0" cy="0"/>
+        </a:xfrm>
+      </p:grpSpPr>
+      <p:sp>
+        <p:nvSpPr>
+          <p:cNvPr id="2" name="Slide Image Placeholder 1"/>
+          <p:cNvSpPr>
+            <a:spLocks noGrp="1" noRot="1" noChangeAspect="1"/>
+          </p:cNvSpPr>
+          <p:nvPr>
+            <p:ph type="sldImg"/>
+          </p:nvPr>
+        </p:nvSpPr>
+        <p:spPr/>
+      </p:sp>
+      <p:sp>
+        <p:nvSpPr>
+          <p:cNvPr id="3" name="Notes Placeholder 2"/>
+          <p:cNvSpPr>
+            <a:spLocks noGrp="1"/>
+          </p:cNvSpPr>
+          <p:nvPr>
+            <p:ph type="body" idx="1"/>
+          </p:nvPr>
+        </p:nvSpPr>
+        <p:spPr/>
+        <p:txBody>
+          <a:bodyPr/>
+          <a:lstStyle/>
+          <a:p>
+            <a:endParaRPr lang="en-US" dirty="0"/>
+          </a:p>
+        </p:txBody>
+      </p:sp>
+      <p:sp>
+        <p:nvSpPr>
+          <p:cNvPr id="4" name="Slide Number Placeholder 3"/>
+          <p:cNvSpPr>
+            <a:spLocks noGrp="1"/>
+          </p:cNvSpPr>
+          <p:nvPr>
+            <p:ph type="sldNum" sz="quarter" idx="5"/>
+          </p:nvPr>
+        </p:nvSpPr>
+        <p:spPr/>
+        <p:txBody>
+          <a:bodyPr/>
+          <a:lstStyle/>
+          <a:p>
+            <a:fld id="{807C8C24-13A2-6E4E-AE65-590B323F8C5B}" type="slidenum">
+              <a:rPr lang="en-US" smtClean="0"/>
+              <a:t>5</a:t>
+            </a:fld>
+            <a:endParaRPr lang="en-US"/>
+          </a:p>
+        </p:txBody>
+      </p:sp>
+    </p:spTree>
+    <p:extLst>
+      <p:ext uri="{BB962C8B-B14F-4D97-AF65-F5344CB8AC3E}">
+        <p14:creationId xmlns:p14="http://schemas.microsoft.com/office/powerpoint/2010/main" val="2748091707"/>
+      </p:ext>
+    </p:extLst>
+  </p:cSld>
+  <p:clrMapOvr>
+    <a:masterClrMapping/>
+  </p:clrMapOvr>
+</p:notes>
 </file>
 
 <file path=ppt/slideLayouts/slideLayout1.xml><?xml version="1.0" encoding="utf-8"?>
@@ -263,7 +797,7 @@
           <a:p>
             <a:fld id="{F840594F-08FF-754B-9A6B-18D77EA807E9}" type="datetimeFigureOut">
               <a:rPr lang="en-US" smtClean="0"/>
-              <a:t>12/9/24</a:t>
+              <a:t>1/9/25</a:t>
             </a:fld>
             <a:endParaRPr lang="en-US"/>
           </a:p>
@@ -333,6 +867,18 @@
   <p:clrMapOvr>
     <a:masterClrMapping/>
   </p:clrMapOvr>
+  <mc:AlternateContent xmlns:mc="http://schemas.openxmlformats.org/markup-compatibility/2006">
+    <mc:Choice xmlns:p159="http://schemas.microsoft.com/office/powerpoint/2015/09/main" Requires="p159">
+      <p:transition spd="slow">
+        <p159:morph option="byObject"/>
+      </p:transition>
+    </mc:Choice>
+    <mc:Fallback>
+      <p:transition spd="slow">
+        <p:fade/>
+      </p:transition>
+    </mc:Fallback>
+  </mc:AlternateContent>
 </p:sldLayout>
 </file>
 
@@ -461,7 +1007,7 @@
           <a:p>
             <a:fld id="{F840594F-08FF-754B-9A6B-18D77EA807E9}" type="datetimeFigureOut">
               <a:rPr lang="en-US" smtClean="0"/>
-              <a:t>12/9/24</a:t>
+              <a:t>1/9/25</a:t>
             </a:fld>
             <a:endParaRPr lang="en-US"/>
           </a:p>
@@ -531,6 +1077,18 @@
   <p:clrMapOvr>
     <a:masterClrMapping/>
   </p:clrMapOvr>
+  <mc:AlternateContent xmlns:mc="http://schemas.openxmlformats.org/markup-compatibility/2006">
+    <mc:Choice xmlns:p159="http://schemas.microsoft.com/office/powerpoint/2015/09/main" Requires="p159">
+      <p:transition spd="slow">
+        <p159:morph option="byObject"/>
+      </p:transition>
+    </mc:Choice>
+    <mc:Fallback>
+      <p:transition spd="slow">
+        <p:fade/>
+      </p:transition>
+    </mc:Fallback>
+  </mc:AlternateContent>
 </p:sldLayout>
 </file>
 
@@ -669,7 +1227,7 @@
           <a:p>
             <a:fld id="{F840594F-08FF-754B-9A6B-18D77EA807E9}" type="datetimeFigureOut">
               <a:rPr lang="en-US" smtClean="0"/>
-              <a:t>12/9/24</a:t>
+              <a:t>1/9/25</a:t>
             </a:fld>
             <a:endParaRPr lang="en-US"/>
           </a:p>
@@ -739,6 +1297,18 @@
   <p:clrMapOvr>
     <a:masterClrMapping/>
   </p:clrMapOvr>
+  <mc:AlternateContent xmlns:mc="http://schemas.openxmlformats.org/markup-compatibility/2006">
+    <mc:Choice xmlns:p159="http://schemas.microsoft.com/office/powerpoint/2015/09/main" Requires="p159">
+      <p:transition spd="slow">
+        <p159:morph option="byObject"/>
+      </p:transition>
+    </mc:Choice>
+    <mc:Fallback>
+      <p:transition spd="slow">
+        <p:fade/>
+      </p:transition>
+    </mc:Fallback>
+  </mc:AlternateContent>
 </p:sldLayout>
 </file>
 
@@ -867,7 +1437,7 @@
           <a:p>
             <a:fld id="{F840594F-08FF-754B-9A6B-18D77EA807E9}" type="datetimeFigureOut">
               <a:rPr lang="en-US" smtClean="0"/>
-              <a:t>12/9/24</a:t>
+              <a:t>1/9/25</a:t>
             </a:fld>
             <a:endParaRPr lang="en-US"/>
           </a:p>
@@ -937,6 +1507,18 @@
   <p:clrMapOvr>
     <a:masterClrMapping/>
   </p:clrMapOvr>
+  <mc:AlternateContent xmlns:mc="http://schemas.openxmlformats.org/markup-compatibility/2006">
+    <mc:Choice xmlns:p159="http://schemas.microsoft.com/office/powerpoint/2015/09/main" Requires="p159">
+      <p:transition spd="slow">
+        <p159:morph option="byObject"/>
+      </p:transition>
+    </mc:Choice>
+    <mc:Fallback>
+      <p:transition spd="slow">
+        <p:fade/>
+      </p:transition>
+    </mc:Fallback>
+  </mc:AlternateContent>
 </p:sldLayout>
 </file>
 
@@ -1142,7 +1724,7 @@
           <a:p>
             <a:fld id="{F840594F-08FF-754B-9A6B-18D77EA807E9}" type="datetimeFigureOut">
               <a:rPr lang="en-US" smtClean="0"/>
-              <a:t>12/9/24</a:t>
+              <a:t>1/9/25</a:t>
             </a:fld>
             <a:endParaRPr lang="en-US"/>
           </a:p>
@@ -1212,6 +1794,18 @@
   <p:clrMapOvr>
     <a:masterClrMapping/>
   </p:clrMapOvr>
+  <mc:AlternateContent xmlns:mc="http://schemas.openxmlformats.org/markup-compatibility/2006">
+    <mc:Choice xmlns:p159="http://schemas.microsoft.com/office/powerpoint/2015/09/main" Requires="p159">
+      <p:transition spd="slow">
+        <p159:morph option="byObject"/>
+      </p:transition>
+    </mc:Choice>
+    <mc:Fallback>
+      <p:transition spd="slow">
+        <p:fade/>
+      </p:transition>
+    </mc:Fallback>
+  </mc:AlternateContent>
 </p:sldLayout>
 </file>
 
@@ -1407,7 +2001,7 @@
           <a:p>
             <a:fld id="{F840594F-08FF-754B-9A6B-18D77EA807E9}" type="datetimeFigureOut">
               <a:rPr lang="en-US" smtClean="0"/>
-              <a:t>12/9/24</a:t>
+              <a:t>1/9/25</a:t>
             </a:fld>
             <a:endParaRPr lang="en-US"/>
           </a:p>
@@ -1477,6 +2071,18 @@
   <p:clrMapOvr>
     <a:masterClrMapping/>
   </p:clrMapOvr>
+  <mc:AlternateContent xmlns:mc="http://schemas.openxmlformats.org/markup-compatibility/2006">
+    <mc:Choice xmlns:p159="http://schemas.microsoft.com/office/powerpoint/2015/09/main" Requires="p159">
+      <p:transition spd="slow">
+        <p159:morph option="byObject"/>
+      </p:transition>
+    </mc:Choice>
+    <mc:Fallback>
+      <p:transition spd="slow">
+        <p:fade/>
+      </p:transition>
+    </mc:Fallback>
+  </mc:AlternateContent>
 </p:sldLayout>
 </file>
 
@@ -1819,7 +2425,7 @@
           <a:p>
             <a:fld id="{F840594F-08FF-754B-9A6B-18D77EA807E9}" type="datetimeFigureOut">
               <a:rPr lang="en-US" smtClean="0"/>
-              <a:t>12/9/24</a:t>
+              <a:t>1/9/25</a:t>
             </a:fld>
             <a:endParaRPr lang="en-US"/>
           </a:p>
@@ -1889,6 +2495,18 @@
   <p:clrMapOvr>
     <a:masterClrMapping/>
   </p:clrMapOvr>
+  <mc:AlternateContent xmlns:mc="http://schemas.openxmlformats.org/markup-compatibility/2006">
+    <mc:Choice xmlns:p159="http://schemas.microsoft.com/office/powerpoint/2015/09/main" Requires="p159">
+      <p:transition spd="slow">
+        <p159:morph option="byObject"/>
+      </p:transition>
+    </mc:Choice>
+    <mc:Fallback>
+      <p:transition spd="slow">
+        <p:fade/>
+      </p:transition>
+    </mc:Fallback>
+  </mc:AlternateContent>
 </p:sldLayout>
 </file>
 
@@ -1960,7 +2578,7 @@
           <a:p>
             <a:fld id="{F840594F-08FF-754B-9A6B-18D77EA807E9}" type="datetimeFigureOut">
               <a:rPr lang="en-US" smtClean="0"/>
-              <a:t>12/9/24</a:t>
+              <a:t>1/9/25</a:t>
             </a:fld>
             <a:endParaRPr lang="en-US"/>
           </a:p>
@@ -2030,6 +2648,18 @@
   <p:clrMapOvr>
     <a:masterClrMapping/>
   </p:clrMapOvr>
+  <mc:AlternateContent xmlns:mc="http://schemas.openxmlformats.org/markup-compatibility/2006">
+    <mc:Choice xmlns:p159="http://schemas.microsoft.com/office/powerpoint/2015/09/main" Requires="p159">
+      <p:transition spd="slow">
+        <p159:morph option="byObject"/>
+      </p:transition>
+    </mc:Choice>
+    <mc:Fallback>
+      <p:transition spd="slow">
+        <p:fade/>
+      </p:transition>
+    </mc:Fallback>
+  </mc:AlternateContent>
 </p:sldLayout>
 </file>
 
@@ -2073,7 +2703,7 @@
           <a:p>
             <a:fld id="{F840594F-08FF-754B-9A6B-18D77EA807E9}" type="datetimeFigureOut">
               <a:rPr lang="en-US" smtClean="0"/>
-              <a:t>12/9/24</a:t>
+              <a:t>1/9/25</a:t>
             </a:fld>
             <a:endParaRPr lang="en-US"/>
           </a:p>
@@ -2143,6 +2773,18 @@
   <p:clrMapOvr>
     <a:masterClrMapping/>
   </p:clrMapOvr>
+  <mc:AlternateContent xmlns:mc="http://schemas.openxmlformats.org/markup-compatibility/2006">
+    <mc:Choice xmlns:p159="http://schemas.microsoft.com/office/powerpoint/2015/09/main" Requires="p159">
+      <p:transition spd="slow">
+        <p159:morph option="byObject"/>
+      </p:transition>
+    </mc:Choice>
+    <mc:Fallback>
+      <p:transition spd="slow">
+        <p:fade/>
+      </p:transition>
+    </mc:Fallback>
+  </mc:AlternateContent>
 </p:sldLayout>
 </file>
 
@@ -2384,7 +3026,7 @@
           <a:p>
             <a:fld id="{F840594F-08FF-754B-9A6B-18D77EA807E9}" type="datetimeFigureOut">
               <a:rPr lang="en-US" smtClean="0"/>
-              <a:t>12/9/24</a:t>
+              <a:t>1/9/25</a:t>
             </a:fld>
             <a:endParaRPr lang="en-US"/>
           </a:p>
@@ -2454,6 +3096,18 @@
   <p:clrMapOvr>
     <a:masterClrMapping/>
   </p:clrMapOvr>
+  <mc:AlternateContent xmlns:mc="http://schemas.openxmlformats.org/markup-compatibility/2006">
+    <mc:Choice xmlns:p159="http://schemas.microsoft.com/office/powerpoint/2015/09/main" Requires="p159">
+      <p:transition spd="slow">
+        <p159:morph option="byObject"/>
+      </p:transition>
+    </mc:Choice>
+    <mc:Fallback>
+      <p:transition spd="slow">
+        <p:fade/>
+      </p:transition>
+    </mc:Fallback>
+  </mc:AlternateContent>
 </p:sldLayout>
 </file>
 
@@ -2672,7 +3326,7 @@
           <a:p>
             <a:fld id="{F840594F-08FF-754B-9A6B-18D77EA807E9}" type="datetimeFigureOut">
               <a:rPr lang="en-US" smtClean="0"/>
-              <a:t>12/9/24</a:t>
+              <a:t>1/9/25</a:t>
             </a:fld>
             <a:endParaRPr lang="en-US"/>
           </a:p>
@@ -2742,6 +3396,18 @@
   <p:clrMapOvr>
     <a:masterClrMapping/>
   </p:clrMapOvr>
+  <mc:AlternateContent xmlns:mc="http://schemas.openxmlformats.org/markup-compatibility/2006">
+    <mc:Choice xmlns:p159="http://schemas.microsoft.com/office/powerpoint/2015/09/main" Requires="p159">
+      <p:transition spd="slow">
+        <p159:morph option="byObject"/>
+      </p:transition>
+    </mc:Choice>
+    <mc:Fallback>
+      <p:transition spd="slow">
+        <p:fade/>
+      </p:transition>
+    </mc:Fallback>
+  </mc:AlternateContent>
 </p:sldLayout>
 </file>
 
@@ -2922,7 +3588,7 @@
           <a:p>
             <a:fld id="{F840594F-08FF-754B-9A6B-18D77EA807E9}" type="datetimeFigureOut">
               <a:rPr lang="en-US" smtClean="0"/>
-              <a:t>12/9/24</a:t>
+              <a:t>1/9/25</a:t>
             </a:fld>
             <a:endParaRPr lang="en-US"/>
           </a:p>
@@ -3039,6 +3705,18 @@
     <p:sldLayoutId id="2147483658" r:id="rId10"/>
     <p:sldLayoutId id="2147483659" r:id="rId11"/>
   </p:sldLayoutIdLst>
+  <mc:AlternateContent xmlns:mc="http://schemas.openxmlformats.org/markup-compatibility/2006">
+    <mc:Choice xmlns:p159="http://schemas.microsoft.com/office/powerpoint/2015/09/main" Requires="p159">
+      <p:transition spd="slow">
+        <p159:morph option="byObject"/>
+      </p:transition>
+    </mc:Choice>
+    <mc:Fallback>
+      <p:transition spd="slow">
+        <p:fade/>
+      </p:transition>
+    </mc:Fallback>
+  </mc:AlternateContent>
   <p:txStyles>
     <p:titleStyle>
       <a:lvl1pPr algn="l" defTabSz="914400" rtl="0" eaLnBrk="1" latinLnBrk="0" hangingPunct="1">
@@ -3355,7 +4033,12 @@
             <p:ph type="ctrTitle"/>
           </p:nvPr>
         </p:nvSpPr>
-        <p:spPr/>
+        <p:spPr>
+          <a:xfrm>
+            <a:off x="1524000" y="1841691"/>
+            <a:ext cx="9144000" cy="2387600"/>
+          </a:xfrm>
+        </p:spPr>
         <p:txBody>
           <a:bodyPr/>
           <a:lstStyle/>
@@ -3366,7 +4049,7 @@
                   <a:schemeClr val="bg1"/>
                 </a:solidFill>
               </a:rPr>
-              <a:t>Burst Chaser</a:t>
+              <a:t>Classifying Light Curves With Machine Learning </a:t>
             </a:r>
           </a:p>
         </p:txBody>
@@ -3387,7 +4070,12 @@
             <p:ph type="subTitle" idx="1"/>
           </p:nvPr>
         </p:nvSpPr>
-        <p:spPr/>
+        <p:spPr>
+          <a:xfrm>
+            <a:off x="1524000" y="4321366"/>
+            <a:ext cx="9144000" cy="1655762"/>
+          </a:xfrm>
+        </p:spPr>
         <p:txBody>
           <a:bodyPr/>
           <a:lstStyle/>
@@ -3403,53 +4091,6 @@
           </a:p>
         </p:txBody>
       </p:sp>
-      <p:pic>
-        <p:nvPicPr>
-          <p:cNvPr id="1026" name="Picture 2" descr="Project icon for Burst Chaser">
-            <a:extLst>
-              <a:ext uri="{FF2B5EF4-FFF2-40B4-BE49-F238E27FC236}">
-                <a16:creationId xmlns:a16="http://schemas.microsoft.com/office/drawing/2014/main" id="{BC867E57-566A-FF04-831A-C0EB115A662E}"/>
-              </a:ext>
-            </a:extLst>
-          </p:cNvPr>
-          <p:cNvPicPr>
-            <a:picLocks noChangeAspect="1" noChangeArrowheads="1"/>
-          </p:cNvPicPr>
-          <p:nvPr/>
-        </p:nvPicPr>
-        <p:blipFill>
-          <a:blip r:embed="rId2">
-            <a:extLst>
-              <a:ext uri="{28A0092B-C50C-407E-A947-70E740481C1C}">
-                <a14:useLocalDpi xmlns:a14="http://schemas.microsoft.com/office/drawing/2010/main" val="0"/>
-              </a:ext>
-            </a:extLst>
-          </a:blip>
-          <a:srcRect/>
-          <a:stretch>
-            <a:fillRect/>
-          </a:stretch>
-        </p:blipFill>
-        <p:spPr bwMode="auto">
-          <a:xfrm>
-            <a:off x="8882062" y="200025"/>
-            <a:ext cx="2800350" cy="2800350"/>
-          </a:xfrm>
-          <a:prstGeom prst="rect">
-            <a:avLst/>
-          </a:prstGeom>
-          <a:noFill/>
-          <a:extLst>
-            <a:ext uri="{909E8E84-426E-40DD-AFC4-6F175D3DCCD1}">
-              <a14:hiddenFill xmlns:a14="http://schemas.microsoft.com/office/drawing/2010/main">
-                <a:solidFill>
-                  <a:srgbClr val="FFFFFF"/>
-                </a:solidFill>
-              </a14:hiddenFill>
-            </a:ext>
-          </a:extLst>
-        </p:spPr>
-      </p:pic>
     </p:spTree>
     <p:extLst>
       <p:ext uri="{BB962C8B-B14F-4D97-AF65-F5344CB8AC3E}">
@@ -3460,6 +4101,18 @@
   <p:clrMapOvr>
     <a:masterClrMapping/>
   </p:clrMapOvr>
+  <mc:AlternateContent xmlns:mc="http://schemas.openxmlformats.org/markup-compatibility/2006">
+    <mc:Choice xmlns:p159="http://schemas.microsoft.com/office/powerpoint/2015/09/main" Requires="p159">
+      <p:transition spd="slow">
+        <p159:morph option="byObject"/>
+      </p:transition>
+    </mc:Choice>
+    <mc:Fallback>
+      <p:transition spd="slow">
+        <p:fade/>
+      </p:transition>
+    </mc:Fallback>
+  </mc:AlternateContent>
 </p:sld>
 </file>
 
@@ -3480,6 +4133,850 @@
           <a:chExt cx="0" cy="0"/>
         </a:xfrm>
       </p:grpSpPr>
+      <p:pic>
+        <p:nvPicPr>
+          <p:cNvPr id="4" name="Picture 3">
+            <a:extLst>
+              <a:ext uri="{FF2B5EF4-FFF2-40B4-BE49-F238E27FC236}">
+                <a16:creationId xmlns:a16="http://schemas.microsoft.com/office/drawing/2014/main" id="{D3894338-E1A5-30A5-807E-1B9F8EB9924A}"/>
+              </a:ext>
+            </a:extLst>
+          </p:cNvPr>
+          <p:cNvPicPr>
+            <a:picLocks noChangeAspect="1"/>
+          </p:cNvPicPr>
+          <p:nvPr/>
+        </p:nvPicPr>
+        <p:blipFill>
+          <a:blip r:embed="rId2"/>
+          <a:stretch>
+            <a:fillRect/>
+          </a:stretch>
+        </p:blipFill>
+        <p:spPr>
+          <a:xfrm>
+            <a:off x="939801" y="1897380"/>
+            <a:ext cx="7772400" cy="3886200"/>
+          </a:xfrm>
+          <a:prstGeom prst="rect">
+            <a:avLst/>
+          </a:prstGeom>
+        </p:spPr>
+      </p:pic>
+    </p:spTree>
+    <p:extLst>
+      <p:ext uri="{BB962C8B-B14F-4D97-AF65-F5344CB8AC3E}">
+        <p14:creationId xmlns:p14="http://schemas.microsoft.com/office/powerpoint/2010/main" val="2283307403"/>
+      </p:ext>
+    </p:extLst>
+  </p:cSld>
+  <p:clrMapOvr>
+    <a:masterClrMapping/>
+  </p:clrMapOvr>
+  <mc:AlternateContent xmlns:mc="http://schemas.openxmlformats.org/markup-compatibility/2006">
+    <mc:Choice xmlns:p159="http://schemas.microsoft.com/office/powerpoint/2015/09/main" Requires="p159">
+      <p:transition spd="slow">
+        <p159:morph option="byObject"/>
+      </p:transition>
+    </mc:Choice>
+    <mc:Fallback>
+      <p:transition spd="slow">
+        <p:fade/>
+      </p:transition>
+    </mc:Fallback>
+  </mc:AlternateContent>
+</p:sld>
+</file>
+
+<file path=ppt/slides/slide11.xml><?xml version="1.0" encoding="utf-8"?>
+<p:sld xmlns:a="http://schemas.openxmlformats.org/drawingml/2006/main" xmlns:r="http://schemas.openxmlformats.org/officeDocument/2006/relationships" xmlns:p="http://schemas.openxmlformats.org/presentationml/2006/main">
+  <p:cSld>
+    <p:spTree>
+      <p:nvGrpSpPr>
+        <p:cNvPr id="1" name=""/>
+        <p:cNvGrpSpPr/>
+        <p:nvPr/>
+      </p:nvGrpSpPr>
+      <p:grpSpPr>
+        <a:xfrm>
+          <a:off x="0" y="0"/>
+          <a:ext cx="0" cy="0"/>
+          <a:chOff x="0" y="0"/>
+          <a:chExt cx="0" cy="0"/>
+        </a:xfrm>
+      </p:grpSpPr>
+      <p:sp>
+        <p:nvSpPr>
+          <p:cNvPr id="2" name="Title 1">
+            <a:extLst>
+              <a:ext uri="{FF2B5EF4-FFF2-40B4-BE49-F238E27FC236}">
+                <a16:creationId xmlns:a16="http://schemas.microsoft.com/office/drawing/2014/main" id="{CBC3A442-0CEF-F993-AF83-16706CBC20A1}"/>
+              </a:ext>
+            </a:extLst>
+          </p:cNvPr>
+          <p:cNvSpPr>
+            <a:spLocks noGrp="1"/>
+          </p:cNvSpPr>
+          <p:nvPr>
+            <p:ph type="title"/>
+          </p:nvPr>
+        </p:nvSpPr>
+        <p:spPr/>
+        <p:txBody>
+          <a:bodyPr/>
+          <a:lstStyle/>
+          <a:p>
+            <a:endParaRPr lang="en-US" dirty="0"/>
+          </a:p>
+        </p:txBody>
+      </p:sp>
+      <p:sp>
+        <p:nvSpPr>
+          <p:cNvPr id="3" name="Content Placeholder 2">
+            <a:extLst>
+              <a:ext uri="{FF2B5EF4-FFF2-40B4-BE49-F238E27FC236}">
+                <a16:creationId xmlns:a16="http://schemas.microsoft.com/office/drawing/2014/main" id="{EC77E4F6-5289-82F4-644F-D7FD8E65B839}"/>
+              </a:ext>
+            </a:extLst>
+          </p:cNvPr>
+          <p:cNvSpPr>
+            <a:spLocks noGrp="1"/>
+          </p:cNvSpPr>
+          <p:nvPr>
+            <p:ph idx="1"/>
+          </p:nvPr>
+        </p:nvSpPr>
+        <p:spPr/>
+        <p:txBody>
+          <a:bodyPr/>
+          <a:lstStyle/>
+          <a:p>
+            <a:pPr marL="514350" indent="-514350">
+              <a:buFont typeface="+mj-lt"/>
+              <a:buAutoNum type="arabicPeriod"/>
+            </a:pPr>
+            <a:r>
+              <a:rPr lang="en-US" dirty="0">
+                <a:solidFill>
+                  <a:schemeClr val="bg1"/>
+                </a:solidFill>
+              </a:rPr>
+              <a:t>In Order to Use Machine </a:t>
+            </a:r>
+            <a:r>
+              <a:rPr lang="en-US" dirty="0" err="1">
+                <a:solidFill>
+                  <a:schemeClr val="bg1"/>
+                </a:solidFill>
+              </a:rPr>
+              <a:t>Learing</a:t>
+            </a:r>
+            <a:r>
+              <a:rPr lang="en-US" dirty="0">
+                <a:solidFill>
+                  <a:schemeClr val="bg1"/>
+                </a:solidFill>
+              </a:rPr>
+              <a:t> We Need Data. That’s why we use Citizen Science. After Deciding how reliable it was. We can then use the data tor train models.</a:t>
+            </a:r>
+          </a:p>
+          <a:p>
+            <a:pPr marL="514350" indent="-514350">
+              <a:buFont typeface="+mj-lt"/>
+              <a:buAutoNum type="arabicPeriod"/>
+            </a:pPr>
+            <a:r>
+              <a:rPr lang="en-US" dirty="0">
+                <a:solidFill>
+                  <a:schemeClr val="bg1"/>
+                </a:solidFill>
+              </a:rPr>
+              <a:t>The </a:t>
+            </a:r>
+            <a:r>
+              <a:rPr lang="en-US" dirty="0" err="1">
+                <a:solidFill>
+                  <a:schemeClr val="bg1"/>
+                </a:solidFill>
+              </a:rPr>
+              <a:t>Proccess</a:t>
+            </a:r>
+            <a:r>
+              <a:rPr lang="en-US" dirty="0">
+                <a:solidFill>
+                  <a:schemeClr val="bg1"/>
+                </a:solidFill>
+              </a:rPr>
+              <a:t>, Why I chose Image Processing, and Why I chose the Random Forest Classifier </a:t>
+            </a:r>
+          </a:p>
+          <a:p>
+            <a:pPr marL="514350" indent="-514350">
+              <a:buFont typeface="+mj-lt"/>
+              <a:buAutoNum type="arabicPeriod"/>
+            </a:pPr>
+            <a:r>
+              <a:rPr lang="en-US" dirty="0">
+                <a:solidFill>
+                  <a:schemeClr val="bg1"/>
+                </a:solidFill>
+              </a:rPr>
+              <a:t>The </a:t>
+            </a:r>
+            <a:r>
+              <a:rPr lang="en-US" dirty="0" err="1">
+                <a:solidFill>
+                  <a:schemeClr val="bg1"/>
+                </a:solidFill>
+              </a:rPr>
+              <a:t>resultse</a:t>
+            </a:r>
+            <a:r>
+              <a:rPr lang="en-US" dirty="0">
+                <a:solidFill>
+                  <a:schemeClr val="bg1"/>
+                </a:solidFill>
+              </a:rPr>
+              <a:t> were good show examples </a:t>
+            </a:r>
+          </a:p>
+          <a:p>
+            <a:pPr marL="514350" indent="-514350">
+              <a:buFont typeface="+mj-lt"/>
+              <a:buAutoNum type="arabicPeriod"/>
+            </a:pPr>
+            <a:r>
+              <a:rPr lang="en-US" dirty="0">
+                <a:solidFill>
+                  <a:schemeClr val="bg1"/>
+                </a:solidFill>
+              </a:rPr>
+              <a:t>Interesting things that were found that you </a:t>
+            </a:r>
+            <a:r>
+              <a:rPr lang="en-US" dirty="0" err="1">
+                <a:solidFill>
+                  <a:schemeClr val="bg1"/>
+                </a:solidFill>
+              </a:rPr>
+              <a:t>reall</a:t>
+            </a:r>
+            <a:r>
+              <a:rPr lang="en-US" dirty="0">
+                <a:solidFill>
+                  <a:schemeClr val="bg1"/>
+                </a:solidFill>
+              </a:rPr>
+              <a:t> don’t need that much its more about quality</a:t>
+            </a:r>
+          </a:p>
+        </p:txBody>
+      </p:sp>
+    </p:spTree>
+    <p:extLst>
+      <p:ext uri="{BB962C8B-B14F-4D97-AF65-F5344CB8AC3E}">
+        <p14:creationId xmlns:p14="http://schemas.microsoft.com/office/powerpoint/2010/main" val="1115564469"/>
+      </p:ext>
+    </p:extLst>
+  </p:cSld>
+  <p:clrMapOvr>
+    <a:masterClrMapping/>
+  </p:clrMapOvr>
+  <mc:AlternateContent xmlns:mc="http://schemas.openxmlformats.org/markup-compatibility/2006">
+    <mc:Choice xmlns:p159="http://schemas.microsoft.com/office/powerpoint/2015/09/main" Requires="p159">
+      <p:transition spd="slow">
+        <p159:morph option="byObject"/>
+      </p:transition>
+    </mc:Choice>
+    <mc:Fallback>
+      <p:transition spd="slow">
+        <p:fade/>
+      </p:transition>
+    </mc:Fallback>
+  </mc:AlternateContent>
+</p:sld>
+</file>
+
+<file path=ppt/slides/slide12.xml><?xml version="1.0" encoding="utf-8"?>
+<p:sld xmlns:a="http://schemas.openxmlformats.org/drawingml/2006/main" xmlns:r="http://schemas.openxmlformats.org/officeDocument/2006/relationships" xmlns:p="http://schemas.openxmlformats.org/presentationml/2006/main">
+  <p:cSld>
+    <p:spTree>
+      <p:nvGrpSpPr>
+        <p:cNvPr id="1" name=""/>
+        <p:cNvGrpSpPr/>
+        <p:nvPr/>
+      </p:nvGrpSpPr>
+      <p:grpSpPr>
+        <a:xfrm>
+          <a:off x="0" y="0"/>
+          <a:ext cx="0" cy="0"/>
+          <a:chOff x="0" y="0"/>
+          <a:chExt cx="0" cy="0"/>
+        </a:xfrm>
+      </p:grpSpPr>
+      <p:sp>
+        <p:nvSpPr>
+          <p:cNvPr id="2" name="Title 1">
+            <a:extLst>
+              <a:ext uri="{FF2B5EF4-FFF2-40B4-BE49-F238E27FC236}">
+                <a16:creationId xmlns:a16="http://schemas.microsoft.com/office/drawing/2014/main" id="{16F95496-D798-21AA-5FEF-0436CCC9B073}"/>
+              </a:ext>
+            </a:extLst>
+          </p:cNvPr>
+          <p:cNvSpPr>
+            <a:spLocks noGrp="1"/>
+          </p:cNvSpPr>
+          <p:nvPr>
+            <p:ph type="title"/>
+          </p:nvPr>
+        </p:nvSpPr>
+        <p:spPr/>
+        <p:txBody>
+          <a:bodyPr/>
+          <a:lstStyle/>
+          <a:p>
+            <a:r>
+              <a:rPr lang="en-US" b="1" dirty="0">
+                <a:solidFill>
+                  <a:schemeClr val="bg1"/>
+                </a:solidFill>
+              </a:rPr>
+              <a:t>Choosing a Classifier </a:t>
+            </a:r>
+          </a:p>
+        </p:txBody>
+      </p:sp>
+      <p:sp>
+        <p:nvSpPr>
+          <p:cNvPr id="3" name="Content Placeholder 2">
+            <a:extLst>
+              <a:ext uri="{FF2B5EF4-FFF2-40B4-BE49-F238E27FC236}">
+                <a16:creationId xmlns:a16="http://schemas.microsoft.com/office/drawing/2014/main" id="{410F8D15-9657-EE41-ACA9-0166252CA41D}"/>
+              </a:ext>
+            </a:extLst>
+          </p:cNvPr>
+          <p:cNvSpPr>
+            <a:spLocks noGrp="1"/>
+          </p:cNvSpPr>
+          <p:nvPr>
+            <p:ph idx="1"/>
+          </p:nvPr>
+        </p:nvSpPr>
+        <p:spPr/>
+        <p:txBody>
+          <a:bodyPr/>
+          <a:lstStyle/>
+          <a:p>
+            <a:r>
+              <a:rPr lang="en-US" dirty="0">
+                <a:solidFill>
+                  <a:schemeClr val="bg1"/>
+                </a:solidFill>
+              </a:rPr>
+              <a:t>Random Forest </a:t>
+            </a:r>
+          </a:p>
+          <a:p>
+            <a:r>
+              <a:rPr lang="en-US" dirty="0">
+                <a:solidFill>
+                  <a:schemeClr val="bg1"/>
+                </a:solidFill>
+              </a:rPr>
+              <a:t>Why</a:t>
+            </a:r>
+          </a:p>
+          <a:p>
+            <a:pPr lvl="1"/>
+            <a:r>
+              <a:rPr lang="en-US" dirty="0">
+                <a:solidFill>
+                  <a:schemeClr val="bg1"/>
+                </a:solidFill>
+              </a:rPr>
+              <a:t>Classifying in group </a:t>
+            </a:r>
+          </a:p>
+          <a:p>
+            <a:pPr lvl="1"/>
+            <a:r>
+              <a:rPr lang="en-US" dirty="0">
+                <a:solidFill>
+                  <a:schemeClr val="bg1"/>
+                </a:solidFill>
+              </a:rPr>
+              <a:t>Looking for features </a:t>
+            </a:r>
+          </a:p>
+          <a:p>
+            <a:pPr lvl="1"/>
+            <a:endParaRPr lang="en-US" dirty="0">
+              <a:solidFill>
+                <a:schemeClr val="bg1"/>
+              </a:solidFill>
+            </a:endParaRPr>
+          </a:p>
+        </p:txBody>
+      </p:sp>
+      <p:pic>
+        <p:nvPicPr>
+          <p:cNvPr id="5" name="Picture 4">
+            <a:extLst>
+              <a:ext uri="{FF2B5EF4-FFF2-40B4-BE49-F238E27FC236}">
+                <a16:creationId xmlns:a16="http://schemas.microsoft.com/office/drawing/2014/main" id="{5D4505F3-8EDF-3BD6-0BF0-5AD342D58841}"/>
+              </a:ext>
+            </a:extLst>
+          </p:cNvPr>
+          <p:cNvPicPr>
+            <a:picLocks noChangeAspect="1"/>
+          </p:cNvPicPr>
+          <p:nvPr/>
+        </p:nvPicPr>
+        <p:blipFill>
+          <a:blip r:embed="rId2"/>
+          <a:stretch>
+            <a:fillRect/>
+          </a:stretch>
+        </p:blipFill>
+        <p:spPr>
+          <a:xfrm>
+            <a:off x="5991224" y="1690688"/>
+            <a:ext cx="5510213" cy="3633546"/>
+          </a:xfrm>
+          <a:prstGeom prst="rect">
+            <a:avLst/>
+          </a:prstGeom>
+        </p:spPr>
+      </p:pic>
+    </p:spTree>
+    <p:extLst>
+      <p:ext uri="{BB962C8B-B14F-4D97-AF65-F5344CB8AC3E}">
+        <p14:creationId xmlns:p14="http://schemas.microsoft.com/office/powerpoint/2010/main" val="76866746"/>
+      </p:ext>
+    </p:extLst>
+  </p:cSld>
+  <p:clrMapOvr>
+    <a:masterClrMapping/>
+  </p:clrMapOvr>
+  <mc:AlternateContent xmlns:mc="http://schemas.openxmlformats.org/markup-compatibility/2006">
+    <mc:Choice xmlns:p159="http://schemas.microsoft.com/office/powerpoint/2015/09/main" Requires="p159">
+      <p:transition spd="slow">
+        <p159:morph option="byObject"/>
+      </p:transition>
+    </mc:Choice>
+    <mc:Fallback>
+      <p:transition spd="slow">
+        <p:fade/>
+      </p:transition>
+    </mc:Fallback>
+  </mc:AlternateContent>
+</p:sld>
+</file>
+
+<file path=ppt/slides/slide13.xml><?xml version="1.0" encoding="utf-8"?>
+<p:sld xmlns:a="http://schemas.openxmlformats.org/drawingml/2006/main" xmlns:r="http://schemas.openxmlformats.org/officeDocument/2006/relationships" xmlns:p="http://schemas.openxmlformats.org/presentationml/2006/main">
+  <p:cSld>
+    <p:spTree>
+      <p:nvGrpSpPr>
+        <p:cNvPr id="1" name=""/>
+        <p:cNvGrpSpPr/>
+        <p:nvPr/>
+      </p:nvGrpSpPr>
+      <p:grpSpPr>
+        <a:xfrm>
+          <a:off x="0" y="0"/>
+          <a:ext cx="0" cy="0"/>
+          <a:chOff x="0" y="0"/>
+          <a:chExt cx="0" cy="0"/>
+        </a:xfrm>
+      </p:grpSpPr>
+      <p:sp>
+        <p:nvSpPr>
+          <p:cNvPr id="2" name="Title 1">
+            <a:extLst>
+              <a:ext uri="{FF2B5EF4-FFF2-40B4-BE49-F238E27FC236}">
+                <a16:creationId xmlns:a16="http://schemas.microsoft.com/office/drawing/2014/main" id="{BF334BAE-0E32-5DEE-477D-71E46638BA87}"/>
+              </a:ext>
+            </a:extLst>
+          </p:cNvPr>
+          <p:cNvSpPr>
+            <a:spLocks noGrp="1"/>
+          </p:cNvSpPr>
+          <p:nvPr>
+            <p:ph type="title"/>
+          </p:nvPr>
+        </p:nvSpPr>
+        <p:spPr/>
+        <p:txBody>
+          <a:bodyPr/>
+          <a:lstStyle/>
+          <a:p>
+            <a:endParaRPr lang="en-US" dirty="0"/>
+          </a:p>
+        </p:txBody>
+      </p:sp>
+      <p:sp>
+        <p:nvSpPr>
+          <p:cNvPr id="3" name="Content Placeholder 2">
+            <a:extLst>
+              <a:ext uri="{FF2B5EF4-FFF2-40B4-BE49-F238E27FC236}">
+                <a16:creationId xmlns:a16="http://schemas.microsoft.com/office/drawing/2014/main" id="{4C053842-2A41-37B3-B87B-1D1AAC8B3F69}"/>
+              </a:ext>
+            </a:extLst>
+          </p:cNvPr>
+          <p:cNvSpPr>
+            <a:spLocks noGrp="1"/>
+          </p:cNvSpPr>
+          <p:nvPr>
+            <p:ph idx="1"/>
+          </p:nvPr>
+        </p:nvSpPr>
+        <p:spPr/>
+        <p:txBody>
+          <a:bodyPr/>
+          <a:lstStyle/>
+          <a:p>
+            <a:r>
+              <a:rPr lang="en-US" dirty="0"/>
+              <a:t>Ra</a:t>
+            </a:r>
+          </a:p>
+        </p:txBody>
+      </p:sp>
+    </p:spTree>
+    <p:extLst>
+      <p:ext uri="{BB962C8B-B14F-4D97-AF65-F5344CB8AC3E}">
+        <p14:creationId xmlns:p14="http://schemas.microsoft.com/office/powerpoint/2010/main" val="1564984587"/>
+      </p:ext>
+    </p:extLst>
+  </p:cSld>
+  <p:clrMapOvr>
+    <a:masterClrMapping/>
+  </p:clrMapOvr>
+  <mc:AlternateContent xmlns:mc="http://schemas.openxmlformats.org/markup-compatibility/2006">
+    <mc:Choice xmlns:p159="http://schemas.microsoft.com/office/powerpoint/2015/09/main" Requires="p159">
+      <p:transition spd="slow">
+        <p159:morph option="byObject"/>
+      </p:transition>
+    </mc:Choice>
+    <mc:Fallback>
+      <p:transition spd="slow">
+        <p:fade/>
+      </p:transition>
+    </mc:Fallback>
+  </mc:AlternateContent>
+</p:sld>
+</file>
+
+<file path=ppt/slides/slide14.xml><?xml version="1.0" encoding="utf-8"?>
+<p:sld xmlns:a="http://schemas.openxmlformats.org/drawingml/2006/main" xmlns:r="http://schemas.openxmlformats.org/officeDocument/2006/relationships" xmlns:p="http://schemas.openxmlformats.org/presentationml/2006/main">
+  <p:cSld>
+    <p:spTree>
+      <p:nvGrpSpPr>
+        <p:cNvPr id="1" name=""/>
+        <p:cNvGrpSpPr/>
+        <p:nvPr/>
+      </p:nvGrpSpPr>
+      <p:grpSpPr>
+        <a:xfrm>
+          <a:off x="0" y="0"/>
+          <a:ext cx="0" cy="0"/>
+          <a:chOff x="0" y="0"/>
+          <a:chExt cx="0" cy="0"/>
+        </a:xfrm>
+      </p:grpSpPr>
+      <p:sp>
+        <p:nvSpPr>
+          <p:cNvPr id="2" name="Title 1">
+            <a:extLst>
+              <a:ext uri="{FF2B5EF4-FFF2-40B4-BE49-F238E27FC236}">
+                <a16:creationId xmlns:a16="http://schemas.microsoft.com/office/drawing/2014/main" id="{2A27C760-E838-8BB6-C13D-895F674BBE84}"/>
+              </a:ext>
+            </a:extLst>
+          </p:cNvPr>
+          <p:cNvSpPr>
+            <a:spLocks noGrp="1"/>
+          </p:cNvSpPr>
+          <p:nvPr>
+            <p:ph type="title"/>
+          </p:nvPr>
+        </p:nvSpPr>
+        <p:spPr/>
+        <p:txBody>
+          <a:bodyPr/>
+          <a:lstStyle/>
+          <a:p>
+            <a:r>
+              <a:rPr lang="en-US" b="1" dirty="0">
+                <a:solidFill>
+                  <a:schemeClr val="bg1"/>
+                </a:solidFill>
+              </a:rPr>
+              <a:t>Refining Data </a:t>
+            </a:r>
+          </a:p>
+        </p:txBody>
+      </p:sp>
+      <p:sp>
+        <p:nvSpPr>
+          <p:cNvPr id="3" name="Content Placeholder 2">
+            <a:extLst>
+              <a:ext uri="{FF2B5EF4-FFF2-40B4-BE49-F238E27FC236}">
+                <a16:creationId xmlns:a16="http://schemas.microsoft.com/office/drawing/2014/main" id="{826FCB4C-102F-AFD7-3407-F421566F069C}"/>
+              </a:ext>
+            </a:extLst>
+          </p:cNvPr>
+          <p:cNvSpPr>
+            <a:spLocks noGrp="1"/>
+          </p:cNvSpPr>
+          <p:nvPr>
+            <p:ph idx="1"/>
+          </p:nvPr>
+        </p:nvSpPr>
+        <p:spPr/>
+        <p:txBody>
+          <a:bodyPr/>
+          <a:lstStyle/>
+          <a:p>
+            <a:r>
+              <a:rPr lang="en-US" dirty="0">
+                <a:solidFill>
+                  <a:schemeClr val="bg1"/>
+                </a:solidFill>
+              </a:rPr>
+              <a:t>Pixel Size of Images (15,32,64)</a:t>
+            </a:r>
+          </a:p>
+          <a:p>
+            <a:r>
+              <a:rPr lang="en-US" dirty="0">
+                <a:solidFill>
+                  <a:schemeClr val="bg1"/>
+                </a:solidFill>
+              </a:rPr>
+              <a:t>Training Test Split </a:t>
+            </a:r>
+          </a:p>
+          <a:p>
+            <a:r>
+              <a:rPr lang="en-US" dirty="0">
+                <a:solidFill>
+                  <a:schemeClr val="bg1"/>
+                </a:solidFill>
+              </a:rPr>
+              <a:t>Confidence Interval Going in </a:t>
+            </a:r>
+          </a:p>
+        </p:txBody>
+      </p:sp>
+    </p:spTree>
+    <p:extLst>
+      <p:ext uri="{BB962C8B-B14F-4D97-AF65-F5344CB8AC3E}">
+        <p14:creationId xmlns:p14="http://schemas.microsoft.com/office/powerpoint/2010/main" val="3323121695"/>
+      </p:ext>
+    </p:extLst>
+  </p:cSld>
+  <p:clrMapOvr>
+    <a:masterClrMapping/>
+  </p:clrMapOvr>
+  <mc:AlternateContent xmlns:mc="http://schemas.openxmlformats.org/markup-compatibility/2006">
+    <mc:Choice xmlns:p159="http://schemas.microsoft.com/office/powerpoint/2015/09/main" Requires="p159">
+      <p:transition spd="slow">
+        <p159:morph option="byObject"/>
+      </p:transition>
+    </mc:Choice>
+    <mc:Fallback>
+      <p:transition spd="slow">
+        <p:fade/>
+      </p:transition>
+    </mc:Fallback>
+  </mc:AlternateContent>
+</p:sld>
+</file>
+
+<file path=ppt/slides/slide15.xml><?xml version="1.0" encoding="utf-8"?>
+<p:sld xmlns:a="http://schemas.openxmlformats.org/drawingml/2006/main" xmlns:r="http://schemas.openxmlformats.org/officeDocument/2006/relationships" xmlns:p="http://schemas.openxmlformats.org/presentationml/2006/main">
+  <p:cSld>
+    <p:spTree>
+      <p:nvGrpSpPr>
+        <p:cNvPr id="1" name=""/>
+        <p:cNvGrpSpPr/>
+        <p:nvPr/>
+      </p:nvGrpSpPr>
+      <p:grpSpPr>
+        <a:xfrm>
+          <a:off x="0" y="0"/>
+          <a:ext cx="0" cy="0"/>
+          <a:chOff x="0" y="0"/>
+          <a:chExt cx="0" cy="0"/>
+        </a:xfrm>
+      </p:grpSpPr>
+      <p:sp>
+        <p:nvSpPr>
+          <p:cNvPr id="2" name="Title 1">
+            <a:extLst>
+              <a:ext uri="{FF2B5EF4-FFF2-40B4-BE49-F238E27FC236}">
+                <a16:creationId xmlns:a16="http://schemas.microsoft.com/office/drawing/2014/main" id="{0A847C95-15A8-98F1-6DC4-15D84EF3D7A5}"/>
+              </a:ext>
+            </a:extLst>
+          </p:cNvPr>
+          <p:cNvSpPr>
+            <a:spLocks noGrp="1"/>
+          </p:cNvSpPr>
+          <p:nvPr>
+            <p:ph type="title"/>
+          </p:nvPr>
+        </p:nvSpPr>
+        <p:spPr/>
+        <p:txBody>
+          <a:bodyPr/>
+          <a:lstStyle/>
+          <a:p>
+            <a:r>
+              <a:rPr lang="en-US" b="1" dirty="0">
+                <a:solidFill>
+                  <a:schemeClr val="bg1"/>
+                </a:solidFill>
+              </a:rPr>
+              <a:t>Results</a:t>
+            </a:r>
+          </a:p>
+        </p:txBody>
+      </p:sp>
+      <p:sp>
+        <p:nvSpPr>
+          <p:cNvPr id="3" name="Content Placeholder 2">
+            <a:extLst>
+              <a:ext uri="{FF2B5EF4-FFF2-40B4-BE49-F238E27FC236}">
+                <a16:creationId xmlns:a16="http://schemas.microsoft.com/office/drawing/2014/main" id="{9813D788-46DF-BA86-72AE-CA995EEA4B7C}"/>
+              </a:ext>
+            </a:extLst>
+          </p:cNvPr>
+          <p:cNvSpPr>
+            <a:spLocks noGrp="1"/>
+          </p:cNvSpPr>
+          <p:nvPr>
+            <p:ph idx="1"/>
+          </p:nvPr>
+        </p:nvSpPr>
+        <p:spPr/>
+        <p:txBody>
+          <a:bodyPr/>
+          <a:lstStyle/>
+          <a:p>
+            <a:r>
+              <a:rPr lang="en-US" dirty="0">
+                <a:solidFill>
+                  <a:schemeClr val="bg1"/>
+                </a:solidFill>
+              </a:rPr>
+              <a:t>Training Data Accuracy 86%</a:t>
+            </a:r>
+          </a:p>
+          <a:p>
+            <a:r>
+              <a:rPr lang="en-US" dirty="0">
+                <a:solidFill>
+                  <a:schemeClr val="bg1"/>
+                </a:solidFill>
+              </a:rPr>
+              <a:t>Golden Sample Accuracy 68%</a:t>
+            </a:r>
+          </a:p>
+          <a:p>
+            <a:r>
+              <a:rPr lang="en-US" dirty="0">
+                <a:solidFill>
+                  <a:schemeClr val="bg1"/>
+                </a:solidFill>
+              </a:rPr>
+              <a:t>10,15,8,1</a:t>
+            </a:r>
+          </a:p>
+          <a:p>
+            <a:r>
+              <a:rPr lang="en-US" dirty="0">
+                <a:solidFill>
+                  <a:schemeClr val="bg1"/>
+                </a:solidFill>
+              </a:rPr>
+              <a:t>Classified extended</a:t>
+            </a:r>
+          </a:p>
+        </p:txBody>
+      </p:sp>
+      <p:pic>
+        <p:nvPicPr>
+          <p:cNvPr id="5" name="Picture 4">
+            <a:extLst>
+              <a:ext uri="{FF2B5EF4-FFF2-40B4-BE49-F238E27FC236}">
+                <a16:creationId xmlns:a16="http://schemas.microsoft.com/office/drawing/2014/main" id="{309C68B5-153B-351D-7F40-4197B0E98E87}"/>
+              </a:ext>
+            </a:extLst>
+          </p:cNvPr>
+          <p:cNvPicPr>
+            <a:picLocks noChangeAspect="1"/>
+          </p:cNvPicPr>
+          <p:nvPr/>
+        </p:nvPicPr>
+        <p:blipFill>
+          <a:blip r:embed="rId2"/>
+          <a:stretch>
+            <a:fillRect/>
+          </a:stretch>
+        </p:blipFill>
+        <p:spPr>
+          <a:xfrm>
+            <a:off x="7136869" y="1825625"/>
+            <a:ext cx="4351867" cy="3263900"/>
+          </a:xfrm>
+          <a:prstGeom prst="rect">
+            <a:avLst/>
+          </a:prstGeom>
+        </p:spPr>
+      </p:pic>
+    </p:spTree>
+    <p:extLst>
+      <p:ext uri="{BB962C8B-B14F-4D97-AF65-F5344CB8AC3E}">
+        <p14:creationId xmlns:p14="http://schemas.microsoft.com/office/powerpoint/2010/main" val="769525873"/>
+      </p:ext>
+    </p:extLst>
+  </p:cSld>
+  <p:clrMapOvr>
+    <a:masterClrMapping/>
+  </p:clrMapOvr>
+  <mc:AlternateContent xmlns:mc="http://schemas.openxmlformats.org/markup-compatibility/2006">
+    <mc:Choice xmlns:p159="http://schemas.microsoft.com/office/powerpoint/2015/09/main" Requires="p159">
+      <p:transition spd="slow">
+        <p159:morph option="byObject"/>
+      </p:transition>
+    </mc:Choice>
+    <mc:Fallback>
+      <p:transition spd="slow">
+        <p:fade/>
+      </p:transition>
+    </mc:Fallback>
+  </mc:AlternateContent>
+</p:sld>
+</file>
+
+<file path=ppt/slides/slide16.xml><?xml version="1.0" encoding="utf-8"?>
+<p:sld xmlns:a="http://schemas.openxmlformats.org/drawingml/2006/main" xmlns:r="http://schemas.openxmlformats.org/officeDocument/2006/relationships" xmlns:p="http://schemas.openxmlformats.org/presentationml/2006/main">
+  <p:cSld>
+    <p:spTree>
+      <p:nvGrpSpPr>
+        <p:cNvPr id="1" name=""/>
+        <p:cNvGrpSpPr/>
+        <p:nvPr/>
+      </p:nvGrpSpPr>
+      <p:grpSpPr>
+        <a:xfrm>
+          <a:off x="0" y="0"/>
+          <a:ext cx="0" cy="0"/>
+          <a:chOff x="0" y="0"/>
+          <a:chExt cx="0" cy="0"/>
+        </a:xfrm>
+      </p:grpSpPr>
       <p:sp>
         <p:nvSpPr>
           <p:cNvPr id="2" name="Title 1">
@@ -3699,7 +5196,7 @@
   </p:clrMapOvr>
   <mc:AlternateContent xmlns:mc="http://schemas.openxmlformats.org/markup-compatibility/2006">
     <mc:Choice xmlns:p159="http://schemas.microsoft.com/office/powerpoint/2015/09/main" Requires="p159">
-      <p:transition xmlns:p14="http://schemas.microsoft.com/office/powerpoint/2010/main" spd="slow" p14:dur="2000">
+      <p:transition spd="slow">
         <p159:morph option="byObject"/>
       </p:transition>
     </mc:Choice>
@@ -3734,7 +5231,7 @@
           <p:cNvPr id="2" name="Title 1">
             <a:extLst>
               <a:ext uri="{FF2B5EF4-FFF2-40B4-BE49-F238E27FC236}">
-                <a16:creationId xmlns:a16="http://schemas.microsoft.com/office/drawing/2014/main" id="{27DF3E7C-1467-150A-2B82-01BC2FC32448}"/>
+                <a16:creationId xmlns:a16="http://schemas.microsoft.com/office/drawing/2014/main" id="{3C792C20-2F0F-F41B-CD9E-105017AA5B72}"/>
               </a:ext>
             </a:extLst>
           </p:cNvPr>
@@ -3756,50 +5253,17 @@
                   <a:schemeClr val="bg1"/>
                 </a:solidFill>
               </a:rPr>
-              <a:t>A citizen science project to classify Gamma Ray Bursts. </a:t>
+              <a:t>First Things First…</a:t>
             </a:r>
           </a:p>
         </p:txBody>
       </p:sp>
-    </p:spTree>
-    <p:extLst>
-      <p:ext uri="{BB962C8B-B14F-4D97-AF65-F5344CB8AC3E}">
-        <p14:creationId xmlns:p14="http://schemas.microsoft.com/office/powerpoint/2010/main" val="1983140737"/>
-      </p:ext>
-    </p:extLst>
-  </p:cSld>
-  <p:clrMapOvr>
-    <a:masterClrMapping/>
-  </p:clrMapOvr>
-  <p:transition spd="slow">
-    <p:wipe/>
-  </p:transition>
-</p:sld>
-</file>
-
-<file path=ppt/slides/slide3.xml><?xml version="1.0" encoding="utf-8"?>
-<p:sld xmlns:a="http://schemas.openxmlformats.org/drawingml/2006/main" xmlns:r="http://schemas.openxmlformats.org/officeDocument/2006/relationships" xmlns:p="http://schemas.openxmlformats.org/presentationml/2006/main">
-  <p:cSld>
-    <p:spTree>
-      <p:nvGrpSpPr>
-        <p:cNvPr id="1" name=""/>
-        <p:cNvGrpSpPr/>
-        <p:nvPr/>
-      </p:nvGrpSpPr>
-      <p:grpSpPr>
-        <a:xfrm>
-          <a:off x="0" y="0"/>
-          <a:ext cx="0" cy="0"/>
-          <a:chOff x="0" y="0"/>
-          <a:chExt cx="0" cy="0"/>
-        </a:xfrm>
-      </p:grpSpPr>
       <p:sp>
         <p:nvSpPr>
-          <p:cNvPr id="2" name="Title 1">
-            <a:extLst>
-              <a:ext uri="{FF2B5EF4-FFF2-40B4-BE49-F238E27FC236}">
-                <a16:creationId xmlns:a16="http://schemas.microsoft.com/office/drawing/2014/main" id="{49960824-A4F4-F9FE-C0AD-DA4A295694D6}"/>
+          <p:cNvPr id="3" name="Content Placeholder 2">
+            <a:extLst>
+              <a:ext uri="{FF2B5EF4-FFF2-40B4-BE49-F238E27FC236}">
+                <a16:creationId xmlns:a16="http://schemas.microsoft.com/office/drawing/2014/main" id="{1E198429-A3F4-B727-3B14-DBC9098C6CD4}"/>
               </a:ext>
             </a:extLst>
           </p:cNvPr>
@@ -3807,40 +5271,113 @@
             <a:spLocks noGrp="1"/>
           </p:cNvSpPr>
           <p:nvPr>
-            <p:ph type="title"/>
+            <p:ph idx="1"/>
           </p:nvPr>
         </p:nvSpPr>
-        <p:spPr/>
+        <p:spPr>
+          <a:xfrm>
+            <a:off x="838200" y="2143593"/>
+            <a:ext cx="5257800" cy="4033370"/>
+          </a:xfrm>
+        </p:spPr>
         <p:txBody>
           <a:bodyPr/>
           <a:lstStyle/>
           <a:p>
             <a:r>
-              <a:rPr lang="en-US" b="1" dirty="0">
+              <a:rPr lang="en-US" dirty="0">
                 <a:solidFill>
                   <a:schemeClr val="bg1"/>
                 </a:solidFill>
               </a:rPr>
-              <a:t>What is a Gamma Ray Burst?</a:t>
-            </a:r>
+              <a:t>Burst Chaser Project</a:t>
+            </a:r>
+          </a:p>
+          <a:p>
+            <a:r>
+              <a:rPr lang="en-US" dirty="0">
+                <a:solidFill>
+                  <a:schemeClr val="bg1"/>
+                </a:solidFill>
+              </a:rPr>
+              <a:t>Citizen Science</a:t>
+            </a:r>
+          </a:p>
+          <a:p>
+            <a:pPr lvl="1"/>
+            <a:r>
+              <a:rPr lang="en-US" dirty="0">
+                <a:solidFill>
+                  <a:schemeClr val="bg1"/>
+                </a:solidFill>
+              </a:rPr>
+              <a:t>Classify</a:t>
+            </a:r>
+          </a:p>
+          <a:p>
+            <a:pPr lvl="1"/>
+            <a:r>
+              <a:rPr lang="en-US" dirty="0">
+                <a:solidFill>
+                  <a:schemeClr val="bg1"/>
+                </a:solidFill>
+              </a:rPr>
+              <a:t>Comments</a:t>
+            </a:r>
+          </a:p>
+          <a:p>
+            <a:pPr lvl="1"/>
+            <a:r>
+              <a:rPr lang="en-US" dirty="0">
+                <a:solidFill>
+                  <a:schemeClr val="bg1"/>
+                </a:solidFill>
+              </a:rPr>
+              <a:t>Tags </a:t>
+            </a:r>
+          </a:p>
+          <a:p>
+            <a:pPr marL="0" indent="0">
+              <a:buNone/>
+            </a:pPr>
+            <a:r>
+              <a:rPr lang="en-US" dirty="0">
+                <a:solidFill>
+                  <a:schemeClr val="bg1"/>
+                </a:solidFill>
+              </a:rPr>
+              <a:t>	</a:t>
+            </a:r>
+          </a:p>
+          <a:p>
+            <a:endParaRPr lang="en-US" dirty="0">
+              <a:solidFill>
+                <a:schemeClr val="bg1"/>
+              </a:solidFill>
+            </a:endParaRPr>
+          </a:p>
+          <a:p>
+            <a:endParaRPr lang="en-US" dirty="0">
+              <a:solidFill>
+                <a:schemeClr val="bg1"/>
+              </a:solidFill>
+            </a:endParaRPr>
           </a:p>
         </p:txBody>
       </p:sp>
       <p:pic>
         <p:nvPicPr>
-          <p:cNvPr id="2050" name="Picture 2" descr="Supernova Remnant Images | Free Photos, PNG Stickers, Wallpapers ...">
-            <a:extLst>
-              <a:ext uri="{FF2B5EF4-FFF2-40B4-BE49-F238E27FC236}">
-                <a16:creationId xmlns:a16="http://schemas.microsoft.com/office/drawing/2014/main" id="{F708E2F9-8988-D221-4FEA-2E91962CF7AC}"/>
+          <p:cNvPr id="4" name="Picture 2" descr="Project icon for Burst Chaser">
+            <a:extLst>
+              <a:ext uri="{FF2B5EF4-FFF2-40B4-BE49-F238E27FC236}">
+                <a16:creationId xmlns:a16="http://schemas.microsoft.com/office/drawing/2014/main" id="{444ADE59-EF1E-E3B7-F1D7-FD038CED8983}"/>
               </a:ext>
             </a:extLst>
           </p:cNvPr>
           <p:cNvPicPr>
-            <a:picLocks noGrp="1" noChangeAspect="1" noChangeArrowheads="1"/>
+            <a:picLocks noChangeAspect="1" noChangeArrowheads="1"/>
           </p:cNvPicPr>
-          <p:nvPr>
-            <p:ph idx="1"/>
-          </p:nvPr>
+          <p:nvPr/>
         </p:nvPicPr>
         <p:blipFill>
           <a:blip r:embed="rId2">
@@ -3857,8 +5394,8 @@
         </p:blipFill>
         <p:spPr bwMode="auto">
           <a:xfrm>
-            <a:off x="9116165" y="365125"/>
-            <a:ext cx="2664802" cy="2671465"/>
+            <a:off x="10452924" y="102489"/>
+            <a:ext cx="1497711" cy="1497711"/>
           </a:xfrm>
           <a:prstGeom prst="rect">
             <a:avLst/>
@@ -3877,232 +5414,278 @@
       </p:pic>
       <p:pic>
         <p:nvPicPr>
-          <p:cNvPr id="2052" name="Picture 4">
-            <a:extLst>
-              <a:ext uri="{FF2B5EF4-FFF2-40B4-BE49-F238E27FC236}">
-                <a16:creationId xmlns:a16="http://schemas.microsoft.com/office/drawing/2014/main" id="{8DC42FF6-8E64-A989-DB3E-F3C57D5C2DF6}"/>
+          <p:cNvPr id="8" name="Picture 7" descr="A graph with blue lines&#10;&#10;Description automatically generated">
+            <a:extLst>
+              <a:ext uri="{FF2B5EF4-FFF2-40B4-BE49-F238E27FC236}">
+                <a16:creationId xmlns:a16="http://schemas.microsoft.com/office/drawing/2014/main" id="{1ED2A9C5-A681-3F97-324B-75EDD1369E4F}"/>
               </a:ext>
             </a:extLst>
           </p:cNvPr>
           <p:cNvPicPr>
-            <a:picLocks noChangeAspect="1" noChangeArrowheads="1"/>
+            <a:picLocks noChangeAspect="1"/>
           </p:cNvPicPr>
           <p:nvPr/>
         </p:nvPicPr>
         <p:blipFill>
-          <a:blip r:embed="rId3">
-            <a:extLst>
-              <a:ext uri="{28A0092B-C50C-407E-A947-70E740481C1C}">
-                <a14:useLocalDpi xmlns:a14="http://schemas.microsoft.com/office/drawing/2010/main" val="0"/>
-              </a:ext>
-            </a:extLst>
-          </a:blip>
-          <a:srcRect/>
+          <a:blip r:embed="rId3"/>
           <a:stretch>
             <a:fillRect/>
           </a:stretch>
         </p:blipFill>
-        <p:spPr bwMode="auto">
+        <p:spPr>
           <a:xfrm>
-            <a:off x="8343926" y="3213089"/>
-            <a:ext cx="2664802" cy="2555939"/>
+            <a:off x="7203745" y="2143593"/>
+            <a:ext cx="4150055" cy="3112541"/>
           </a:xfrm>
           <a:prstGeom prst="rect">
             <a:avLst/>
           </a:prstGeom>
-          <a:noFill/>
-          <a:extLst>
-            <a:ext uri="{909E8E84-426E-40DD-AFC4-6F175D3DCCD1}">
-              <a14:hiddenFill xmlns:a14="http://schemas.microsoft.com/office/drawing/2010/main">
-                <a:solidFill>
-                  <a:srgbClr val="FFFFFF"/>
-                </a:solidFill>
-              </a14:hiddenFill>
-            </a:ext>
-          </a:extLst>
         </p:spPr>
       </p:pic>
       <p:pic>
         <p:nvPicPr>
-          <p:cNvPr id="2054" name="Picture 6">
-            <a:extLst>
-              <a:ext uri="{FF2B5EF4-FFF2-40B4-BE49-F238E27FC236}">
-                <a16:creationId xmlns:a16="http://schemas.microsoft.com/office/drawing/2014/main" id="{43DA839D-CB40-25D1-9AD3-631D61A67D13}"/>
+          <p:cNvPr id="10" name="Picture 9" descr="A graph of a tall tower&#10;&#10;Description automatically generated">
+            <a:extLst>
+              <a:ext uri="{FF2B5EF4-FFF2-40B4-BE49-F238E27FC236}">
+                <a16:creationId xmlns:a16="http://schemas.microsoft.com/office/drawing/2014/main" id="{C078974A-150B-760E-76EC-2A3D82F467C6}"/>
               </a:ext>
             </a:extLst>
           </p:cNvPr>
           <p:cNvPicPr>
-            <a:picLocks noChangeAspect="1" noChangeArrowheads="1"/>
+            <a:picLocks noChangeAspect="1"/>
           </p:cNvPicPr>
           <p:nvPr/>
         </p:nvPicPr>
-        <p:blipFill rotWithShape="1">
-          <a:blip r:embed="rId4">
-            <a:extLst>
-              <a:ext uri="{28A0092B-C50C-407E-A947-70E740481C1C}">
-                <a14:useLocalDpi xmlns:a14="http://schemas.microsoft.com/office/drawing/2010/main" val="0"/>
-              </a:ext>
-            </a:extLst>
-          </a:blip>
-          <a:srcRect l="28835" t="18683" r="28092" b="25144"/>
-          <a:stretch/>
+        <p:blipFill>
+          <a:blip r:embed="rId4"/>
+          <a:stretch>
+            <a:fillRect/>
+          </a:stretch>
         </p:blipFill>
-        <p:spPr bwMode="auto">
+        <p:spPr>
           <a:xfrm>
-            <a:off x="5800725" y="4383325"/>
-            <a:ext cx="2300288" cy="1762067"/>
+            <a:off x="6517747" y="8544292"/>
+            <a:ext cx="3201987" cy="2401490"/>
           </a:xfrm>
           <a:prstGeom prst="rect">
             <a:avLst/>
           </a:prstGeom>
-          <a:noFill/>
-          <a:extLst>
-            <a:ext uri="{909E8E84-426E-40DD-AFC4-6F175D3DCCD1}">
-              <a14:hiddenFill xmlns:a14="http://schemas.microsoft.com/office/drawing/2010/main">
-                <a:solidFill>
-                  <a:srgbClr val="FFFFFF"/>
-                </a:solidFill>
-              </a14:hiddenFill>
-            </a:ext>
-          </a:extLst>
         </p:spPr>
       </p:pic>
       <p:pic>
         <p:nvPicPr>
-          <p:cNvPr id="2056" name="Picture 8">
-            <a:extLst>
-              <a:ext uri="{FF2B5EF4-FFF2-40B4-BE49-F238E27FC236}">
-                <a16:creationId xmlns:a16="http://schemas.microsoft.com/office/drawing/2014/main" id="{9B950A1B-2443-43F7-6693-C86EDB5A5E5B}"/>
+          <p:cNvPr id="11" name="Picture 10" descr="A graph of a graph&#10;&#10;Description automatically generated">
+            <a:extLst>
+              <a:ext uri="{FF2B5EF4-FFF2-40B4-BE49-F238E27FC236}">
+                <a16:creationId xmlns:a16="http://schemas.microsoft.com/office/drawing/2014/main" id="{71987421-D627-EDF9-11C7-EBCDC7D26A88}"/>
               </a:ext>
             </a:extLst>
           </p:cNvPr>
           <p:cNvPicPr>
-            <a:picLocks noChangeAspect="1" noChangeArrowheads="1"/>
+            <a:picLocks noChangeAspect="1"/>
           </p:cNvPicPr>
           <p:nvPr/>
         </p:nvPicPr>
         <p:blipFill>
-          <a:blip r:embed="rId5">
-            <a:extLst>
-              <a:ext uri="{28A0092B-C50C-407E-A947-70E740481C1C}">
-                <a14:useLocalDpi xmlns:a14="http://schemas.microsoft.com/office/drawing/2010/main" val="0"/>
-              </a:ext>
-            </a:extLst>
-          </a:blip>
-          <a:srcRect/>
+          <a:blip r:embed="rId5"/>
           <a:stretch>
             <a:fillRect/>
           </a:stretch>
         </p:blipFill>
-        <p:spPr bwMode="auto">
+        <p:spPr>
           <a:xfrm>
-            <a:off x="2096998" y="4383324"/>
-            <a:ext cx="2114639" cy="1903175"/>
+            <a:off x="9531023" y="-5430260"/>
+            <a:ext cx="3341512" cy="2506134"/>
           </a:xfrm>
           <a:prstGeom prst="rect">
             <a:avLst/>
           </a:prstGeom>
-          <a:noFill/>
-          <a:extLst>
-            <a:ext uri="{909E8E84-426E-40DD-AFC4-6F175D3DCCD1}">
-              <a14:hiddenFill xmlns:a14="http://schemas.microsoft.com/office/drawing/2010/main">
-                <a:solidFill>
-                  <a:srgbClr val="FFFFFF"/>
-                </a:solidFill>
-              </a14:hiddenFill>
-            </a:ext>
-          </a:extLst>
         </p:spPr>
       </p:pic>
-      <p:sp>
-        <p:nvSpPr>
-          <p:cNvPr id="5" name="TextBox 4">
-            <a:extLst>
-              <a:ext uri="{FF2B5EF4-FFF2-40B4-BE49-F238E27FC236}">
-                <a16:creationId xmlns:a16="http://schemas.microsoft.com/office/drawing/2014/main" id="{F2ED60EA-4556-13BF-B120-FE12528B9DBD}"/>
-              </a:ext>
-            </a:extLst>
-          </p:cNvPr>
-          <p:cNvSpPr txBox="1"/>
+      <p:pic>
+        <p:nvPicPr>
+          <p:cNvPr id="12" name="Picture 11" descr="A graph with blue lines&#10;&#10;Description automatically generated">
+            <a:extLst>
+              <a:ext uri="{FF2B5EF4-FFF2-40B4-BE49-F238E27FC236}">
+                <a16:creationId xmlns:a16="http://schemas.microsoft.com/office/drawing/2014/main" id="{A05C8E72-A280-ED1B-2F1E-93075844F4ED}"/>
+              </a:ext>
+            </a:extLst>
+          </p:cNvPr>
+          <p:cNvPicPr>
+            <a:picLocks noChangeAspect="1"/>
+          </p:cNvPicPr>
           <p:nvPr/>
-        </p:nvSpPr>
+        </p:nvPicPr>
+        <p:blipFill>
+          <a:blip r:embed="rId6"/>
+          <a:stretch>
+            <a:fillRect/>
+          </a:stretch>
+        </p:blipFill>
         <p:spPr>
           <a:xfrm>
-            <a:off x="1510083" y="1666876"/>
-            <a:ext cx="4447805" cy="2062103"/>
+            <a:off x="-4295272" y="-4795625"/>
+            <a:ext cx="3221000" cy="2415750"/>
           </a:xfrm>
           <a:prstGeom prst="rect">
             <a:avLst/>
           </a:prstGeom>
-          <a:noFill/>
         </p:spPr>
-        <p:txBody>
-          <a:bodyPr wrap="square" rtlCol="0">
-            <a:spAutoFit/>
-          </a:bodyPr>
-          <a:lstStyle/>
-          <a:p>
-            <a:pPr marL="342900" indent="-342900">
-              <a:buFont typeface="Arial" panose="020B0604020202020204" pitchFamily="34" charset="0"/>
-              <a:buChar char="•"/>
-            </a:pPr>
-            <a:r>
-              <a:rPr lang="en-US" sz="3200" dirty="0">
-                <a:solidFill>
-                  <a:schemeClr val="bg1"/>
-                </a:solidFill>
-              </a:rPr>
-              <a:t>Space Explosions </a:t>
-            </a:r>
-          </a:p>
-          <a:p>
-            <a:pPr marL="342900" indent="-342900">
-              <a:buFont typeface="Arial" panose="020B0604020202020204" pitchFamily="34" charset="0"/>
-              <a:buChar char="•"/>
-            </a:pPr>
-            <a:r>
-              <a:rPr lang="en-US" sz="3200" dirty="0">
-                <a:solidFill>
-                  <a:schemeClr val="bg1"/>
-                </a:solidFill>
-              </a:rPr>
-              <a:t>Supernova</a:t>
-            </a:r>
-          </a:p>
-          <a:p>
-            <a:pPr marL="342900" indent="-342900">
-              <a:buFont typeface="Arial" panose="020B0604020202020204" pitchFamily="34" charset="0"/>
-              <a:buChar char="•"/>
-            </a:pPr>
-            <a:r>
-              <a:rPr lang="en-US" sz="3200" dirty="0">
-                <a:solidFill>
-                  <a:schemeClr val="bg1"/>
-                </a:solidFill>
-              </a:rPr>
-              <a:t>Neutron Star</a:t>
-            </a:r>
-          </a:p>
-          <a:p>
-            <a:pPr marL="342900" indent="-342900">
-              <a:buFont typeface="Arial" panose="020B0604020202020204" pitchFamily="34" charset="0"/>
-              <a:buChar char="•"/>
-            </a:pPr>
-            <a:r>
-              <a:rPr lang="en-US" sz="3200" dirty="0">
-                <a:solidFill>
-                  <a:schemeClr val="bg1"/>
-                </a:solidFill>
-              </a:rPr>
-              <a:t>Black Hole </a:t>
-            </a:r>
-          </a:p>
-        </p:txBody>
-      </p:sp>
+      </p:pic>
+      <p:pic>
+        <p:nvPicPr>
+          <p:cNvPr id="13" name="Picture 12">
+            <a:extLst>
+              <a:ext uri="{FF2B5EF4-FFF2-40B4-BE49-F238E27FC236}">
+                <a16:creationId xmlns:a16="http://schemas.microsoft.com/office/drawing/2014/main" id="{9CE87EC2-1935-C84F-6ED4-AFB74CEE7A0A}"/>
+              </a:ext>
+            </a:extLst>
+          </p:cNvPr>
+          <p:cNvPicPr>
+            <a:picLocks noChangeAspect="1"/>
+          </p:cNvPicPr>
+          <p:nvPr/>
+        </p:nvPicPr>
+        <p:blipFill>
+          <a:blip r:embed="rId7"/>
+          <a:stretch>
+            <a:fillRect/>
+          </a:stretch>
+        </p:blipFill>
+        <p:spPr>
+          <a:xfrm>
+            <a:off x="1662537" y="9033511"/>
+            <a:ext cx="3609125" cy="2706844"/>
+          </a:xfrm>
+          <a:prstGeom prst="rect">
+            <a:avLst/>
+          </a:prstGeom>
+        </p:spPr>
+      </p:pic>
+      <p:pic>
+        <p:nvPicPr>
+          <p:cNvPr id="14" name="Picture 13" descr="A graph of a graph&#10;&#10;Description automatically generated">
+            <a:extLst>
+              <a:ext uri="{FF2B5EF4-FFF2-40B4-BE49-F238E27FC236}">
+                <a16:creationId xmlns:a16="http://schemas.microsoft.com/office/drawing/2014/main" id="{1BBD52A1-59D5-1B22-277F-A944722C0E97}"/>
+              </a:ext>
+            </a:extLst>
+          </p:cNvPr>
+          <p:cNvPicPr>
+            <a:picLocks noChangeAspect="1"/>
+          </p:cNvPicPr>
+          <p:nvPr/>
+        </p:nvPicPr>
+        <p:blipFill>
+          <a:blip r:embed="rId8"/>
+          <a:stretch>
+            <a:fillRect/>
+          </a:stretch>
+        </p:blipFill>
+        <p:spPr>
+          <a:xfrm>
+            <a:off x="2600331" y="-5056781"/>
+            <a:ext cx="3917416" cy="2938062"/>
+          </a:xfrm>
+          <a:prstGeom prst="rect">
+            <a:avLst/>
+          </a:prstGeom>
+        </p:spPr>
+      </p:pic>
+      <p:pic>
+        <p:nvPicPr>
+          <p:cNvPr id="15" name="Picture 14" descr="A graph of a graph&#10;&#10;Description automatically generated">
+            <a:extLst>
+              <a:ext uri="{FF2B5EF4-FFF2-40B4-BE49-F238E27FC236}">
+                <a16:creationId xmlns:a16="http://schemas.microsoft.com/office/drawing/2014/main" id="{0CBD6E9E-37FC-8FF6-0714-2B9A0FB7E8CE}"/>
+              </a:ext>
+            </a:extLst>
+          </p:cNvPr>
+          <p:cNvPicPr>
+            <a:picLocks noChangeAspect="1"/>
+          </p:cNvPicPr>
+          <p:nvPr/>
+        </p:nvPicPr>
+        <p:blipFill>
+          <a:blip r:embed="rId9"/>
+          <a:stretch>
+            <a:fillRect/>
+          </a:stretch>
+        </p:blipFill>
+        <p:spPr>
+          <a:xfrm>
+            <a:off x="12872535" y="6114511"/>
+            <a:ext cx="3341511" cy="2506133"/>
+          </a:xfrm>
+          <a:prstGeom prst="rect">
+            <a:avLst/>
+          </a:prstGeom>
+        </p:spPr>
+      </p:pic>
+      <p:pic>
+        <p:nvPicPr>
+          <p:cNvPr id="16" name="Picture 15" descr="A blue line graph with text&#10;&#10;Description automatically generated">
+            <a:extLst>
+              <a:ext uri="{FF2B5EF4-FFF2-40B4-BE49-F238E27FC236}">
+                <a16:creationId xmlns:a16="http://schemas.microsoft.com/office/drawing/2014/main" id="{622271AD-F0F1-8FEE-392F-DAEDA6FDB916}"/>
+              </a:ext>
+            </a:extLst>
+          </p:cNvPr>
+          <p:cNvPicPr>
+            <a:picLocks noChangeAspect="1"/>
+          </p:cNvPicPr>
+          <p:nvPr/>
+        </p:nvPicPr>
+        <p:blipFill>
+          <a:blip r:embed="rId10"/>
+          <a:stretch>
+            <a:fillRect/>
+          </a:stretch>
+        </p:blipFill>
+        <p:spPr>
+          <a:xfrm>
+            <a:off x="-8021160" y="3320095"/>
+            <a:ext cx="3725888" cy="2794416"/>
+          </a:xfrm>
+          <a:prstGeom prst="rect">
+            <a:avLst/>
+          </a:prstGeom>
+        </p:spPr>
+      </p:pic>
+      <p:pic>
+        <p:nvPicPr>
+          <p:cNvPr id="17" name="Picture 16" descr="A graph of a graph&#10;&#10;Description automatically generated">
+            <a:extLst>
+              <a:ext uri="{FF2B5EF4-FFF2-40B4-BE49-F238E27FC236}">
+                <a16:creationId xmlns:a16="http://schemas.microsoft.com/office/drawing/2014/main" id="{A3988BC7-30A0-C250-24A0-7FBA47C2C423}"/>
+              </a:ext>
+            </a:extLst>
+          </p:cNvPr>
+          <p:cNvPicPr>
+            <a:picLocks noChangeAspect="1"/>
+          </p:cNvPicPr>
+          <p:nvPr/>
+        </p:nvPicPr>
+        <p:blipFill>
+          <a:blip r:embed="rId11"/>
+          <a:stretch>
+            <a:fillRect/>
+          </a:stretch>
+        </p:blipFill>
+        <p:spPr>
+          <a:xfrm>
+            <a:off x="14929216" y="-69538"/>
+            <a:ext cx="3116112" cy="2337084"/>
+          </a:xfrm>
+          <a:prstGeom prst="rect">
+            <a:avLst/>
+          </a:prstGeom>
+        </p:spPr>
+      </p:pic>
     </p:spTree>
     <p:extLst>
       <p:ext uri="{BB962C8B-B14F-4D97-AF65-F5344CB8AC3E}">
-        <p14:creationId xmlns:p14="http://schemas.microsoft.com/office/powerpoint/2010/main" val="1174329710"/>
+        <p14:creationId xmlns:p14="http://schemas.microsoft.com/office/powerpoint/2010/main" val="1250559591"/>
       </p:ext>
     </p:extLst>
   </p:cSld>
@@ -4111,7 +5694,7 @@
   </p:clrMapOvr>
   <mc:AlternateContent xmlns:mc="http://schemas.openxmlformats.org/markup-compatibility/2006">
     <mc:Choice xmlns:p159="http://schemas.microsoft.com/office/powerpoint/2015/09/main" Requires="p159">
-      <p:transition xmlns:p14="http://schemas.microsoft.com/office/powerpoint/2010/main" spd="slow" p14:dur="2000">
+      <p:transition spd="slow">
         <p159:morph option="byObject"/>
       </p:transition>
     </mc:Choice>
@@ -4121,313 +5704,10 @@
       </p:transition>
     </mc:Fallback>
   </mc:AlternateContent>
-  <p:timing>
-    <p:tnLst>
-      <p:par>
-        <p:cTn id="1" dur="indefinite" restart="never" nodeType="tmRoot">
-          <p:childTnLst>
-            <p:seq concurrent="1" nextAc="seek">
-              <p:cTn id="2" dur="indefinite" nodeType="mainSeq">
-                <p:childTnLst>
-                  <p:par>
-                    <p:cTn id="3" fill="hold">
-                      <p:stCondLst>
-                        <p:cond delay="indefinite"/>
-                      </p:stCondLst>
-                      <p:childTnLst>
-                        <p:par>
-                          <p:cTn id="4" fill="hold">
-                            <p:stCondLst>
-                              <p:cond delay="0"/>
-                            </p:stCondLst>
-                            <p:childTnLst>
-                              <p:par>
-                                <p:cTn id="5" presetID="1" presetClass="entr" presetSubtype="0" fill="hold" nodeType="clickEffect">
-                                  <p:stCondLst>
-                                    <p:cond delay="0"/>
-                                  </p:stCondLst>
-                                  <p:childTnLst>
-                                    <p:set>
-                                      <p:cBhvr>
-                                        <p:cTn id="6" dur="1" fill="hold">
-                                          <p:stCondLst>
-                                            <p:cond delay="0"/>
-                                          </p:stCondLst>
-                                        </p:cTn>
-                                        <p:tgtEl>
-                                          <p:spTgt spid="5">
-                                            <p:txEl>
-                                              <p:pRg st="1" end="1"/>
-                                            </p:txEl>
-                                          </p:spTgt>
-                                        </p:tgtEl>
-                                        <p:attrNameLst>
-                                          <p:attrName>style.visibility</p:attrName>
-                                        </p:attrNameLst>
-                                      </p:cBhvr>
-                                      <p:to>
-                                        <p:strVal val="visible"/>
-                                      </p:to>
-                                    </p:set>
-                                  </p:childTnLst>
-                                </p:cTn>
-                              </p:par>
-                              <p:par>
-                                <p:cTn id="7" presetID="1" presetClass="entr" presetSubtype="0" fill="hold" nodeType="withEffect">
-                                  <p:stCondLst>
-                                    <p:cond delay="0"/>
-                                  </p:stCondLst>
-                                  <p:childTnLst>
-                                    <p:set>
-                                      <p:cBhvr>
-                                        <p:cTn id="8" dur="1" fill="hold">
-                                          <p:stCondLst>
-                                            <p:cond delay="0"/>
-                                          </p:stCondLst>
-                                        </p:cTn>
-                                        <p:tgtEl>
-                                          <p:spTgt spid="2050"/>
-                                        </p:tgtEl>
-                                        <p:attrNameLst>
-                                          <p:attrName>style.visibility</p:attrName>
-                                        </p:attrNameLst>
-                                      </p:cBhvr>
-                                      <p:to>
-                                        <p:strVal val="visible"/>
-                                      </p:to>
-                                    </p:set>
-                                  </p:childTnLst>
-                                </p:cTn>
-                              </p:par>
-                            </p:childTnLst>
-                          </p:cTn>
-                        </p:par>
-                      </p:childTnLst>
-                    </p:cTn>
-                  </p:par>
-                  <p:par>
-                    <p:cTn id="9" fill="hold">
-                      <p:stCondLst>
-                        <p:cond delay="indefinite"/>
-                      </p:stCondLst>
-                      <p:childTnLst>
-                        <p:par>
-                          <p:cTn id="10" fill="hold">
-                            <p:stCondLst>
-                              <p:cond delay="0"/>
-                            </p:stCondLst>
-                            <p:childTnLst>
-                              <p:par>
-                                <p:cTn id="11" presetID="1" presetClass="entr" presetSubtype="0" fill="hold" nodeType="clickEffect">
-                                  <p:stCondLst>
-                                    <p:cond delay="0"/>
-                                  </p:stCondLst>
-                                  <p:childTnLst>
-                                    <p:set>
-                                      <p:cBhvr>
-                                        <p:cTn id="12" dur="1" fill="hold">
-                                          <p:stCondLst>
-                                            <p:cond delay="0"/>
-                                          </p:stCondLst>
-                                        </p:cTn>
-                                        <p:tgtEl>
-                                          <p:spTgt spid="5">
-                                            <p:txEl>
-                                              <p:pRg st="2" end="2"/>
-                                            </p:txEl>
-                                          </p:spTgt>
-                                        </p:tgtEl>
-                                        <p:attrNameLst>
-                                          <p:attrName>style.visibility</p:attrName>
-                                        </p:attrNameLst>
-                                      </p:cBhvr>
-                                      <p:to>
-                                        <p:strVal val="visible"/>
-                                      </p:to>
-                                    </p:set>
-                                  </p:childTnLst>
-                                </p:cTn>
-                              </p:par>
-                              <p:par>
-                                <p:cTn id="13" presetID="1" presetClass="entr" presetSubtype="0" fill="hold" nodeType="withEffect">
-                                  <p:stCondLst>
-                                    <p:cond delay="0"/>
-                                  </p:stCondLst>
-                                  <p:childTnLst>
-                                    <p:set>
-                                      <p:cBhvr>
-                                        <p:cTn id="14" dur="1" fill="hold">
-                                          <p:stCondLst>
-                                            <p:cond delay="0"/>
-                                          </p:stCondLst>
-                                        </p:cTn>
-                                        <p:tgtEl>
-                                          <p:spTgt spid="2052"/>
-                                        </p:tgtEl>
-                                        <p:attrNameLst>
-                                          <p:attrName>style.visibility</p:attrName>
-                                        </p:attrNameLst>
-                                      </p:cBhvr>
-                                      <p:to>
-                                        <p:strVal val="visible"/>
-                                      </p:to>
-                                    </p:set>
-                                  </p:childTnLst>
-                                </p:cTn>
-                              </p:par>
-                            </p:childTnLst>
-                          </p:cTn>
-                        </p:par>
-                      </p:childTnLst>
-                    </p:cTn>
-                  </p:par>
-                  <p:par>
-                    <p:cTn id="15" fill="hold">
-                      <p:stCondLst>
-                        <p:cond delay="indefinite"/>
-                      </p:stCondLst>
-                      <p:childTnLst>
-                        <p:par>
-                          <p:cTn id="16" fill="hold">
-                            <p:stCondLst>
-                              <p:cond delay="0"/>
-                            </p:stCondLst>
-                            <p:childTnLst>
-                              <p:par>
-                                <p:cTn id="17" presetID="1" presetClass="entr" presetSubtype="0" fill="hold" nodeType="clickEffect">
-                                  <p:stCondLst>
-                                    <p:cond delay="0"/>
-                                  </p:stCondLst>
-                                  <p:childTnLst>
-                                    <p:set>
-                                      <p:cBhvr>
-                                        <p:cTn id="18" dur="1" fill="hold">
-                                          <p:stCondLst>
-                                            <p:cond delay="0"/>
-                                          </p:stCondLst>
-                                        </p:cTn>
-                                        <p:tgtEl>
-                                          <p:spTgt spid="5">
-                                            <p:txEl>
-                                              <p:pRg st="3" end="3"/>
-                                            </p:txEl>
-                                          </p:spTgt>
-                                        </p:tgtEl>
-                                        <p:attrNameLst>
-                                          <p:attrName>style.visibility</p:attrName>
-                                        </p:attrNameLst>
-                                      </p:cBhvr>
-                                      <p:to>
-                                        <p:strVal val="visible"/>
-                                      </p:to>
-                                    </p:set>
-                                  </p:childTnLst>
-                                </p:cTn>
-                              </p:par>
-                              <p:par>
-                                <p:cTn id="19" presetID="1" presetClass="entr" presetSubtype="0" fill="hold" nodeType="withEffect">
-                                  <p:stCondLst>
-                                    <p:cond delay="0"/>
-                                  </p:stCondLst>
-                                  <p:childTnLst>
-                                    <p:set>
-                                      <p:cBhvr>
-                                        <p:cTn id="20" dur="1" fill="hold">
-                                          <p:stCondLst>
-                                            <p:cond delay="0"/>
-                                          </p:stCondLst>
-                                        </p:cTn>
-                                        <p:tgtEl>
-                                          <p:spTgt spid="2054"/>
-                                        </p:tgtEl>
-                                        <p:attrNameLst>
-                                          <p:attrName>style.visibility</p:attrName>
-                                        </p:attrNameLst>
-                                      </p:cBhvr>
-                                      <p:to>
-                                        <p:strVal val="visible"/>
-                                      </p:to>
-                                    </p:set>
-                                  </p:childTnLst>
-                                </p:cTn>
-                              </p:par>
-                            </p:childTnLst>
-                          </p:cTn>
-                        </p:par>
-                      </p:childTnLst>
-                    </p:cTn>
-                  </p:par>
-                  <p:par>
-                    <p:cTn id="21" fill="hold">
-                      <p:stCondLst>
-                        <p:cond delay="indefinite"/>
-                      </p:stCondLst>
-                      <p:childTnLst>
-                        <p:par>
-                          <p:cTn id="22" fill="hold">
-                            <p:stCondLst>
-                              <p:cond delay="0"/>
-                            </p:stCondLst>
-                            <p:childTnLst>
-                              <p:par>
-                                <p:cTn id="23" presetID="1" presetClass="entr" presetSubtype="0" fill="hold" nodeType="clickEffect">
-                                  <p:stCondLst>
-                                    <p:cond delay="0"/>
-                                  </p:stCondLst>
-                                  <p:childTnLst>
-                                    <p:set>
-                                      <p:cBhvr>
-                                        <p:cTn id="24" dur="1" fill="hold">
-                                          <p:stCondLst>
-                                            <p:cond delay="0"/>
-                                          </p:stCondLst>
-                                        </p:cTn>
-                                        <p:tgtEl>
-                                          <p:spTgt spid="2056"/>
-                                        </p:tgtEl>
-                                        <p:attrNameLst>
-                                          <p:attrName>style.visibility</p:attrName>
-                                        </p:attrNameLst>
-                                      </p:cBhvr>
-                                      <p:to>
-                                        <p:strVal val="visible"/>
-                                      </p:to>
-                                    </p:set>
-                                  </p:childTnLst>
-                                </p:cTn>
-                              </p:par>
-                            </p:childTnLst>
-                          </p:cTn>
-                        </p:par>
-                      </p:childTnLst>
-                    </p:cTn>
-                  </p:par>
-                </p:childTnLst>
-              </p:cTn>
-              <p:prevCondLst>
-                <p:cond evt="onPrev" delay="0">
-                  <p:tgtEl>
-                    <p:sldTgt/>
-                  </p:tgtEl>
-                </p:cond>
-              </p:prevCondLst>
-              <p:nextCondLst>
-                <p:cond evt="onNext" delay="0">
-                  <p:tgtEl>
-                    <p:sldTgt/>
-                  </p:tgtEl>
-                </p:cond>
-              </p:nextCondLst>
-            </p:seq>
-          </p:childTnLst>
-        </p:cTn>
-      </p:par>
-    </p:tnLst>
-  </p:timing>
 </p:sld>
 </file>
 
-<file path=ppt/slides/slide4.xml><?xml version="1.0" encoding="utf-8"?>
+<file path=ppt/slides/slide3.xml><?xml version="1.0" encoding="utf-8"?>
 <p:sld xmlns:a="http://schemas.openxmlformats.org/drawingml/2006/main" xmlns:r="http://schemas.openxmlformats.org/officeDocument/2006/relationships" xmlns:p="http://schemas.openxmlformats.org/presentationml/2006/main">
   <p:cSld>
     <p:spTree>
@@ -4724,337 +6004,22 @@
   <p:clrMapOvr>
     <a:masterClrMapping/>
   </p:clrMapOvr>
-  <p:timing>
-    <p:tnLst>
-      <p:par>
-        <p:cTn id="1" dur="indefinite" restart="never" nodeType="tmRoot">
-          <p:childTnLst>
-            <p:seq concurrent="1" nextAc="seek">
-              <p:cTn id="2" dur="indefinite" nodeType="mainSeq">
-                <p:childTnLst>
-                  <p:par>
-                    <p:cTn id="3" fill="hold">
-                      <p:stCondLst>
-                        <p:cond delay="indefinite"/>
-                      </p:stCondLst>
-                      <p:childTnLst>
-                        <p:par>
-                          <p:cTn id="4" fill="hold">
-                            <p:stCondLst>
-                              <p:cond delay="0"/>
-                            </p:stCondLst>
-                            <p:childTnLst>
-                              <p:par>
-                                <p:cTn id="5" presetID="1" presetClass="entr" presetSubtype="0" fill="hold" nodeType="clickEffect">
-                                  <p:stCondLst>
-                                    <p:cond delay="0"/>
-                                  </p:stCondLst>
-                                  <p:childTnLst>
-                                    <p:set>
-                                      <p:cBhvr>
-                                        <p:cTn id="6" dur="1" fill="hold">
-                                          <p:stCondLst>
-                                            <p:cond delay="0"/>
-                                          </p:stCondLst>
-                                        </p:cTn>
-                                        <p:tgtEl>
-                                          <p:spTgt spid="5"/>
-                                        </p:tgtEl>
-                                        <p:attrNameLst>
-                                          <p:attrName>style.visibility</p:attrName>
-                                        </p:attrNameLst>
-                                      </p:cBhvr>
-                                      <p:to>
-                                        <p:strVal val="visible"/>
-                                      </p:to>
-                                    </p:set>
-                                  </p:childTnLst>
-                                </p:cTn>
-                              </p:par>
-                            </p:childTnLst>
-                          </p:cTn>
-                        </p:par>
-                        <p:par>
-                          <p:cTn id="7" fill="hold">
-                            <p:stCondLst>
-                              <p:cond delay="0"/>
-                            </p:stCondLst>
-                            <p:childTnLst>
-                              <p:par>
-                                <p:cTn id="8" presetID="1" presetClass="entr" presetSubtype="0" fill="hold" nodeType="afterEffect">
-                                  <p:stCondLst>
-                                    <p:cond delay="500"/>
-                                  </p:stCondLst>
-                                  <p:childTnLst>
-                                    <p:set>
-                                      <p:cBhvr>
-                                        <p:cTn id="9" dur="1" fill="hold">
-                                          <p:stCondLst>
-                                            <p:cond delay="0"/>
-                                          </p:stCondLst>
-                                        </p:cTn>
-                                        <p:tgtEl>
-                                          <p:spTgt spid="11"/>
-                                        </p:tgtEl>
-                                        <p:attrNameLst>
-                                          <p:attrName>style.visibility</p:attrName>
-                                        </p:attrNameLst>
-                                      </p:cBhvr>
-                                      <p:to>
-                                        <p:strVal val="visible"/>
-                                      </p:to>
-                                    </p:set>
-                                  </p:childTnLst>
-                                </p:cTn>
-                              </p:par>
-                            </p:childTnLst>
-                          </p:cTn>
-                        </p:par>
-                        <p:par>
-                          <p:cTn id="10" fill="hold">
-                            <p:stCondLst>
-                              <p:cond delay="500"/>
-                            </p:stCondLst>
-                            <p:childTnLst>
-                              <p:par>
-                                <p:cTn id="11" presetID="1" presetClass="entr" presetSubtype="0" fill="hold" nodeType="afterEffect">
-                                  <p:stCondLst>
-                                    <p:cond delay="500"/>
-                                  </p:stCondLst>
-                                  <p:childTnLst>
-                                    <p:set>
-                                      <p:cBhvr>
-                                        <p:cTn id="12" dur="1" fill="hold">
-                                          <p:stCondLst>
-                                            <p:cond delay="0"/>
-                                          </p:stCondLst>
-                                        </p:cTn>
-                                        <p:tgtEl>
-                                          <p:spTgt spid="9"/>
-                                        </p:tgtEl>
-                                        <p:attrNameLst>
-                                          <p:attrName>style.visibility</p:attrName>
-                                        </p:attrNameLst>
-                                      </p:cBhvr>
-                                      <p:to>
-                                        <p:strVal val="visible"/>
-                                      </p:to>
-                                    </p:set>
-                                  </p:childTnLst>
-                                </p:cTn>
-                              </p:par>
-                            </p:childTnLst>
-                          </p:cTn>
-                        </p:par>
-                        <p:par>
-                          <p:cTn id="13" fill="hold">
-                            <p:stCondLst>
-                              <p:cond delay="1000"/>
-                            </p:stCondLst>
-                            <p:childTnLst>
-                              <p:par>
-                                <p:cTn id="14" presetID="1" presetClass="entr" presetSubtype="0" fill="hold" nodeType="afterEffect">
-                                  <p:stCondLst>
-                                    <p:cond delay="500"/>
-                                  </p:stCondLst>
-                                  <p:childTnLst>
-                                    <p:set>
-                                      <p:cBhvr>
-                                        <p:cTn id="15" dur="1" fill="hold">
-                                          <p:stCondLst>
-                                            <p:cond delay="0"/>
-                                          </p:stCondLst>
-                                        </p:cTn>
-                                        <p:tgtEl>
-                                          <p:spTgt spid="7"/>
-                                        </p:tgtEl>
-                                        <p:attrNameLst>
-                                          <p:attrName>style.visibility</p:attrName>
-                                        </p:attrNameLst>
-                                      </p:cBhvr>
-                                      <p:to>
-                                        <p:strVal val="visible"/>
-                                      </p:to>
-                                    </p:set>
-                                  </p:childTnLst>
-                                </p:cTn>
-                              </p:par>
-                            </p:childTnLst>
-                          </p:cTn>
-                        </p:par>
-                        <p:par>
-                          <p:cTn id="16" fill="hold">
-                            <p:stCondLst>
-                              <p:cond delay="1500"/>
-                            </p:stCondLst>
-                            <p:childTnLst>
-                              <p:par>
-                                <p:cTn id="17" presetID="1" presetClass="entr" presetSubtype="0" fill="hold" nodeType="afterEffect">
-                                  <p:stCondLst>
-                                    <p:cond delay="500"/>
-                                  </p:stCondLst>
-                                  <p:childTnLst>
-                                    <p:set>
-                                      <p:cBhvr>
-                                        <p:cTn id="18" dur="1" fill="hold">
-                                          <p:stCondLst>
-                                            <p:cond delay="0"/>
-                                          </p:stCondLst>
-                                        </p:cTn>
-                                        <p:tgtEl>
-                                          <p:spTgt spid="21"/>
-                                        </p:tgtEl>
-                                        <p:attrNameLst>
-                                          <p:attrName>style.visibility</p:attrName>
-                                        </p:attrNameLst>
-                                      </p:cBhvr>
-                                      <p:to>
-                                        <p:strVal val="visible"/>
-                                      </p:to>
-                                    </p:set>
-                                  </p:childTnLst>
-                                </p:cTn>
-                              </p:par>
-                            </p:childTnLst>
-                          </p:cTn>
-                        </p:par>
-                        <p:par>
-                          <p:cTn id="19" fill="hold">
-                            <p:stCondLst>
-                              <p:cond delay="2000"/>
-                            </p:stCondLst>
-                            <p:childTnLst>
-                              <p:par>
-                                <p:cTn id="20" presetID="1" presetClass="entr" presetSubtype="0" fill="hold" nodeType="afterEffect">
-                                  <p:stCondLst>
-                                    <p:cond delay="500"/>
-                                  </p:stCondLst>
-                                  <p:childTnLst>
-                                    <p:set>
-                                      <p:cBhvr>
-                                        <p:cTn id="21" dur="1" fill="hold">
-                                          <p:stCondLst>
-                                            <p:cond delay="0"/>
-                                          </p:stCondLst>
-                                        </p:cTn>
-                                        <p:tgtEl>
-                                          <p:spTgt spid="15"/>
-                                        </p:tgtEl>
-                                        <p:attrNameLst>
-                                          <p:attrName>style.visibility</p:attrName>
-                                        </p:attrNameLst>
-                                      </p:cBhvr>
-                                      <p:to>
-                                        <p:strVal val="visible"/>
-                                      </p:to>
-                                    </p:set>
-                                  </p:childTnLst>
-                                </p:cTn>
-                              </p:par>
-                            </p:childTnLst>
-                          </p:cTn>
-                        </p:par>
-                        <p:par>
-                          <p:cTn id="22" fill="hold">
-                            <p:stCondLst>
-                              <p:cond delay="2500"/>
-                            </p:stCondLst>
-                            <p:childTnLst>
-                              <p:par>
-                                <p:cTn id="23" presetID="1" presetClass="entr" presetSubtype="0" fill="hold" nodeType="afterEffect">
-                                  <p:stCondLst>
-                                    <p:cond delay="500"/>
-                                  </p:stCondLst>
-                                  <p:childTnLst>
-                                    <p:set>
-                                      <p:cBhvr>
-                                        <p:cTn id="24" dur="1" fill="hold">
-                                          <p:stCondLst>
-                                            <p:cond delay="0"/>
-                                          </p:stCondLst>
-                                        </p:cTn>
-                                        <p:tgtEl>
-                                          <p:spTgt spid="19"/>
-                                        </p:tgtEl>
-                                        <p:attrNameLst>
-                                          <p:attrName>style.visibility</p:attrName>
-                                        </p:attrNameLst>
-                                      </p:cBhvr>
-                                      <p:to>
-                                        <p:strVal val="visible"/>
-                                      </p:to>
-                                    </p:set>
-                                  </p:childTnLst>
-                                </p:cTn>
-                              </p:par>
-                            </p:childTnLst>
-                          </p:cTn>
-                        </p:par>
-                        <p:par>
-                          <p:cTn id="25" fill="hold">
-                            <p:stCondLst>
-                              <p:cond delay="3000"/>
-                            </p:stCondLst>
-                            <p:childTnLst>
-                              <p:par>
-                                <p:cTn id="26" presetID="1" presetClass="entr" presetSubtype="0" fill="hold" nodeType="afterEffect">
-                                  <p:stCondLst>
-                                    <p:cond delay="500"/>
-                                  </p:stCondLst>
-                                  <p:childTnLst>
-                                    <p:set>
-                                      <p:cBhvr>
-                                        <p:cTn id="27" dur="1" fill="hold">
-                                          <p:stCondLst>
-                                            <p:cond delay="0"/>
-                                          </p:stCondLst>
-                                        </p:cTn>
-                                        <p:tgtEl>
-                                          <p:spTgt spid="17"/>
-                                        </p:tgtEl>
-                                        <p:attrNameLst>
-                                          <p:attrName>style.visibility</p:attrName>
-                                        </p:attrNameLst>
-                                      </p:cBhvr>
-                                      <p:to>
-                                        <p:strVal val="visible"/>
-                                      </p:to>
-                                    </p:set>
-                                  </p:childTnLst>
-                                </p:cTn>
-                              </p:par>
-                            </p:childTnLst>
-                          </p:cTn>
-                        </p:par>
-                      </p:childTnLst>
-                    </p:cTn>
-                  </p:par>
-                </p:childTnLst>
-              </p:cTn>
-              <p:prevCondLst>
-                <p:cond evt="onPrev" delay="0">
-                  <p:tgtEl>
-                    <p:sldTgt/>
-                  </p:tgtEl>
-                </p:cond>
-              </p:prevCondLst>
-              <p:nextCondLst>
-                <p:cond evt="onNext" delay="0">
-                  <p:tgtEl>
-                    <p:sldTgt/>
-                  </p:tgtEl>
-                </p:cond>
-              </p:nextCondLst>
-            </p:seq>
-          </p:childTnLst>
-        </p:cTn>
-      </p:par>
-    </p:tnLst>
-  </p:timing>
+  <mc:AlternateContent xmlns:mc="http://schemas.openxmlformats.org/markup-compatibility/2006">
+    <mc:Choice xmlns:p159="http://schemas.microsoft.com/office/powerpoint/2015/09/main" Requires="p159">
+      <p:transition spd="slow">
+        <p159:morph option="byObject"/>
+      </p:transition>
+    </mc:Choice>
+    <mc:Fallback>
+      <p:transition spd="slow">
+        <p:fade/>
+      </p:transition>
+    </mc:Fallback>
+  </mc:AlternateContent>
 </p:sld>
 </file>
 
-<file path=ppt/slides/slide5.xml><?xml version="1.0" encoding="utf-8"?>
+<file path=ppt/slides/slide4.xml><?xml version="1.0" encoding="utf-8"?>
 <p:sld xmlns:a="http://schemas.openxmlformats.org/drawingml/2006/main" xmlns:r="http://schemas.openxmlformats.org/officeDocument/2006/relationships" xmlns:p="http://schemas.openxmlformats.org/presentationml/2006/main">
   <p:cSld>
     <p:spTree>
@@ -5086,7 +6051,7 @@
           <p:nvPr/>
         </p:nvPicPr>
         <p:blipFill>
-          <a:blip r:embed="rId2"/>
+          <a:blip r:embed="rId3"/>
           <a:stretch>
             <a:fillRect/>
           </a:stretch>
@@ -5116,7 +6081,7 @@
           <p:nvPr/>
         </p:nvPicPr>
         <p:blipFill>
-          <a:blip r:embed="rId3"/>
+          <a:blip r:embed="rId4"/>
           <a:stretch>
             <a:fillRect/>
           </a:stretch>
@@ -5146,7 +6111,7 @@
           <p:nvPr/>
         </p:nvPicPr>
         <p:blipFill>
-          <a:blip r:embed="rId4"/>
+          <a:blip r:embed="rId5"/>
           <a:stretch>
             <a:fillRect/>
           </a:stretch>
@@ -5176,7 +6141,7 @@
           <p:nvPr/>
         </p:nvPicPr>
         <p:blipFill>
-          <a:blip r:embed="rId5"/>
+          <a:blip r:embed="rId6"/>
           <a:stretch>
             <a:fillRect/>
           </a:stretch>
@@ -5347,7 +6312,7 @@
   </p:clrMapOvr>
   <mc:AlternateContent xmlns:mc="http://schemas.openxmlformats.org/markup-compatibility/2006">
     <mc:Choice xmlns:p159="http://schemas.microsoft.com/office/powerpoint/2015/09/main" Requires="p159">
-      <p:transition xmlns:p14="http://schemas.microsoft.com/office/powerpoint/2010/main" spd="slow" p14:dur="2000">
+      <p:transition spd="slow">
         <p159:morph option="byObject"/>
       </p:transition>
     </mc:Choice>
@@ -5369,6 +6334,9 @@
                     <p:cTn id="3" fill="hold">
                       <p:stCondLst>
                         <p:cond delay="indefinite"/>
+                        <p:cond evt="onBegin" delay="0">
+                          <p:tn val="2"/>
+                        </p:cond>
                       </p:stCondLst>
                       <p:childTnLst>
                         <p:par>
@@ -5378,7 +6346,7 @@
                             </p:stCondLst>
                             <p:childTnLst>
                               <p:par>
-                                <p:cTn id="5" presetID="1" presetClass="entr" presetSubtype="0" fill="hold" grpId="0" nodeType="clickEffect">
+                                <p:cTn id="5" presetID="9" presetClass="entr" presetSubtype="0" fill="hold" grpId="0" nodeType="withEffect">
                                   <p:stCondLst>
                                     <p:cond delay="0"/>
                                   </p:stCondLst>
@@ -5401,36 +6369,26 @@
                                         <p:strVal val="visible"/>
                                       </p:to>
                                     </p:set>
+                                    <p:animEffect transition="in" filter="dissolve">
+                                      <p:cBhvr>
+                                        <p:cTn id="7" dur="500"/>
+                                        <p:tgtEl>
+                                          <p:spTgt spid="6"/>
+                                        </p:tgtEl>
+                                      </p:cBhvr>
+                                    </p:animEffect>
                                   </p:childTnLst>
                                 </p:cTn>
                               </p:par>
-                            </p:childTnLst>
-                          </p:cTn>
-                        </p:par>
-                      </p:childTnLst>
-                    </p:cTn>
-                  </p:par>
-                  <p:par>
-                    <p:cTn id="7" fill="hold">
-                      <p:stCondLst>
-                        <p:cond delay="indefinite"/>
-                      </p:stCondLst>
-                      <p:childTnLst>
-                        <p:par>
-                          <p:cTn id="8" fill="hold">
-                            <p:stCondLst>
-                              <p:cond delay="0"/>
-                            </p:stCondLst>
-                            <p:childTnLst>
                               <p:par>
-                                <p:cTn id="9" presetID="1" presetClass="entr" presetSubtype="0" fill="hold" grpId="0" nodeType="clickEffect">
+                                <p:cTn id="8" presetID="9" presetClass="entr" presetSubtype="0" fill="hold" grpId="0" nodeType="withEffect">
                                   <p:stCondLst>
                                     <p:cond delay="0"/>
                                   </p:stCondLst>
                                   <p:childTnLst>
                                     <p:set>
                                       <p:cBhvr>
-                                        <p:cTn id="10" dur="1" fill="hold">
+                                        <p:cTn id="9" dur="1" fill="hold">
                                           <p:stCondLst>
                                             <p:cond delay="0"/>
                                           </p:stCondLst>
@@ -5446,36 +6404,26 @@
                                         <p:strVal val="visible"/>
                                       </p:to>
                                     </p:set>
+                                    <p:animEffect transition="in" filter="dissolve">
+                                      <p:cBhvr>
+                                        <p:cTn id="10" dur="500"/>
+                                        <p:tgtEl>
+                                          <p:spTgt spid="7"/>
+                                        </p:tgtEl>
+                                      </p:cBhvr>
+                                    </p:animEffect>
                                   </p:childTnLst>
                                 </p:cTn>
                               </p:par>
-                            </p:childTnLst>
-                          </p:cTn>
-                        </p:par>
-                      </p:childTnLst>
-                    </p:cTn>
-                  </p:par>
-                  <p:par>
-                    <p:cTn id="11" fill="hold">
-                      <p:stCondLst>
-                        <p:cond delay="indefinite"/>
-                      </p:stCondLst>
-                      <p:childTnLst>
-                        <p:par>
-                          <p:cTn id="12" fill="hold">
-                            <p:stCondLst>
-                              <p:cond delay="0"/>
-                            </p:stCondLst>
-                            <p:childTnLst>
                               <p:par>
-                                <p:cTn id="13" presetID="1" presetClass="entr" presetSubtype="0" fill="hold" grpId="0" nodeType="clickEffect">
+                                <p:cTn id="11" presetID="9" presetClass="entr" presetSubtype="0" fill="hold" grpId="0" nodeType="withEffect">
                                   <p:stCondLst>
                                     <p:cond delay="0"/>
                                   </p:stCondLst>
                                   <p:childTnLst>
                                     <p:set>
                                       <p:cBhvr>
-                                        <p:cTn id="14" dur="1" fill="hold">
+                                        <p:cTn id="12" dur="1" fill="hold">
                                           <p:stCondLst>
                                             <p:cond delay="0"/>
                                           </p:stCondLst>
@@ -5491,36 +6439,26 @@
                                         <p:strVal val="visible"/>
                                       </p:to>
                                     </p:set>
+                                    <p:animEffect transition="in" filter="dissolve">
+                                      <p:cBhvr>
+                                        <p:cTn id="13" dur="500"/>
+                                        <p:tgtEl>
+                                          <p:spTgt spid="9"/>
+                                        </p:tgtEl>
+                                      </p:cBhvr>
+                                    </p:animEffect>
                                   </p:childTnLst>
                                 </p:cTn>
                               </p:par>
-                            </p:childTnLst>
-                          </p:cTn>
-                        </p:par>
-                      </p:childTnLst>
-                    </p:cTn>
-                  </p:par>
-                  <p:par>
-                    <p:cTn id="15" fill="hold">
-                      <p:stCondLst>
-                        <p:cond delay="indefinite"/>
-                      </p:stCondLst>
-                      <p:childTnLst>
-                        <p:par>
-                          <p:cTn id="16" fill="hold">
-                            <p:stCondLst>
-                              <p:cond delay="0"/>
-                            </p:stCondLst>
-                            <p:childTnLst>
                               <p:par>
-                                <p:cTn id="17" presetID="1" presetClass="entr" presetSubtype="0" fill="hold" grpId="0" nodeType="clickEffect">
+                                <p:cTn id="14" presetID="9" presetClass="entr" presetSubtype="0" fill="hold" grpId="0" nodeType="withEffect">
                                   <p:stCondLst>
                                     <p:cond delay="0"/>
                                   </p:stCondLst>
                                   <p:childTnLst>
                                     <p:set>
                                       <p:cBhvr>
-                                        <p:cTn id="18" dur="1" fill="hold">
+                                        <p:cTn id="15" dur="1" fill="hold">
                                           <p:stCondLst>
                                             <p:cond delay="0"/>
                                           </p:stCondLst>
@@ -5536,6 +6474,14 @@
                                         <p:strVal val="visible"/>
                                       </p:to>
                                     </p:set>
+                                    <p:animEffect transition="in" filter="dissolve">
+                                      <p:cBhvr>
+                                        <p:cTn id="16" dur="500"/>
+                                        <p:tgtEl>
+                                          <p:spTgt spid="8"/>
+                                        </p:tgtEl>
+                                      </p:cBhvr>
+                                    </p:animEffect>
                                   </p:childTnLst>
                                 </p:cTn>
                               </p:par>
@@ -5576,6 +6522,632 @@
 </p:sld>
 </file>
 
+<file path=ppt/slides/slide5.xml><?xml version="1.0" encoding="utf-8"?>
+<p:sld xmlns:a="http://schemas.openxmlformats.org/drawingml/2006/main" xmlns:r="http://schemas.openxmlformats.org/officeDocument/2006/relationships" xmlns:p="http://schemas.openxmlformats.org/presentationml/2006/main">
+  <p:cSld>
+    <p:spTree>
+      <p:nvGrpSpPr>
+        <p:cNvPr id="1" name=""/>
+        <p:cNvGrpSpPr/>
+        <p:nvPr/>
+      </p:nvGrpSpPr>
+      <p:grpSpPr>
+        <a:xfrm>
+          <a:off x="0" y="0"/>
+          <a:ext cx="0" cy="0"/>
+          <a:chOff x="0" y="0"/>
+          <a:chExt cx="0" cy="0"/>
+        </a:xfrm>
+      </p:grpSpPr>
+      <p:sp>
+        <p:nvSpPr>
+          <p:cNvPr id="2" name="Title 1">
+            <a:extLst>
+              <a:ext uri="{FF2B5EF4-FFF2-40B4-BE49-F238E27FC236}">
+                <a16:creationId xmlns:a16="http://schemas.microsoft.com/office/drawing/2014/main" id="{7FCB27B9-A9D7-6F7F-91BB-FEBA94A273B0}"/>
+              </a:ext>
+            </a:extLst>
+          </p:cNvPr>
+          <p:cNvSpPr>
+            <a:spLocks noGrp="1"/>
+          </p:cNvSpPr>
+          <p:nvPr>
+            <p:ph type="title"/>
+          </p:nvPr>
+        </p:nvSpPr>
+        <p:spPr/>
+        <p:txBody>
+          <a:bodyPr/>
+          <a:lstStyle/>
+          <a:p>
+            <a:r>
+              <a:rPr lang="en-US" b="1" dirty="0">
+                <a:solidFill>
+                  <a:schemeClr val="bg1"/>
+                </a:solidFill>
+              </a:rPr>
+              <a:t>Choosing The Data Type</a:t>
+            </a:r>
+          </a:p>
+        </p:txBody>
+      </p:sp>
+      <p:pic>
+        <p:nvPicPr>
+          <p:cNvPr id="15" name="Graphic 14" descr="Scientist male with solid fill">
+            <a:extLst>
+              <a:ext uri="{FF2B5EF4-FFF2-40B4-BE49-F238E27FC236}">
+                <a16:creationId xmlns:a16="http://schemas.microsoft.com/office/drawing/2014/main" id="{BC734808-0804-900C-12D9-BFC6598014C1}"/>
+              </a:ext>
+            </a:extLst>
+          </p:cNvPr>
+          <p:cNvPicPr>
+            <a:picLocks noChangeAspect="1"/>
+          </p:cNvPicPr>
+          <p:nvPr/>
+        </p:nvPicPr>
+        <p:blipFill>
+          <a:blip r:embed="rId3">
+            <a:extLst>
+              <a:ext uri="{96DAC541-7B7A-43D3-8B79-37D633B846F1}">
+                <asvg:svgBlip xmlns:asvg="http://schemas.microsoft.com/office/drawing/2016/SVG/main" r:embed="rId4"/>
+              </a:ext>
+            </a:extLst>
+          </a:blip>
+          <a:stretch>
+            <a:fillRect/>
+          </a:stretch>
+        </p:blipFill>
+        <p:spPr>
+          <a:xfrm>
+            <a:off x="1449418" y="2401304"/>
+            <a:ext cx="3097721" cy="3097721"/>
+          </a:xfrm>
+          <a:prstGeom prst="rect">
+            <a:avLst/>
+          </a:prstGeom>
+        </p:spPr>
+      </p:pic>
+      <p:pic>
+        <p:nvPicPr>
+          <p:cNvPr id="17" name="Graphic 16" descr="Calculator outline">
+            <a:extLst>
+              <a:ext uri="{FF2B5EF4-FFF2-40B4-BE49-F238E27FC236}">
+                <a16:creationId xmlns:a16="http://schemas.microsoft.com/office/drawing/2014/main" id="{B2C4356A-2DBE-BB0C-22D3-D5AAD605B29D}"/>
+              </a:ext>
+            </a:extLst>
+          </p:cNvPr>
+          <p:cNvPicPr>
+            <a:picLocks noChangeAspect="1"/>
+          </p:cNvPicPr>
+          <p:nvPr/>
+        </p:nvPicPr>
+        <p:blipFill>
+          <a:blip r:embed="rId5">
+            <a:extLst>
+              <a:ext uri="{96DAC541-7B7A-43D3-8B79-37D633B846F1}">
+                <asvg:svgBlip xmlns:asvg="http://schemas.microsoft.com/office/drawing/2016/SVG/main" r:embed="rId6"/>
+              </a:ext>
+            </a:extLst>
+          </a:blip>
+          <a:stretch>
+            <a:fillRect/>
+          </a:stretch>
+        </p:blipFill>
+        <p:spPr>
+          <a:xfrm>
+            <a:off x="3707699" y="2347484"/>
+            <a:ext cx="1678880" cy="1678880"/>
+          </a:xfrm>
+          <a:prstGeom prst="rect">
+            <a:avLst/>
+          </a:prstGeom>
+        </p:spPr>
+      </p:pic>
+      <p:pic>
+        <p:nvPicPr>
+          <p:cNvPr id="20" name="Picture 2" descr="Project icon for Burst Chaser">
+            <a:extLst>
+              <a:ext uri="{FF2B5EF4-FFF2-40B4-BE49-F238E27FC236}">
+                <a16:creationId xmlns:a16="http://schemas.microsoft.com/office/drawing/2014/main" id="{AD84FC10-2E5E-DE00-ABA9-CFB3D27BE610}"/>
+              </a:ext>
+            </a:extLst>
+          </p:cNvPr>
+          <p:cNvPicPr>
+            <a:picLocks noChangeAspect="1" noChangeArrowheads="1"/>
+          </p:cNvPicPr>
+          <p:nvPr/>
+        </p:nvPicPr>
+        <p:blipFill>
+          <a:blip r:embed="rId7">
+            <a:extLst>
+              <a:ext uri="{28A0092B-C50C-407E-A947-70E740481C1C}">
+                <a14:useLocalDpi xmlns:a14="http://schemas.microsoft.com/office/drawing/2010/main" val="0"/>
+              </a:ext>
+            </a:extLst>
+          </a:blip>
+          <a:srcRect/>
+          <a:stretch>
+            <a:fillRect/>
+          </a:stretch>
+        </p:blipFill>
+        <p:spPr bwMode="auto">
+          <a:xfrm>
+            <a:off x="10452924" y="102489"/>
+            <a:ext cx="1497711" cy="1497711"/>
+          </a:xfrm>
+          <a:prstGeom prst="rect">
+            <a:avLst/>
+          </a:prstGeom>
+          <a:noFill/>
+          <a:extLst>
+            <a:ext uri="{909E8E84-426E-40DD-AFC4-6F175D3DCCD1}">
+              <a14:hiddenFill xmlns:a14="http://schemas.microsoft.com/office/drawing/2010/main">
+                <a:solidFill>
+                  <a:srgbClr val="FFFFFF"/>
+                </a:solidFill>
+              </a14:hiddenFill>
+            </a:ext>
+          </a:extLst>
+        </p:spPr>
+      </p:pic>
+      <p:pic>
+        <p:nvPicPr>
+          <p:cNvPr id="22" name="Graphic 21" descr="Image outline">
+            <a:extLst>
+              <a:ext uri="{FF2B5EF4-FFF2-40B4-BE49-F238E27FC236}">
+                <a16:creationId xmlns:a16="http://schemas.microsoft.com/office/drawing/2014/main" id="{BEFE3F2D-1304-1E01-B8F0-543BCA1929A8}"/>
+              </a:ext>
+            </a:extLst>
+          </p:cNvPr>
+          <p:cNvPicPr>
+            <a:picLocks noChangeAspect="1"/>
+          </p:cNvPicPr>
+          <p:nvPr/>
+        </p:nvPicPr>
+        <p:blipFill>
+          <a:blip r:embed="rId8">
+            <a:extLst>
+              <a:ext uri="{96DAC541-7B7A-43D3-8B79-37D633B846F1}">
+                <asvg:svgBlip xmlns:asvg="http://schemas.microsoft.com/office/drawing/2016/SVG/main" r:embed="rId9"/>
+              </a:ext>
+            </a:extLst>
+          </a:blip>
+          <a:stretch>
+            <a:fillRect/>
+          </a:stretch>
+        </p:blipFill>
+        <p:spPr>
+          <a:xfrm>
+            <a:off x="8540583" y="1953324"/>
+            <a:ext cx="2366646" cy="2366646"/>
+          </a:xfrm>
+          <a:prstGeom prst="rect">
+            <a:avLst/>
+          </a:prstGeom>
+        </p:spPr>
+      </p:pic>
+      <p:pic>
+        <p:nvPicPr>
+          <p:cNvPr id="24" name="Graphic 23" descr="Female Profile outline">
+            <a:extLst>
+              <a:ext uri="{FF2B5EF4-FFF2-40B4-BE49-F238E27FC236}">
+                <a16:creationId xmlns:a16="http://schemas.microsoft.com/office/drawing/2014/main" id="{787AD407-C8A4-B270-DDF8-DB986F9B82D2}"/>
+              </a:ext>
+            </a:extLst>
+          </p:cNvPr>
+          <p:cNvPicPr>
+            <a:picLocks noChangeAspect="1"/>
+          </p:cNvPicPr>
+          <p:nvPr/>
+        </p:nvPicPr>
+        <p:blipFill>
+          <a:blip r:embed="rId10">
+            <a:extLst>
+              <a:ext uri="{96DAC541-7B7A-43D3-8B79-37D633B846F1}">
+                <asvg:svgBlip xmlns:asvg="http://schemas.microsoft.com/office/drawing/2016/SVG/main" r:embed="rId11"/>
+              </a:ext>
+            </a:extLst>
+          </a:blip>
+          <a:stretch>
+            <a:fillRect/>
+          </a:stretch>
+        </p:blipFill>
+        <p:spPr>
+          <a:xfrm>
+            <a:off x="6095999" y="2477503"/>
+            <a:ext cx="3097721" cy="3097721"/>
+          </a:xfrm>
+          <a:prstGeom prst="rect">
+            <a:avLst/>
+          </a:prstGeom>
+        </p:spPr>
+      </p:pic>
+    </p:spTree>
+    <p:extLst>
+      <p:ext uri="{BB962C8B-B14F-4D97-AF65-F5344CB8AC3E}">
+        <p14:creationId xmlns:p14="http://schemas.microsoft.com/office/powerpoint/2010/main" val="1812626765"/>
+      </p:ext>
+    </p:extLst>
+  </p:cSld>
+  <p:clrMapOvr>
+    <a:masterClrMapping/>
+  </p:clrMapOvr>
+  <mc:AlternateContent xmlns:mc="http://schemas.openxmlformats.org/markup-compatibility/2006">
+    <mc:Choice xmlns:p159="http://schemas.microsoft.com/office/powerpoint/2015/09/main" Requires="p159">
+      <p:transition spd="slow">
+        <p159:morph option="byObject"/>
+      </p:transition>
+    </mc:Choice>
+    <mc:Fallback>
+      <p:transition spd="slow">
+        <p:fade/>
+      </p:transition>
+    </mc:Fallback>
+  </mc:AlternateContent>
+  <p:timing>
+    <p:tnLst>
+      <p:par>
+        <p:cTn id="1" dur="indefinite" restart="never" nodeType="tmRoot">
+          <p:childTnLst>
+            <p:seq concurrent="1" nextAc="seek">
+              <p:cTn id="2" dur="indefinite" nodeType="mainSeq">
+                <p:childTnLst>
+                  <p:par>
+                    <p:cTn id="3" fill="hold">
+                      <p:stCondLst>
+                        <p:cond delay="indefinite"/>
+                        <p:cond evt="onBegin" delay="0">
+                          <p:tn val="2"/>
+                        </p:cond>
+                      </p:stCondLst>
+                      <p:childTnLst>
+                        <p:par>
+                          <p:cTn id="4" fill="hold">
+                            <p:stCondLst>
+                              <p:cond delay="0"/>
+                            </p:stCondLst>
+                            <p:childTnLst>
+                              <p:par>
+                                <p:cTn id="5" presetID="2" presetClass="entr" presetSubtype="8" fill="hold" nodeType="afterEffect">
+                                  <p:stCondLst>
+                                    <p:cond delay="0"/>
+                                  </p:stCondLst>
+                                  <p:childTnLst>
+                                    <p:set>
+                                      <p:cBhvr>
+                                        <p:cTn id="6" dur="1" fill="hold">
+                                          <p:stCondLst>
+                                            <p:cond delay="0"/>
+                                          </p:stCondLst>
+                                        </p:cTn>
+                                        <p:tgtEl>
+                                          <p:spTgt spid="15"/>
+                                        </p:tgtEl>
+                                        <p:attrNameLst>
+                                          <p:attrName>style.visibility</p:attrName>
+                                        </p:attrNameLst>
+                                      </p:cBhvr>
+                                      <p:to>
+                                        <p:strVal val="visible"/>
+                                      </p:to>
+                                    </p:set>
+                                    <p:anim calcmode="lin" valueType="num">
+                                      <p:cBhvr additive="base">
+                                        <p:cTn id="7" dur="500" fill="hold"/>
+                                        <p:tgtEl>
+                                          <p:spTgt spid="15"/>
+                                        </p:tgtEl>
+                                        <p:attrNameLst>
+                                          <p:attrName>ppt_x</p:attrName>
+                                        </p:attrNameLst>
+                                      </p:cBhvr>
+                                      <p:tavLst>
+                                        <p:tav tm="0">
+                                          <p:val>
+                                            <p:strVal val="0-#ppt_w/2"/>
+                                          </p:val>
+                                        </p:tav>
+                                        <p:tav tm="100000">
+                                          <p:val>
+                                            <p:strVal val="#ppt_x"/>
+                                          </p:val>
+                                        </p:tav>
+                                      </p:tavLst>
+                                    </p:anim>
+                                    <p:anim calcmode="lin" valueType="num">
+                                      <p:cBhvr additive="base">
+                                        <p:cTn id="8" dur="500" fill="hold"/>
+                                        <p:tgtEl>
+                                          <p:spTgt spid="15"/>
+                                        </p:tgtEl>
+                                        <p:attrNameLst>
+                                          <p:attrName>ppt_y</p:attrName>
+                                        </p:attrNameLst>
+                                      </p:cBhvr>
+                                      <p:tavLst>
+                                        <p:tav tm="0">
+                                          <p:val>
+                                            <p:strVal val="#ppt_y"/>
+                                          </p:val>
+                                        </p:tav>
+                                        <p:tav tm="100000">
+                                          <p:val>
+                                            <p:strVal val="#ppt_y"/>
+                                          </p:val>
+                                        </p:tav>
+                                      </p:tavLst>
+                                    </p:anim>
+                                  </p:childTnLst>
+                                </p:cTn>
+                              </p:par>
+                              <p:par>
+                                <p:cTn id="9" presetID="2" presetClass="entr" presetSubtype="8" fill="hold" nodeType="withEffect">
+                                  <p:stCondLst>
+                                    <p:cond delay="0"/>
+                                  </p:stCondLst>
+                                  <p:childTnLst>
+                                    <p:set>
+                                      <p:cBhvr>
+                                        <p:cTn id="10" dur="1" fill="hold">
+                                          <p:stCondLst>
+                                            <p:cond delay="0"/>
+                                          </p:stCondLst>
+                                        </p:cTn>
+                                        <p:tgtEl>
+                                          <p:spTgt spid="17"/>
+                                        </p:tgtEl>
+                                        <p:attrNameLst>
+                                          <p:attrName>style.visibility</p:attrName>
+                                        </p:attrNameLst>
+                                      </p:cBhvr>
+                                      <p:to>
+                                        <p:strVal val="visible"/>
+                                      </p:to>
+                                    </p:set>
+                                    <p:anim calcmode="lin" valueType="num">
+                                      <p:cBhvr additive="base">
+                                        <p:cTn id="11" dur="500" fill="hold"/>
+                                        <p:tgtEl>
+                                          <p:spTgt spid="17"/>
+                                        </p:tgtEl>
+                                        <p:attrNameLst>
+                                          <p:attrName>ppt_x</p:attrName>
+                                        </p:attrNameLst>
+                                      </p:cBhvr>
+                                      <p:tavLst>
+                                        <p:tav tm="0">
+                                          <p:val>
+                                            <p:strVal val="0-#ppt_w/2"/>
+                                          </p:val>
+                                        </p:tav>
+                                        <p:tav tm="100000">
+                                          <p:val>
+                                            <p:strVal val="#ppt_x"/>
+                                          </p:val>
+                                        </p:tav>
+                                      </p:tavLst>
+                                    </p:anim>
+                                    <p:anim calcmode="lin" valueType="num">
+                                      <p:cBhvr additive="base">
+                                        <p:cTn id="12" dur="500" fill="hold"/>
+                                        <p:tgtEl>
+                                          <p:spTgt spid="17"/>
+                                        </p:tgtEl>
+                                        <p:attrNameLst>
+                                          <p:attrName>ppt_y</p:attrName>
+                                        </p:attrNameLst>
+                                      </p:cBhvr>
+                                      <p:tavLst>
+                                        <p:tav tm="0">
+                                          <p:val>
+                                            <p:strVal val="#ppt_y"/>
+                                          </p:val>
+                                        </p:tav>
+                                        <p:tav tm="100000">
+                                          <p:val>
+                                            <p:strVal val="#ppt_y"/>
+                                          </p:val>
+                                        </p:tav>
+                                      </p:tavLst>
+                                    </p:anim>
+                                  </p:childTnLst>
+                                </p:cTn>
+                              </p:par>
+                            </p:childTnLst>
+                          </p:cTn>
+                        </p:par>
+                      </p:childTnLst>
+                    </p:cTn>
+                  </p:par>
+                  <p:par>
+                    <p:cTn id="13" fill="hold">
+                      <p:stCondLst>
+                        <p:cond delay="indefinite"/>
+                      </p:stCondLst>
+                      <p:childTnLst>
+                        <p:par>
+                          <p:cTn id="14" fill="hold">
+                            <p:stCondLst>
+                              <p:cond delay="0"/>
+                            </p:stCondLst>
+                            <p:childTnLst>
+                              <p:par>
+                                <p:cTn id="15" presetID="2" presetClass="entr" presetSubtype="2" fill="hold" nodeType="clickEffect">
+                                  <p:stCondLst>
+                                    <p:cond delay="0"/>
+                                  </p:stCondLst>
+                                  <p:childTnLst>
+                                    <p:set>
+                                      <p:cBhvr>
+                                        <p:cTn id="16" dur="1" fill="hold">
+                                          <p:stCondLst>
+                                            <p:cond delay="0"/>
+                                          </p:stCondLst>
+                                        </p:cTn>
+                                        <p:tgtEl>
+                                          <p:spTgt spid="24"/>
+                                        </p:tgtEl>
+                                        <p:attrNameLst>
+                                          <p:attrName>style.visibility</p:attrName>
+                                        </p:attrNameLst>
+                                      </p:cBhvr>
+                                      <p:to>
+                                        <p:strVal val="visible"/>
+                                      </p:to>
+                                    </p:set>
+                                    <p:anim calcmode="lin" valueType="num">
+                                      <p:cBhvr additive="base">
+                                        <p:cTn id="17" dur="500" fill="hold"/>
+                                        <p:tgtEl>
+                                          <p:spTgt spid="24"/>
+                                        </p:tgtEl>
+                                        <p:attrNameLst>
+                                          <p:attrName>ppt_x</p:attrName>
+                                        </p:attrNameLst>
+                                      </p:cBhvr>
+                                      <p:tavLst>
+                                        <p:tav tm="0">
+                                          <p:val>
+                                            <p:strVal val="1+#ppt_w/2"/>
+                                          </p:val>
+                                        </p:tav>
+                                        <p:tav tm="100000">
+                                          <p:val>
+                                            <p:strVal val="#ppt_x"/>
+                                          </p:val>
+                                        </p:tav>
+                                      </p:tavLst>
+                                    </p:anim>
+                                    <p:anim calcmode="lin" valueType="num">
+                                      <p:cBhvr additive="base">
+                                        <p:cTn id="18" dur="500" fill="hold"/>
+                                        <p:tgtEl>
+                                          <p:spTgt spid="24"/>
+                                        </p:tgtEl>
+                                        <p:attrNameLst>
+                                          <p:attrName>ppt_y</p:attrName>
+                                        </p:attrNameLst>
+                                      </p:cBhvr>
+                                      <p:tavLst>
+                                        <p:tav tm="0">
+                                          <p:val>
+                                            <p:strVal val="#ppt_y"/>
+                                          </p:val>
+                                        </p:tav>
+                                        <p:tav tm="100000">
+                                          <p:val>
+                                            <p:strVal val="#ppt_y"/>
+                                          </p:val>
+                                        </p:tav>
+                                      </p:tavLst>
+                                    </p:anim>
+                                  </p:childTnLst>
+                                </p:cTn>
+                              </p:par>
+                              <p:par>
+                                <p:cTn id="19" presetID="2" presetClass="entr" presetSubtype="2" fill="hold" nodeType="withEffect">
+                                  <p:stCondLst>
+                                    <p:cond delay="0"/>
+                                  </p:stCondLst>
+                                  <p:childTnLst>
+                                    <p:set>
+                                      <p:cBhvr>
+                                        <p:cTn id="20" dur="1" fill="hold">
+                                          <p:stCondLst>
+                                            <p:cond delay="0"/>
+                                          </p:stCondLst>
+                                        </p:cTn>
+                                        <p:tgtEl>
+                                          <p:spTgt spid="22"/>
+                                        </p:tgtEl>
+                                        <p:attrNameLst>
+                                          <p:attrName>style.visibility</p:attrName>
+                                        </p:attrNameLst>
+                                      </p:cBhvr>
+                                      <p:to>
+                                        <p:strVal val="visible"/>
+                                      </p:to>
+                                    </p:set>
+                                    <p:anim calcmode="lin" valueType="num">
+                                      <p:cBhvr additive="base">
+                                        <p:cTn id="21" dur="500" fill="hold"/>
+                                        <p:tgtEl>
+                                          <p:spTgt spid="22"/>
+                                        </p:tgtEl>
+                                        <p:attrNameLst>
+                                          <p:attrName>ppt_x</p:attrName>
+                                        </p:attrNameLst>
+                                      </p:cBhvr>
+                                      <p:tavLst>
+                                        <p:tav tm="0">
+                                          <p:val>
+                                            <p:strVal val="1+#ppt_w/2"/>
+                                          </p:val>
+                                        </p:tav>
+                                        <p:tav tm="100000">
+                                          <p:val>
+                                            <p:strVal val="#ppt_x"/>
+                                          </p:val>
+                                        </p:tav>
+                                      </p:tavLst>
+                                    </p:anim>
+                                    <p:anim calcmode="lin" valueType="num">
+                                      <p:cBhvr additive="base">
+                                        <p:cTn id="22" dur="500" fill="hold"/>
+                                        <p:tgtEl>
+                                          <p:spTgt spid="22"/>
+                                        </p:tgtEl>
+                                        <p:attrNameLst>
+                                          <p:attrName>ppt_y</p:attrName>
+                                        </p:attrNameLst>
+                                      </p:cBhvr>
+                                      <p:tavLst>
+                                        <p:tav tm="0">
+                                          <p:val>
+                                            <p:strVal val="#ppt_y"/>
+                                          </p:val>
+                                        </p:tav>
+                                        <p:tav tm="100000">
+                                          <p:val>
+                                            <p:strVal val="#ppt_y"/>
+                                          </p:val>
+                                        </p:tav>
+                                      </p:tavLst>
+                                    </p:anim>
+                                  </p:childTnLst>
+                                </p:cTn>
+                              </p:par>
+                            </p:childTnLst>
+                          </p:cTn>
+                        </p:par>
+                      </p:childTnLst>
+                    </p:cTn>
+                  </p:par>
+                </p:childTnLst>
+              </p:cTn>
+              <p:prevCondLst>
+                <p:cond evt="onPrev" delay="0">
+                  <p:tgtEl>
+                    <p:sldTgt/>
+                  </p:tgtEl>
+                </p:cond>
+              </p:prevCondLst>
+              <p:nextCondLst>
+                <p:cond evt="onNext" delay="0">
+                  <p:tgtEl>
+                    <p:sldTgt/>
+                  </p:tgtEl>
+                </p:cond>
+              </p:nextCondLst>
+            </p:seq>
+          </p:childTnLst>
+        </p:cTn>
+      </p:par>
+    </p:tnLst>
+  </p:timing>
+</p:sld>
+</file>
+
 <file path=ppt/slides/slide6.xml><?xml version="1.0" encoding="utf-8"?>
 <p:sld xmlns:a="http://schemas.openxmlformats.org/drawingml/2006/main" xmlns:r="http://schemas.openxmlformats.org/officeDocument/2006/relationships" xmlns:p="http://schemas.openxmlformats.org/presentationml/2006/main">
   <p:cSld>
@@ -5598,7 +7170,7 @@
           <p:cNvPr id="2" name="Title 1">
             <a:extLst>
               <a:ext uri="{FF2B5EF4-FFF2-40B4-BE49-F238E27FC236}">
-                <a16:creationId xmlns:a16="http://schemas.microsoft.com/office/drawing/2014/main" id="{144700ED-83F2-F423-4626-F4B1F28352EB}"/>
+                <a16:creationId xmlns:a16="http://schemas.microsoft.com/office/drawing/2014/main" id="{E0DB8599-7083-2AC3-5A99-C2C7C885EB60}"/>
               </a:ext>
             </a:extLst>
           </p:cNvPr>
@@ -5620,309 +7192,51 @@
                   <a:schemeClr val="bg1"/>
                 </a:solidFill>
               </a:rPr>
-              <a:t>Preprocessing Data</a:t>
-            </a:r>
-          </a:p>
-        </p:txBody>
-      </p:sp>
-      <p:sp>
-        <p:nvSpPr>
-          <p:cNvPr id="3" name="Content Placeholder 2">
-            <a:extLst>
-              <a:ext uri="{FF2B5EF4-FFF2-40B4-BE49-F238E27FC236}">
-                <a16:creationId xmlns:a16="http://schemas.microsoft.com/office/drawing/2014/main" id="{F7175884-8A8A-B22B-F1AF-13B3C2C991AB}"/>
-              </a:ext>
-            </a:extLst>
-          </p:cNvPr>
-          <p:cNvSpPr>
-            <a:spLocks noGrp="1"/>
-          </p:cNvSpPr>
-          <p:nvPr>
-            <p:ph idx="1"/>
-          </p:nvPr>
-        </p:nvSpPr>
-        <p:spPr/>
-        <p:txBody>
-          <a:bodyPr/>
-          <a:lstStyle/>
-          <a:p>
-            <a:r>
-              <a:rPr lang="en-US" dirty="0">
-                <a:solidFill>
-                  <a:schemeClr val="bg1"/>
-                </a:solidFill>
-              </a:rPr>
-              <a:t>Get Accurate Verified Classifications</a:t>
-            </a:r>
-          </a:p>
-          <a:p>
-            <a:r>
-              <a:rPr lang="en-US" dirty="0">
-                <a:solidFill>
-                  <a:schemeClr val="bg1"/>
-                </a:solidFill>
-              </a:rPr>
-              <a:t> Human Error </a:t>
-            </a:r>
-          </a:p>
-          <a:p>
-            <a:r>
-              <a:rPr lang="en-US" dirty="0">
-                <a:solidFill>
-                  <a:schemeClr val="bg1"/>
-                </a:solidFill>
-              </a:rPr>
-              <a:t>Image Flattening </a:t>
-            </a:r>
-          </a:p>
-          <a:p>
-            <a:endParaRPr lang="en-US" dirty="0">
-              <a:solidFill>
-                <a:schemeClr val="bg1"/>
-              </a:solidFill>
-            </a:endParaRPr>
+              <a:t>How it Works?</a:t>
+            </a:r>
           </a:p>
         </p:txBody>
       </p:sp>
       <p:pic>
         <p:nvPicPr>
-          <p:cNvPr id="3074" name="Picture 2">
-            <a:extLst>
-              <a:ext uri="{FF2B5EF4-FFF2-40B4-BE49-F238E27FC236}">
-                <a16:creationId xmlns:a16="http://schemas.microsoft.com/office/drawing/2014/main" id="{4560FD06-6745-212E-3B60-157F56169970}"/>
+          <p:cNvPr id="4" name="Graphic 3" descr="Image outline">
+            <a:extLst>
+              <a:ext uri="{FF2B5EF4-FFF2-40B4-BE49-F238E27FC236}">
+                <a16:creationId xmlns:a16="http://schemas.microsoft.com/office/drawing/2014/main" id="{C61868A8-236A-803A-1598-883A26A34C64}"/>
               </a:ext>
             </a:extLst>
           </p:cNvPr>
           <p:cNvPicPr>
-            <a:picLocks noChangeAspect="1" noChangeArrowheads="1"/>
+            <a:picLocks noChangeAspect="1"/>
           </p:cNvPicPr>
           <p:nvPr/>
         </p:nvPicPr>
         <p:blipFill>
           <a:blip r:embed="rId2">
             <a:extLst>
-              <a:ext uri="{28A0092B-C50C-407E-A947-70E740481C1C}">
-                <a14:useLocalDpi xmlns:a14="http://schemas.microsoft.com/office/drawing/2010/main" val="0"/>
+              <a:ext uri="{96DAC541-7B7A-43D3-8B79-37D633B846F1}">
+                <asvg:svgBlip xmlns:asvg="http://schemas.microsoft.com/office/drawing/2016/SVG/main" r:embed="rId3"/>
               </a:ext>
             </a:extLst>
           </a:blip>
-          <a:srcRect/>
           <a:stretch>
             <a:fillRect/>
           </a:stretch>
         </p:blipFill>
-        <p:spPr bwMode="auto">
+        <p:spPr>
           <a:xfrm>
-            <a:off x="233470" y="4128655"/>
-            <a:ext cx="2578998" cy="1843088"/>
+            <a:off x="3349863" y="1248374"/>
+            <a:ext cx="5492273" cy="5492273"/>
           </a:xfrm>
           <a:prstGeom prst="rect">
             <a:avLst/>
           </a:prstGeom>
-          <a:noFill/>
-          <a:extLst>
-            <a:ext uri="{909E8E84-426E-40DD-AFC4-6F175D3DCCD1}">
-              <a14:hiddenFill xmlns:a14="http://schemas.microsoft.com/office/drawing/2010/main">
-                <a:solidFill>
-                  <a:srgbClr val="FFFFFF"/>
-                </a:solidFill>
-              </a14:hiddenFill>
-            </a:ext>
-          </a:extLst>
-        </p:spPr>
-      </p:pic>
-      <p:pic>
-        <p:nvPicPr>
-          <p:cNvPr id="3075" name="Picture 3">
-            <a:extLst>
-              <a:ext uri="{FF2B5EF4-FFF2-40B4-BE49-F238E27FC236}">
-                <a16:creationId xmlns:a16="http://schemas.microsoft.com/office/drawing/2014/main" id="{58875CDA-EBAB-C919-3105-3BB13EC62EFF}"/>
-              </a:ext>
-            </a:extLst>
-          </p:cNvPr>
-          <p:cNvPicPr>
-            <a:picLocks noChangeAspect="1" noChangeArrowheads="1"/>
-          </p:cNvPicPr>
-          <p:nvPr/>
-        </p:nvPicPr>
-        <p:blipFill>
-          <a:blip r:embed="rId3">
-            <a:extLst>
-              <a:ext uri="{28A0092B-C50C-407E-A947-70E740481C1C}">
-                <a14:useLocalDpi xmlns:a14="http://schemas.microsoft.com/office/drawing/2010/main" val="0"/>
-              </a:ext>
-            </a:extLst>
-          </a:blip>
-          <a:srcRect/>
-          <a:stretch>
-            <a:fillRect/>
-          </a:stretch>
-        </p:blipFill>
-        <p:spPr bwMode="auto">
-          <a:xfrm>
-            <a:off x="3311686" y="4128655"/>
-            <a:ext cx="2578998" cy="1843088"/>
-          </a:xfrm>
-          <a:prstGeom prst="rect">
-            <a:avLst/>
-          </a:prstGeom>
-          <a:noFill/>
-          <a:extLst>
-            <a:ext uri="{909E8E84-426E-40DD-AFC4-6F175D3DCCD1}">
-              <a14:hiddenFill xmlns:a14="http://schemas.microsoft.com/office/drawing/2010/main">
-                <a:solidFill>
-                  <a:srgbClr val="FFFFFF"/>
-                </a:solidFill>
-              </a14:hiddenFill>
-            </a:ext>
-          </a:extLst>
-        </p:spPr>
-      </p:pic>
-      <p:pic>
-        <p:nvPicPr>
-          <p:cNvPr id="3076" name="Picture 4">
-            <a:extLst>
-              <a:ext uri="{FF2B5EF4-FFF2-40B4-BE49-F238E27FC236}">
-                <a16:creationId xmlns:a16="http://schemas.microsoft.com/office/drawing/2014/main" id="{2F931673-323A-7CA1-25FB-CEC1616D378B}"/>
-              </a:ext>
-            </a:extLst>
-          </p:cNvPr>
-          <p:cNvPicPr>
-            <a:picLocks noChangeAspect="1" noChangeArrowheads="1"/>
-          </p:cNvPicPr>
-          <p:nvPr/>
-        </p:nvPicPr>
-        <p:blipFill>
-          <a:blip r:embed="rId4">
-            <a:extLst>
-              <a:ext uri="{28A0092B-C50C-407E-A947-70E740481C1C}">
-                <a14:useLocalDpi xmlns:a14="http://schemas.microsoft.com/office/drawing/2010/main" val="0"/>
-              </a:ext>
-            </a:extLst>
-          </a:blip>
-          <a:srcRect/>
-          <a:stretch>
-            <a:fillRect/>
-          </a:stretch>
-        </p:blipFill>
-        <p:spPr bwMode="auto">
-          <a:xfrm>
-            <a:off x="9468118" y="4146766"/>
-            <a:ext cx="2578998" cy="1843088"/>
-          </a:xfrm>
-          <a:prstGeom prst="rect">
-            <a:avLst/>
-          </a:prstGeom>
-          <a:noFill/>
-          <a:extLst>
-            <a:ext uri="{909E8E84-426E-40DD-AFC4-6F175D3DCCD1}">
-              <a14:hiddenFill xmlns:a14="http://schemas.microsoft.com/office/drawing/2010/main">
-                <a:solidFill>
-                  <a:srgbClr val="FFFFFF"/>
-                </a:solidFill>
-              </a14:hiddenFill>
-            </a:ext>
-          </a:extLst>
-        </p:spPr>
-      </p:pic>
-      <p:pic>
-        <p:nvPicPr>
-          <p:cNvPr id="3077" name="Picture 5">
-            <a:extLst>
-              <a:ext uri="{FF2B5EF4-FFF2-40B4-BE49-F238E27FC236}">
-                <a16:creationId xmlns:a16="http://schemas.microsoft.com/office/drawing/2014/main" id="{B91ADD4A-7C23-0BD7-BDE1-96FC18E0FE09}"/>
-              </a:ext>
-            </a:extLst>
-          </p:cNvPr>
-          <p:cNvPicPr>
-            <a:picLocks noChangeAspect="1" noChangeArrowheads="1"/>
-          </p:cNvPicPr>
-          <p:nvPr/>
-        </p:nvPicPr>
-        <p:blipFill>
-          <a:blip r:embed="rId5">
-            <a:extLst>
-              <a:ext uri="{28A0092B-C50C-407E-A947-70E740481C1C}">
-                <a14:useLocalDpi xmlns:a14="http://schemas.microsoft.com/office/drawing/2010/main" val="0"/>
-              </a:ext>
-            </a:extLst>
-          </a:blip>
-          <a:srcRect/>
-          <a:stretch>
-            <a:fillRect/>
-          </a:stretch>
-        </p:blipFill>
-        <p:spPr bwMode="auto">
-          <a:xfrm>
-            <a:off x="17214850" y="2962275"/>
-            <a:ext cx="4940300" cy="3530600"/>
-          </a:xfrm>
-          <a:prstGeom prst="rect">
-            <a:avLst/>
-          </a:prstGeom>
-          <a:noFill/>
-          <a:extLst>
-            <a:ext uri="{909E8E84-426E-40DD-AFC4-6F175D3DCCD1}">
-              <a14:hiddenFill xmlns:a14="http://schemas.microsoft.com/office/drawing/2010/main">
-                <a:solidFill>
-                  <a:srgbClr val="FFFFFF"/>
-                </a:solidFill>
-              </a14:hiddenFill>
-            </a:ext>
-          </a:extLst>
-        </p:spPr>
-      </p:pic>
-      <p:pic>
-        <p:nvPicPr>
-          <p:cNvPr id="3079" name="Picture 7">
-            <a:extLst>
-              <a:ext uri="{FF2B5EF4-FFF2-40B4-BE49-F238E27FC236}">
-                <a16:creationId xmlns:a16="http://schemas.microsoft.com/office/drawing/2014/main" id="{CB7F9096-EFF3-E233-9BD4-EFDDDB7EA937}"/>
-              </a:ext>
-            </a:extLst>
-          </p:cNvPr>
-          <p:cNvPicPr>
-            <a:picLocks noChangeAspect="1" noChangeArrowheads="1"/>
-          </p:cNvPicPr>
-          <p:nvPr/>
-        </p:nvPicPr>
-        <p:blipFill>
-          <a:blip r:embed="rId5">
-            <a:extLst>
-              <a:ext uri="{28A0092B-C50C-407E-A947-70E740481C1C}">
-                <a14:useLocalDpi xmlns:a14="http://schemas.microsoft.com/office/drawing/2010/main" val="0"/>
-              </a:ext>
-            </a:extLst>
-          </a:blip>
-          <a:srcRect/>
-          <a:stretch>
-            <a:fillRect/>
-          </a:stretch>
-        </p:blipFill>
-        <p:spPr bwMode="auto">
-          <a:xfrm>
-            <a:off x="6389902" y="4128655"/>
-            <a:ext cx="2578998" cy="1843088"/>
-          </a:xfrm>
-          <a:prstGeom prst="rect">
-            <a:avLst/>
-          </a:prstGeom>
-          <a:noFill/>
-          <a:extLst>
-            <a:ext uri="{909E8E84-426E-40DD-AFC4-6F175D3DCCD1}">
-              <a14:hiddenFill xmlns:a14="http://schemas.microsoft.com/office/drawing/2010/main">
-                <a:solidFill>
-                  <a:srgbClr val="FFFFFF"/>
-                </a:solidFill>
-              </a14:hiddenFill>
-            </a:ext>
-          </a:extLst>
         </p:spPr>
       </p:pic>
     </p:spTree>
     <p:extLst>
       <p:ext uri="{BB962C8B-B14F-4D97-AF65-F5344CB8AC3E}">
-        <p14:creationId xmlns:p14="http://schemas.microsoft.com/office/powerpoint/2010/main" val="4055672662"/>
+        <p14:creationId xmlns:p14="http://schemas.microsoft.com/office/powerpoint/2010/main" val="2323412609"/>
       </p:ext>
     </p:extLst>
   </p:cSld>
@@ -5931,7 +7245,7 @@
   </p:clrMapOvr>
   <mc:AlternateContent xmlns:mc="http://schemas.openxmlformats.org/markup-compatibility/2006">
     <mc:Choice xmlns:p159="http://schemas.microsoft.com/office/powerpoint/2015/09/main" Requires="p159">
-      <p:transition xmlns:p14="http://schemas.microsoft.com/office/powerpoint/2010/main" spd="slow" p14:dur="2000">
+      <p:transition spd="slow">
         <p159:morph option="byObject"/>
       </p:transition>
     </mc:Choice>
@@ -5949,7 +7263,13 @@
   <p:cSld>
     <p:spTree>
       <p:nvGrpSpPr>
-        <p:cNvPr id="1" name=""/>
+        <p:cNvPr id="1" name="">
+          <a:extLst>
+            <a:ext uri="{FF2B5EF4-FFF2-40B4-BE49-F238E27FC236}">
+              <a16:creationId xmlns:a16="http://schemas.microsoft.com/office/drawing/2014/main" id="{5EAA1C16-E373-714E-6882-BE2100C7270E}"/>
+            </a:ext>
+          </a:extLst>
+        </p:cNvPr>
         <p:cNvGrpSpPr/>
         <p:nvPr/>
       </p:nvGrpSpPr>
@@ -5966,7 +7286,7 @@
           <p:cNvPr id="2" name="Title 1">
             <a:extLst>
               <a:ext uri="{FF2B5EF4-FFF2-40B4-BE49-F238E27FC236}">
-                <a16:creationId xmlns:a16="http://schemas.microsoft.com/office/drawing/2014/main" id="{16F95496-D798-21AA-5FEF-0436CCC9B073}"/>
+                <a16:creationId xmlns:a16="http://schemas.microsoft.com/office/drawing/2014/main" id="{5D4322F6-B05E-5F45-C642-AA7D6A5D2F2D}"/>
               </a:ext>
             </a:extLst>
           </p:cNvPr>
@@ -5988,89 +7308,933 @@
                   <a:schemeClr val="bg1"/>
                 </a:solidFill>
               </a:rPr>
-              <a:t>Choosing a Classifier </a:t>
+              <a:t>How it Works?</a:t>
             </a:r>
           </a:p>
         </p:txBody>
       </p:sp>
-      <p:sp>
-        <p:nvSpPr>
-          <p:cNvPr id="3" name="Content Placeholder 2">
-            <a:extLst>
-              <a:ext uri="{FF2B5EF4-FFF2-40B4-BE49-F238E27FC236}">
-                <a16:creationId xmlns:a16="http://schemas.microsoft.com/office/drawing/2014/main" id="{410F8D15-9657-EE41-ACA9-0166252CA41D}"/>
-              </a:ext>
-            </a:extLst>
-          </p:cNvPr>
-          <p:cNvSpPr>
-            <a:spLocks noGrp="1"/>
-          </p:cNvSpPr>
-          <p:nvPr>
-            <p:ph idx="1"/>
-          </p:nvPr>
-        </p:nvSpPr>
-        <p:spPr/>
-        <p:txBody>
-          <a:bodyPr/>
-          <a:lstStyle/>
-          <a:p>
-            <a:r>
-              <a:rPr lang="en-US" dirty="0">
-                <a:solidFill>
-                  <a:schemeClr val="bg1"/>
-                </a:solidFill>
-              </a:rPr>
-              <a:t>Random Forest </a:t>
-            </a:r>
-          </a:p>
-          <a:p>
-            <a:r>
-              <a:rPr lang="en-US" dirty="0">
-                <a:solidFill>
-                  <a:schemeClr val="bg1"/>
-                </a:solidFill>
-              </a:rPr>
-              <a:t>Why</a:t>
-            </a:r>
-          </a:p>
-          <a:p>
-            <a:pPr lvl="1"/>
-            <a:r>
-              <a:rPr lang="en-US" dirty="0">
-                <a:solidFill>
-                  <a:schemeClr val="bg1"/>
-                </a:solidFill>
-              </a:rPr>
-              <a:t>Classifying in group </a:t>
-            </a:r>
-          </a:p>
-          <a:p>
-            <a:pPr lvl="1"/>
-            <a:r>
-              <a:rPr lang="en-US" dirty="0">
-                <a:solidFill>
-                  <a:schemeClr val="bg1"/>
-                </a:solidFill>
-              </a:rPr>
-              <a:t>Looking for features </a:t>
-            </a:r>
-          </a:p>
-          <a:p>
-            <a:pPr lvl="1"/>
-            <a:endParaRPr lang="en-US" dirty="0">
-              <a:solidFill>
-                <a:schemeClr val="bg1"/>
-              </a:solidFill>
-            </a:endParaRPr>
-          </a:p>
-        </p:txBody>
-      </p:sp>
+      <p:graphicFrame>
+        <p:nvGraphicFramePr>
+          <p:cNvPr id="8" name="Table 7">
+            <a:extLst>
+              <a:ext uri="{FF2B5EF4-FFF2-40B4-BE49-F238E27FC236}">
+                <a16:creationId xmlns:a16="http://schemas.microsoft.com/office/drawing/2014/main" id="{C90B91D0-D79D-1EB2-2F70-8ABAA576DB44}"/>
+              </a:ext>
+            </a:extLst>
+          </p:cNvPr>
+          <p:cNvGraphicFramePr>
+            <a:graphicFrameLocks noGrp="1"/>
+          </p:cNvGraphicFramePr>
+          <p:nvPr>
+            <p:extLst>
+              <p:ext uri="{D42A27DB-BD31-4B8C-83A1-F6EECF244321}">
+                <p14:modId xmlns:p14="http://schemas.microsoft.com/office/powerpoint/2010/main" val="2963826304"/>
+              </p:ext>
+            </p:extLst>
+          </p:nvPr>
+        </p:nvGraphicFramePr>
+        <p:xfrm>
+          <a:off x="3917576" y="2423721"/>
+          <a:ext cx="4356846" cy="833363"/>
+        </p:xfrm>
+        <a:graphic>
+          <a:graphicData uri="http://schemas.openxmlformats.org/drawingml/2006/table">
+            <a:tbl>
+              <a:tblPr firstRow="1" bandRow="1">
+                <a:tableStyleId>{5C22544A-7EE6-4342-B048-85BDC9FD1C3A}</a:tableStyleId>
+              </a:tblPr>
+              <a:tblGrid>
+                <a:gridCol w="726141">
+                  <a:extLst>
+                    <a:ext uri="{9D8B030D-6E8A-4147-A177-3AD203B41FA5}">
+                      <a16:colId xmlns:a16="http://schemas.microsoft.com/office/drawing/2014/main" val="4211837832"/>
+                    </a:ext>
+                  </a:extLst>
+                </a:gridCol>
+                <a:gridCol w="726141">
+                  <a:extLst>
+                    <a:ext uri="{9D8B030D-6E8A-4147-A177-3AD203B41FA5}">
+                      <a16:colId xmlns:a16="http://schemas.microsoft.com/office/drawing/2014/main" val="4151084722"/>
+                    </a:ext>
+                  </a:extLst>
+                </a:gridCol>
+                <a:gridCol w="726141">
+                  <a:extLst>
+                    <a:ext uri="{9D8B030D-6E8A-4147-A177-3AD203B41FA5}">
+                      <a16:colId xmlns:a16="http://schemas.microsoft.com/office/drawing/2014/main" val="1880714615"/>
+                    </a:ext>
+                  </a:extLst>
+                </a:gridCol>
+                <a:gridCol w="726141">
+                  <a:extLst>
+                    <a:ext uri="{9D8B030D-6E8A-4147-A177-3AD203B41FA5}">
+                      <a16:colId xmlns:a16="http://schemas.microsoft.com/office/drawing/2014/main" val="3610185664"/>
+                    </a:ext>
+                  </a:extLst>
+                </a:gridCol>
+                <a:gridCol w="726141">
+                  <a:extLst>
+                    <a:ext uri="{9D8B030D-6E8A-4147-A177-3AD203B41FA5}">
+                      <a16:colId xmlns:a16="http://schemas.microsoft.com/office/drawing/2014/main" val="818466917"/>
+                    </a:ext>
+                  </a:extLst>
+                </a:gridCol>
+                <a:gridCol w="726141">
+                  <a:extLst>
+                    <a:ext uri="{9D8B030D-6E8A-4147-A177-3AD203B41FA5}">
+                      <a16:colId xmlns:a16="http://schemas.microsoft.com/office/drawing/2014/main" val="302328336"/>
+                    </a:ext>
+                  </a:extLst>
+                </a:gridCol>
+              </a:tblGrid>
+              <a:tr h="833363">
+                <a:tc>
+                  <a:txBody>
+                    <a:bodyPr/>
+                    <a:lstStyle/>
+                    <a:p>
+                      <a:pPr algn="ctr"/>
+                      <a:r>
+                        <a:rPr lang="en-US" sz="2800" b="1" dirty="0">
+                          <a:solidFill>
+                            <a:schemeClr val="bg1"/>
+                          </a:solidFill>
+                        </a:rPr>
+                        <a:t>0</a:t>
+                      </a:r>
+                    </a:p>
+                  </a:txBody>
+                  <a:tcPr anchor="ctr">
+                    <a:solidFill>
+                      <a:srgbClr val="000000">
+                        <a:alpha val="87000"/>
+                      </a:srgbClr>
+                    </a:solidFill>
+                  </a:tcPr>
+                </a:tc>
+                <a:tc>
+                  <a:txBody>
+                    <a:bodyPr/>
+                    <a:lstStyle/>
+                    <a:p>
+                      <a:pPr algn="ctr"/>
+                      <a:r>
+                        <a:rPr lang="en-US" sz="2800" b="1" dirty="0">
+                          <a:solidFill>
+                            <a:schemeClr val="bg1"/>
+                          </a:solidFill>
+                        </a:rPr>
+                        <a:t>0</a:t>
+                      </a:r>
+                    </a:p>
+                  </a:txBody>
+                  <a:tcPr anchor="ctr">
+                    <a:solidFill>
+                      <a:srgbClr val="000000">
+                        <a:alpha val="87000"/>
+                      </a:srgbClr>
+                    </a:solidFill>
+                  </a:tcPr>
+                </a:tc>
+                <a:tc>
+                  <a:txBody>
+                    <a:bodyPr/>
+                    <a:lstStyle/>
+                    <a:p>
+                      <a:pPr algn="ctr"/>
+                      <a:r>
+                        <a:rPr lang="en-US" sz="2800" b="1" dirty="0">
+                          <a:solidFill>
+                            <a:schemeClr val="bg1"/>
+                          </a:solidFill>
+                        </a:rPr>
+                        <a:t>1</a:t>
+                      </a:r>
+                    </a:p>
+                  </a:txBody>
+                  <a:tcPr anchor="ctr">
+                    <a:solidFill>
+                      <a:srgbClr val="000000">
+                        <a:alpha val="87000"/>
+                      </a:srgbClr>
+                    </a:solidFill>
+                  </a:tcPr>
+                </a:tc>
+                <a:tc>
+                  <a:txBody>
+                    <a:bodyPr/>
+                    <a:lstStyle/>
+                    <a:p>
+                      <a:pPr algn="ctr"/>
+                      <a:r>
+                        <a:rPr lang="en-US" sz="2800" b="1" dirty="0">
+                          <a:solidFill>
+                            <a:schemeClr val="bg1"/>
+                          </a:solidFill>
+                        </a:rPr>
+                        <a:t>0</a:t>
+                      </a:r>
+                    </a:p>
+                  </a:txBody>
+                  <a:tcPr anchor="ctr">
+                    <a:solidFill>
+                      <a:srgbClr val="000000">
+                        <a:alpha val="87000"/>
+                      </a:srgbClr>
+                    </a:solidFill>
+                  </a:tcPr>
+                </a:tc>
+                <a:tc>
+                  <a:txBody>
+                    <a:bodyPr/>
+                    <a:lstStyle/>
+                    <a:p>
+                      <a:pPr algn="ctr"/>
+                      <a:r>
+                        <a:rPr lang="en-US" sz="2800" b="1" dirty="0">
+                          <a:solidFill>
+                            <a:schemeClr val="bg1"/>
+                          </a:solidFill>
+                        </a:rPr>
+                        <a:t>0</a:t>
+                      </a:r>
+                    </a:p>
+                  </a:txBody>
+                  <a:tcPr anchor="ctr">
+                    <a:solidFill>
+                      <a:srgbClr val="000000">
+                        <a:alpha val="87000"/>
+                      </a:srgbClr>
+                    </a:solidFill>
+                  </a:tcPr>
+                </a:tc>
+                <a:tc>
+                  <a:txBody>
+                    <a:bodyPr/>
+                    <a:lstStyle/>
+                    <a:p>
+                      <a:pPr algn="ctr"/>
+                      <a:r>
+                        <a:rPr lang="en-US" sz="2800" b="1" dirty="0">
+                          <a:solidFill>
+                            <a:schemeClr val="bg1"/>
+                          </a:solidFill>
+                        </a:rPr>
+                        <a:t>0</a:t>
+                      </a:r>
+                    </a:p>
+                  </a:txBody>
+                  <a:tcPr anchor="ctr">
+                    <a:solidFill>
+                      <a:srgbClr val="000000">
+                        <a:alpha val="87000"/>
+                      </a:srgbClr>
+                    </a:solidFill>
+                  </a:tcPr>
+                </a:tc>
+                <a:extLst>
+                  <a:ext uri="{0D108BD9-81ED-4DB2-BD59-A6C34878D82A}">
+                    <a16:rowId xmlns:a16="http://schemas.microsoft.com/office/drawing/2014/main" val="2907742382"/>
+                  </a:ext>
+                </a:extLst>
+              </a:tr>
+            </a:tbl>
+          </a:graphicData>
+        </a:graphic>
+      </p:graphicFrame>
+      <p:graphicFrame>
+        <p:nvGraphicFramePr>
+          <p:cNvPr id="9" name="Table 8">
+            <a:extLst>
+              <a:ext uri="{FF2B5EF4-FFF2-40B4-BE49-F238E27FC236}">
+                <a16:creationId xmlns:a16="http://schemas.microsoft.com/office/drawing/2014/main" id="{9CF4FBC0-F27D-6E5E-6606-AE192AFB4071}"/>
+              </a:ext>
+            </a:extLst>
+          </p:cNvPr>
+          <p:cNvGraphicFramePr>
+            <a:graphicFrameLocks noGrp="1"/>
+          </p:cNvGraphicFramePr>
+          <p:nvPr>
+            <p:extLst>
+              <p:ext uri="{D42A27DB-BD31-4B8C-83A1-F6EECF244321}">
+                <p14:modId xmlns:p14="http://schemas.microsoft.com/office/powerpoint/2010/main" val="752470531"/>
+              </p:ext>
+            </p:extLst>
+          </p:nvPr>
+        </p:nvGraphicFramePr>
+        <p:xfrm>
+          <a:off x="3917576" y="3247405"/>
+          <a:ext cx="4356846" cy="833363"/>
+        </p:xfrm>
+        <a:graphic>
+          <a:graphicData uri="http://schemas.openxmlformats.org/drawingml/2006/table">
+            <a:tbl>
+              <a:tblPr firstRow="1" bandRow="1">
+                <a:tableStyleId>{5C22544A-7EE6-4342-B048-85BDC9FD1C3A}</a:tableStyleId>
+              </a:tblPr>
+              <a:tblGrid>
+                <a:gridCol w="726141">
+                  <a:extLst>
+                    <a:ext uri="{9D8B030D-6E8A-4147-A177-3AD203B41FA5}">
+                      <a16:colId xmlns:a16="http://schemas.microsoft.com/office/drawing/2014/main" val="849425856"/>
+                    </a:ext>
+                  </a:extLst>
+                </a:gridCol>
+                <a:gridCol w="726141">
+                  <a:extLst>
+                    <a:ext uri="{9D8B030D-6E8A-4147-A177-3AD203B41FA5}">
+                      <a16:colId xmlns:a16="http://schemas.microsoft.com/office/drawing/2014/main" val="1942197919"/>
+                    </a:ext>
+                  </a:extLst>
+                </a:gridCol>
+                <a:gridCol w="726141">
+                  <a:extLst>
+                    <a:ext uri="{9D8B030D-6E8A-4147-A177-3AD203B41FA5}">
+                      <a16:colId xmlns:a16="http://schemas.microsoft.com/office/drawing/2014/main" val="1858596374"/>
+                    </a:ext>
+                  </a:extLst>
+                </a:gridCol>
+                <a:gridCol w="726141">
+                  <a:extLst>
+                    <a:ext uri="{9D8B030D-6E8A-4147-A177-3AD203B41FA5}">
+                      <a16:colId xmlns:a16="http://schemas.microsoft.com/office/drawing/2014/main" val="2542119546"/>
+                    </a:ext>
+                  </a:extLst>
+                </a:gridCol>
+                <a:gridCol w="726141">
+                  <a:extLst>
+                    <a:ext uri="{9D8B030D-6E8A-4147-A177-3AD203B41FA5}">
+                      <a16:colId xmlns:a16="http://schemas.microsoft.com/office/drawing/2014/main" val="2645514274"/>
+                    </a:ext>
+                  </a:extLst>
+                </a:gridCol>
+                <a:gridCol w="726141">
+                  <a:extLst>
+                    <a:ext uri="{9D8B030D-6E8A-4147-A177-3AD203B41FA5}">
+                      <a16:colId xmlns:a16="http://schemas.microsoft.com/office/drawing/2014/main" val="597635454"/>
+                    </a:ext>
+                  </a:extLst>
+                </a:gridCol>
+              </a:tblGrid>
+              <a:tr h="833363">
+                <a:tc>
+                  <a:txBody>
+                    <a:bodyPr/>
+                    <a:lstStyle/>
+                    <a:p>
+                      <a:pPr algn="ctr"/>
+                      <a:r>
+                        <a:rPr lang="en-US" sz="2800" b="1" dirty="0">
+                          <a:solidFill>
+                            <a:schemeClr val="bg1"/>
+                          </a:solidFill>
+                        </a:rPr>
+                        <a:t>0</a:t>
+                      </a:r>
+                    </a:p>
+                  </a:txBody>
+                  <a:tcPr anchor="ctr">
+                    <a:solidFill>
+                      <a:srgbClr val="000000">
+                        <a:alpha val="87000"/>
+                      </a:srgbClr>
+                    </a:solidFill>
+                  </a:tcPr>
+                </a:tc>
+                <a:tc>
+                  <a:txBody>
+                    <a:bodyPr/>
+                    <a:lstStyle/>
+                    <a:p>
+                      <a:pPr algn="ctr"/>
+                      <a:r>
+                        <a:rPr lang="en-US" sz="2800" b="1" dirty="0">
+                          <a:solidFill>
+                            <a:schemeClr val="bg1"/>
+                          </a:solidFill>
+                        </a:rPr>
+                        <a:t>1</a:t>
+                      </a:r>
+                    </a:p>
+                  </a:txBody>
+                  <a:tcPr anchor="ctr">
+                    <a:solidFill>
+                      <a:srgbClr val="000000">
+                        <a:alpha val="87000"/>
+                      </a:srgbClr>
+                    </a:solidFill>
+                  </a:tcPr>
+                </a:tc>
+                <a:tc>
+                  <a:txBody>
+                    <a:bodyPr/>
+                    <a:lstStyle/>
+                    <a:p>
+                      <a:pPr algn="ctr"/>
+                      <a:r>
+                        <a:rPr lang="en-US" sz="2800" b="1" dirty="0">
+                          <a:solidFill>
+                            <a:schemeClr val="bg1"/>
+                          </a:solidFill>
+                        </a:rPr>
+                        <a:t>1</a:t>
+                      </a:r>
+                    </a:p>
+                  </a:txBody>
+                  <a:tcPr anchor="ctr">
+                    <a:solidFill>
+                      <a:srgbClr val="000000">
+                        <a:alpha val="87000"/>
+                      </a:srgbClr>
+                    </a:solidFill>
+                  </a:tcPr>
+                </a:tc>
+                <a:tc>
+                  <a:txBody>
+                    <a:bodyPr/>
+                    <a:lstStyle/>
+                    <a:p>
+                      <a:pPr algn="ctr"/>
+                      <a:r>
+                        <a:rPr lang="en-US" sz="2800" b="1" dirty="0">
+                          <a:solidFill>
+                            <a:schemeClr val="bg1"/>
+                          </a:solidFill>
+                        </a:rPr>
+                        <a:t>0</a:t>
+                      </a:r>
+                    </a:p>
+                  </a:txBody>
+                  <a:tcPr anchor="ctr">
+                    <a:solidFill>
+                      <a:srgbClr val="000000">
+                        <a:alpha val="87000"/>
+                      </a:srgbClr>
+                    </a:solidFill>
+                  </a:tcPr>
+                </a:tc>
+                <a:tc>
+                  <a:txBody>
+                    <a:bodyPr/>
+                    <a:lstStyle/>
+                    <a:p>
+                      <a:pPr algn="ctr"/>
+                      <a:r>
+                        <a:rPr lang="en-US" sz="2800" b="1" dirty="0">
+                          <a:solidFill>
+                            <a:schemeClr val="bg1"/>
+                          </a:solidFill>
+                        </a:rPr>
+                        <a:t>1</a:t>
+                      </a:r>
+                    </a:p>
+                  </a:txBody>
+                  <a:tcPr anchor="ctr">
+                    <a:solidFill>
+                      <a:srgbClr val="000000">
+                        <a:alpha val="87000"/>
+                      </a:srgbClr>
+                    </a:solidFill>
+                  </a:tcPr>
+                </a:tc>
+                <a:tc>
+                  <a:txBody>
+                    <a:bodyPr/>
+                    <a:lstStyle/>
+                    <a:p>
+                      <a:pPr algn="ctr"/>
+                      <a:r>
+                        <a:rPr lang="en-US" sz="2800" b="1" dirty="0">
+                          <a:solidFill>
+                            <a:schemeClr val="bg1"/>
+                          </a:solidFill>
+                        </a:rPr>
+                        <a:t>0</a:t>
+                      </a:r>
+                    </a:p>
+                  </a:txBody>
+                  <a:tcPr anchor="ctr">
+                    <a:solidFill>
+                      <a:srgbClr val="000000">
+                        <a:alpha val="87000"/>
+                      </a:srgbClr>
+                    </a:solidFill>
+                  </a:tcPr>
+                </a:tc>
+                <a:extLst>
+                  <a:ext uri="{0D108BD9-81ED-4DB2-BD59-A6C34878D82A}">
+                    <a16:rowId xmlns:a16="http://schemas.microsoft.com/office/drawing/2014/main" val="3851340607"/>
+                  </a:ext>
+                </a:extLst>
+              </a:tr>
+            </a:tbl>
+          </a:graphicData>
+        </a:graphic>
+      </p:graphicFrame>
+      <p:graphicFrame>
+        <p:nvGraphicFramePr>
+          <p:cNvPr id="10" name="Table 9">
+            <a:extLst>
+              <a:ext uri="{FF2B5EF4-FFF2-40B4-BE49-F238E27FC236}">
+                <a16:creationId xmlns:a16="http://schemas.microsoft.com/office/drawing/2014/main" id="{77A8D050-06D4-A1F1-6B8D-A812B3773977}"/>
+              </a:ext>
+            </a:extLst>
+          </p:cNvPr>
+          <p:cNvGraphicFramePr>
+            <a:graphicFrameLocks noGrp="1"/>
+          </p:cNvGraphicFramePr>
+          <p:nvPr>
+            <p:extLst>
+              <p:ext uri="{D42A27DB-BD31-4B8C-83A1-F6EECF244321}">
+                <p14:modId xmlns:p14="http://schemas.microsoft.com/office/powerpoint/2010/main" val="3958986028"/>
+              </p:ext>
+            </p:extLst>
+          </p:nvPr>
+        </p:nvGraphicFramePr>
+        <p:xfrm>
+          <a:off x="3917576" y="4071089"/>
+          <a:ext cx="4356846" cy="833363"/>
+        </p:xfrm>
+        <a:graphic>
+          <a:graphicData uri="http://schemas.openxmlformats.org/drawingml/2006/table">
+            <a:tbl>
+              <a:tblPr firstRow="1" bandRow="1">
+                <a:tableStyleId>{5C22544A-7EE6-4342-B048-85BDC9FD1C3A}</a:tableStyleId>
+              </a:tblPr>
+              <a:tblGrid>
+                <a:gridCol w="726141">
+                  <a:extLst>
+                    <a:ext uri="{9D8B030D-6E8A-4147-A177-3AD203B41FA5}">
+                      <a16:colId xmlns:a16="http://schemas.microsoft.com/office/drawing/2014/main" val="342125468"/>
+                    </a:ext>
+                  </a:extLst>
+                </a:gridCol>
+                <a:gridCol w="726141">
+                  <a:extLst>
+                    <a:ext uri="{9D8B030D-6E8A-4147-A177-3AD203B41FA5}">
+                      <a16:colId xmlns:a16="http://schemas.microsoft.com/office/drawing/2014/main" val="739269462"/>
+                    </a:ext>
+                  </a:extLst>
+                </a:gridCol>
+                <a:gridCol w="726141">
+                  <a:extLst>
+                    <a:ext uri="{9D8B030D-6E8A-4147-A177-3AD203B41FA5}">
+                      <a16:colId xmlns:a16="http://schemas.microsoft.com/office/drawing/2014/main" val="181431330"/>
+                    </a:ext>
+                  </a:extLst>
+                </a:gridCol>
+                <a:gridCol w="726141">
+                  <a:extLst>
+                    <a:ext uri="{9D8B030D-6E8A-4147-A177-3AD203B41FA5}">
+                      <a16:colId xmlns:a16="http://schemas.microsoft.com/office/drawing/2014/main" val="4234069376"/>
+                    </a:ext>
+                  </a:extLst>
+                </a:gridCol>
+                <a:gridCol w="726141">
+                  <a:extLst>
+                    <a:ext uri="{9D8B030D-6E8A-4147-A177-3AD203B41FA5}">
+                      <a16:colId xmlns:a16="http://schemas.microsoft.com/office/drawing/2014/main" val="4283068691"/>
+                    </a:ext>
+                  </a:extLst>
+                </a:gridCol>
+                <a:gridCol w="726141">
+                  <a:extLst>
+                    <a:ext uri="{9D8B030D-6E8A-4147-A177-3AD203B41FA5}">
+                      <a16:colId xmlns:a16="http://schemas.microsoft.com/office/drawing/2014/main" val="694854647"/>
+                    </a:ext>
+                  </a:extLst>
+                </a:gridCol>
+              </a:tblGrid>
+              <a:tr h="833363">
+                <a:tc>
+                  <a:txBody>
+                    <a:bodyPr/>
+                    <a:lstStyle/>
+                    <a:p>
+                      <a:pPr algn="ctr"/>
+                      <a:r>
+                        <a:rPr lang="en-US" sz="2800" b="1" dirty="0">
+                          <a:solidFill>
+                            <a:schemeClr val="bg1"/>
+                          </a:solidFill>
+                        </a:rPr>
+                        <a:t>0</a:t>
+                      </a:r>
+                    </a:p>
+                  </a:txBody>
+                  <a:tcPr anchor="ctr">
+                    <a:solidFill>
+                      <a:srgbClr val="000000">
+                        <a:alpha val="87000"/>
+                      </a:srgbClr>
+                    </a:solidFill>
+                  </a:tcPr>
+                </a:tc>
+                <a:tc>
+                  <a:txBody>
+                    <a:bodyPr/>
+                    <a:lstStyle/>
+                    <a:p>
+                      <a:pPr algn="ctr"/>
+                      <a:r>
+                        <a:rPr lang="en-US" sz="2800" b="1" dirty="0">
+                          <a:solidFill>
+                            <a:schemeClr val="bg1"/>
+                          </a:solidFill>
+                        </a:rPr>
+                        <a:t>1</a:t>
+                      </a:r>
+                    </a:p>
+                  </a:txBody>
+                  <a:tcPr anchor="ctr">
+                    <a:solidFill>
+                      <a:srgbClr val="000000">
+                        <a:alpha val="87000"/>
+                      </a:srgbClr>
+                    </a:solidFill>
+                  </a:tcPr>
+                </a:tc>
+                <a:tc>
+                  <a:txBody>
+                    <a:bodyPr/>
+                    <a:lstStyle/>
+                    <a:p>
+                      <a:pPr algn="ctr"/>
+                      <a:r>
+                        <a:rPr lang="en-US" sz="2800" b="1" dirty="0">
+                          <a:solidFill>
+                            <a:schemeClr val="bg1"/>
+                          </a:solidFill>
+                        </a:rPr>
+                        <a:t>1</a:t>
+                      </a:r>
+                    </a:p>
+                  </a:txBody>
+                  <a:tcPr anchor="ctr">
+                    <a:solidFill>
+                      <a:srgbClr val="000000">
+                        <a:alpha val="87000"/>
+                      </a:srgbClr>
+                    </a:solidFill>
+                  </a:tcPr>
+                </a:tc>
+                <a:tc>
+                  <a:txBody>
+                    <a:bodyPr/>
+                    <a:lstStyle/>
+                    <a:p>
+                      <a:pPr algn="ctr"/>
+                      <a:r>
+                        <a:rPr lang="en-US" sz="2800" b="1" dirty="0">
+                          <a:solidFill>
+                            <a:schemeClr val="bg1"/>
+                          </a:solidFill>
+                        </a:rPr>
+                        <a:t>1</a:t>
+                      </a:r>
+                    </a:p>
+                  </a:txBody>
+                  <a:tcPr anchor="ctr">
+                    <a:solidFill>
+                      <a:srgbClr val="000000">
+                        <a:alpha val="87000"/>
+                      </a:srgbClr>
+                    </a:solidFill>
+                  </a:tcPr>
+                </a:tc>
+                <a:tc>
+                  <a:txBody>
+                    <a:bodyPr/>
+                    <a:lstStyle/>
+                    <a:p>
+                      <a:pPr algn="ctr"/>
+                      <a:r>
+                        <a:rPr lang="en-US" sz="2800" b="1" dirty="0">
+                          <a:solidFill>
+                            <a:schemeClr val="bg1"/>
+                          </a:solidFill>
+                        </a:rPr>
+                        <a:t>1</a:t>
+                      </a:r>
+                    </a:p>
+                  </a:txBody>
+                  <a:tcPr anchor="ctr">
+                    <a:solidFill>
+                      <a:srgbClr val="000000">
+                        <a:alpha val="87000"/>
+                      </a:srgbClr>
+                    </a:solidFill>
+                  </a:tcPr>
+                </a:tc>
+                <a:tc>
+                  <a:txBody>
+                    <a:bodyPr/>
+                    <a:lstStyle/>
+                    <a:p>
+                      <a:pPr algn="ctr"/>
+                      <a:r>
+                        <a:rPr lang="en-US" sz="2800" b="1" dirty="0">
+                          <a:solidFill>
+                            <a:schemeClr val="bg1"/>
+                          </a:solidFill>
+                        </a:rPr>
+                        <a:t>0</a:t>
+                      </a:r>
+                    </a:p>
+                  </a:txBody>
+                  <a:tcPr anchor="ctr">
+                    <a:solidFill>
+                      <a:srgbClr val="000000">
+                        <a:alpha val="87000"/>
+                      </a:srgbClr>
+                    </a:solidFill>
+                  </a:tcPr>
+                </a:tc>
+                <a:extLst>
+                  <a:ext uri="{0D108BD9-81ED-4DB2-BD59-A6C34878D82A}">
+                    <a16:rowId xmlns:a16="http://schemas.microsoft.com/office/drawing/2014/main" val="1222843003"/>
+                  </a:ext>
+                </a:extLst>
+              </a:tr>
+            </a:tbl>
+          </a:graphicData>
+        </a:graphic>
+      </p:graphicFrame>
+      <p:graphicFrame>
+        <p:nvGraphicFramePr>
+          <p:cNvPr id="11" name="Table 10">
+            <a:extLst>
+              <a:ext uri="{FF2B5EF4-FFF2-40B4-BE49-F238E27FC236}">
+                <a16:creationId xmlns:a16="http://schemas.microsoft.com/office/drawing/2014/main" id="{836AFA95-7747-2CF2-0764-31EA3D9BE939}"/>
+              </a:ext>
+            </a:extLst>
+          </p:cNvPr>
+          <p:cNvGraphicFramePr>
+            <a:graphicFrameLocks noGrp="1"/>
+          </p:cNvGraphicFramePr>
+          <p:nvPr>
+            <p:extLst>
+              <p:ext uri="{D42A27DB-BD31-4B8C-83A1-F6EECF244321}">
+                <p14:modId xmlns:p14="http://schemas.microsoft.com/office/powerpoint/2010/main" val="751069435"/>
+              </p:ext>
+            </p:extLst>
+          </p:nvPr>
+        </p:nvGraphicFramePr>
+        <p:xfrm>
+          <a:off x="3917576" y="4904452"/>
+          <a:ext cx="4356846" cy="833363"/>
+        </p:xfrm>
+        <a:graphic>
+          <a:graphicData uri="http://schemas.openxmlformats.org/drawingml/2006/table">
+            <a:tbl>
+              <a:tblPr firstRow="1" bandRow="1">
+                <a:tableStyleId>{5C22544A-7EE6-4342-B048-85BDC9FD1C3A}</a:tableStyleId>
+              </a:tblPr>
+              <a:tblGrid>
+                <a:gridCol w="726141">
+                  <a:extLst>
+                    <a:ext uri="{9D8B030D-6E8A-4147-A177-3AD203B41FA5}">
+                      <a16:colId xmlns:a16="http://schemas.microsoft.com/office/drawing/2014/main" val="4081638529"/>
+                    </a:ext>
+                  </a:extLst>
+                </a:gridCol>
+                <a:gridCol w="726141">
+                  <a:extLst>
+                    <a:ext uri="{9D8B030D-6E8A-4147-A177-3AD203B41FA5}">
+                      <a16:colId xmlns:a16="http://schemas.microsoft.com/office/drawing/2014/main" val="3018580774"/>
+                    </a:ext>
+                  </a:extLst>
+                </a:gridCol>
+                <a:gridCol w="726141">
+                  <a:extLst>
+                    <a:ext uri="{9D8B030D-6E8A-4147-A177-3AD203B41FA5}">
+                      <a16:colId xmlns:a16="http://schemas.microsoft.com/office/drawing/2014/main" val="461984862"/>
+                    </a:ext>
+                  </a:extLst>
+                </a:gridCol>
+                <a:gridCol w="726141">
+                  <a:extLst>
+                    <a:ext uri="{9D8B030D-6E8A-4147-A177-3AD203B41FA5}">
+                      <a16:colId xmlns:a16="http://schemas.microsoft.com/office/drawing/2014/main" val="2519658815"/>
+                    </a:ext>
+                  </a:extLst>
+                </a:gridCol>
+                <a:gridCol w="726141">
+                  <a:extLst>
+                    <a:ext uri="{9D8B030D-6E8A-4147-A177-3AD203B41FA5}">
+                      <a16:colId xmlns:a16="http://schemas.microsoft.com/office/drawing/2014/main" val="815797447"/>
+                    </a:ext>
+                  </a:extLst>
+                </a:gridCol>
+                <a:gridCol w="726141">
+                  <a:extLst>
+                    <a:ext uri="{9D8B030D-6E8A-4147-A177-3AD203B41FA5}">
+                      <a16:colId xmlns:a16="http://schemas.microsoft.com/office/drawing/2014/main" val="3696997343"/>
+                    </a:ext>
+                  </a:extLst>
+                </a:gridCol>
+              </a:tblGrid>
+              <a:tr h="833363">
+                <a:tc>
+                  <a:txBody>
+                    <a:bodyPr/>
+                    <a:lstStyle/>
+                    <a:p>
+                      <a:pPr algn="ctr"/>
+                      <a:r>
+                        <a:rPr lang="en-US" sz="2800" b="1" dirty="0">
+                          <a:solidFill>
+                            <a:schemeClr val="bg1"/>
+                          </a:solidFill>
+                        </a:rPr>
+                        <a:t>1</a:t>
+                      </a:r>
+                    </a:p>
+                  </a:txBody>
+                  <a:tcPr anchor="ctr">
+                    <a:solidFill>
+                      <a:srgbClr val="000000">
+                        <a:alpha val="87000"/>
+                      </a:srgbClr>
+                    </a:solidFill>
+                  </a:tcPr>
+                </a:tc>
+                <a:tc>
+                  <a:txBody>
+                    <a:bodyPr/>
+                    <a:lstStyle/>
+                    <a:p>
+                      <a:pPr algn="ctr"/>
+                      <a:r>
+                        <a:rPr lang="en-US" sz="2800" b="1" dirty="0">
+                          <a:solidFill>
+                            <a:schemeClr val="bg1"/>
+                          </a:solidFill>
+                        </a:rPr>
+                        <a:t>1</a:t>
+                      </a:r>
+                    </a:p>
+                  </a:txBody>
+                  <a:tcPr anchor="ctr">
+                    <a:solidFill>
+                      <a:srgbClr val="000000">
+                        <a:alpha val="87000"/>
+                      </a:srgbClr>
+                    </a:solidFill>
+                  </a:tcPr>
+                </a:tc>
+                <a:tc>
+                  <a:txBody>
+                    <a:bodyPr/>
+                    <a:lstStyle/>
+                    <a:p>
+                      <a:pPr algn="ctr"/>
+                      <a:r>
+                        <a:rPr lang="en-US" sz="2800" b="1" dirty="0">
+                          <a:solidFill>
+                            <a:schemeClr val="bg1"/>
+                          </a:solidFill>
+                        </a:rPr>
+                        <a:t>1</a:t>
+                      </a:r>
+                    </a:p>
+                  </a:txBody>
+                  <a:tcPr anchor="ctr">
+                    <a:solidFill>
+                      <a:srgbClr val="000000">
+                        <a:alpha val="87000"/>
+                      </a:srgbClr>
+                    </a:solidFill>
+                  </a:tcPr>
+                </a:tc>
+                <a:tc>
+                  <a:txBody>
+                    <a:bodyPr/>
+                    <a:lstStyle/>
+                    <a:p>
+                      <a:pPr algn="ctr"/>
+                      <a:r>
+                        <a:rPr lang="en-US" sz="2800" b="1" dirty="0">
+                          <a:solidFill>
+                            <a:schemeClr val="bg1"/>
+                          </a:solidFill>
+                        </a:rPr>
+                        <a:t>1</a:t>
+                      </a:r>
+                    </a:p>
+                  </a:txBody>
+                  <a:tcPr anchor="ctr">
+                    <a:solidFill>
+                      <a:srgbClr val="000000">
+                        <a:alpha val="87000"/>
+                      </a:srgbClr>
+                    </a:solidFill>
+                  </a:tcPr>
+                </a:tc>
+                <a:tc>
+                  <a:txBody>
+                    <a:bodyPr/>
+                    <a:lstStyle/>
+                    <a:p>
+                      <a:pPr algn="ctr"/>
+                      <a:r>
+                        <a:rPr lang="en-US" sz="2800" b="1" dirty="0">
+                          <a:solidFill>
+                            <a:schemeClr val="bg1"/>
+                          </a:solidFill>
+                        </a:rPr>
+                        <a:t>1</a:t>
+                      </a:r>
+                    </a:p>
+                  </a:txBody>
+                  <a:tcPr anchor="ctr">
+                    <a:solidFill>
+                      <a:srgbClr val="000000">
+                        <a:alpha val="87000"/>
+                      </a:srgbClr>
+                    </a:solidFill>
+                  </a:tcPr>
+                </a:tc>
+                <a:tc>
+                  <a:txBody>
+                    <a:bodyPr/>
+                    <a:lstStyle/>
+                    <a:p>
+                      <a:pPr algn="ctr"/>
+                      <a:r>
+                        <a:rPr lang="en-US" sz="2800" b="1" dirty="0">
+                          <a:solidFill>
+                            <a:schemeClr val="bg1"/>
+                          </a:solidFill>
+                        </a:rPr>
+                        <a:t>0</a:t>
+                      </a:r>
+                    </a:p>
+                  </a:txBody>
+                  <a:tcPr anchor="ctr">
+                    <a:solidFill>
+                      <a:srgbClr val="000000">
+                        <a:alpha val="87000"/>
+                      </a:srgbClr>
+                    </a:solidFill>
+                  </a:tcPr>
+                </a:tc>
+                <a:extLst>
+                  <a:ext uri="{0D108BD9-81ED-4DB2-BD59-A6C34878D82A}">
+                    <a16:rowId xmlns:a16="http://schemas.microsoft.com/office/drawing/2014/main" val="2367067989"/>
+                  </a:ext>
+                </a:extLst>
+              </a:tr>
+            </a:tbl>
+          </a:graphicData>
+        </a:graphic>
+      </p:graphicFrame>
       <p:pic>
         <p:nvPicPr>
-          <p:cNvPr id="5" name="Picture 4">
-            <a:extLst>
-              <a:ext uri="{FF2B5EF4-FFF2-40B4-BE49-F238E27FC236}">
-                <a16:creationId xmlns:a16="http://schemas.microsoft.com/office/drawing/2014/main" id="{5D4505F3-8EDF-3BD6-0BF0-5AD342D58841}"/>
+          <p:cNvPr id="12" name="Graphic 11" descr="Image outline">
+            <a:extLst>
+              <a:ext uri="{FF2B5EF4-FFF2-40B4-BE49-F238E27FC236}">
+                <a16:creationId xmlns:a16="http://schemas.microsoft.com/office/drawing/2014/main" id="{046FCFFC-BC06-08F4-C0EA-70E3B0C49C40}"/>
               </a:ext>
             </a:extLst>
           </p:cNvPr>
@@ -6080,15 +8244,21 @@
           <p:nvPr/>
         </p:nvPicPr>
         <p:blipFill>
-          <a:blip r:embed="rId2"/>
+          <a:blip r:embed="rId2">
+            <a:extLst>
+              <a:ext uri="{96DAC541-7B7A-43D3-8B79-37D633B846F1}">
+                <asvg:svgBlip xmlns:asvg="http://schemas.microsoft.com/office/drawing/2016/SVG/main" r:embed="rId3"/>
+              </a:ext>
+            </a:extLst>
+          </a:blip>
           <a:stretch>
             <a:fillRect/>
           </a:stretch>
         </p:blipFill>
         <p:spPr>
           <a:xfrm>
-            <a:off x="5991224" y="1690688"/>
-            <a:ext cx="5510213" cy="3633546"/>
+            <a:off x="3349863" y="1248374"/>
+            <a:ext cx="5492273" cy="5492273"/>
           </a:xfrm>
           <a:prstGeom prst="rect">
             <a:avLst/>
@@ -6098,7 +8268,7 @@
     </p:spTree>
     <p:extLst>
       <p:ext uri="{BB962C8B-B14F-4D97-AF65-F5344CB8AC3E}">
-        <p14:creationId xmlns:p14="http://schemas.microsoft.com/office/powerpoint/2010/main" val="76866746"/>
+        <p14:creationId xmlns:p14="http://schemas.microsoft.com/office/powerpoint/2010/main" val="2316005555"/>
       </p:ext>
     </p:extLst>
   </p:cSld>
@@ -6107,7 +8277,7 @@
   </p:clrMapOvr>
   <mc:AlternateContent xmlns:mc="http://schemas.openxmlformats.org/markup-compatibility/2006">
     <mc:Choice xmlns:p159="http://schemas.microsoft.com/office/powerpoint/2015/09/main" Requires="p159">
-      <p:transition xmlns:p14="http://schemas.microsoft.com/office/powerpoint/2010/main" spd="slow" p14:dur="2000">
+      <p:transition spd="slow">
         <p159:morph option="byObject"/>
       </p:transition>
     </mc:Choice>
@@ -6117,6 +8287,92 @@
       </p:transition>
     </mc:Fallback>
   </mc:AlternateContent>
+  <p:timing>
+    <p:tnLst>
+      <p:par>
+        <p:cTn id="1" dur="indefinite" restart="never" nodeType="tmRoot">
+          <p:childTnLst>
+            <p:seq concurrent="1" nextAc="seek">
+              <p:cTn id="2" dur="indefinite" nodeType="mainSeq">
+                <p:childTnLst>
+                  <p:par>
+                    <p:cTn id="3" fill="hold">
+                      <p:stCondLst>
+                        <p:cond delay="indefinite"/>
+                        <p:cond evt="onBegin" delay="0">
+                          <p:tn val="2"/>
+                        </p:cond>
+                      </p:stCondLst>
+                      <p:childTnLst>
+                        <p:par>
+                          <p:cTn id="4" fill="hold">
+                            <p:stCondLst>
+                              <p:cond delay="0"/>
+                            </p:stCondLst>
+                            <p:childTnLst>
+                              <p:par>
+                                <p:cTn id="5" presetID="10" presetClass="exit" presetSubtype="0" fill="hold" nodeType="afterEffect">
+                                  <p:stCondLst>
+                                    <p:cond delay="1000"/>
+                                  </p:stCondLst>
+                                  <p:childTnLst>
+                                    <p:animEffect transition="out" filter="fade">
+                                      <p:cBhvr>
+                                        <p:cTn id="6" dur="500"/>
+                                        <p:tgtEl>
+                                          <p:spTgt spid="12"/>
+                                        </p:tgtEl>
+                                      </p:cBhvr>
+                                    </p:animEffect>
+                                    <p:set>
+                                      <p:cBhvr>
+                                        <p:cTn id="7" dur="1" fill="hold">
+                                          <p:stCondLst>
+                                            <p:cond delay="499"/>
+                                          </p:stCondLst>
+                                        </p:cTn>
+                                        <p:tgtEl>
+                                          <p:spTgt spid="12"/>
+                                        </p:tgtEl>
+                                        <p:attrNameLst>
+                                          <p:attrName>style.visibility</p:attrName>
+                                        </p:attrNameLst>
+                                      </p:cBhvr>
+                                      <p:to>
+                                        <p:strVal val="hidden"/>
+                                      </p:to>
+                                    </p:set>
+                                  </p:childTnLst>
+                                </p:cTn>
+                              </p:par>
+                            </p:childTnLst>
+                          </p:cTn>
+                        </p:par>
+                      </p:childTnLst>
+                    </p:cTn>
+                  </p:par>
+                </p:childTnLst>
+              </p:cTn>
+              <p:prevCondLst>
+                <p:cond evt="onPrev" delay="0">
+                  <p:tgtEl>
+                    <p:sldTgt/>
+                  </p:tgtEl>
+                </p:cond>
+              </p:prevCondLst>
+              <p:nextCondLst>
+                <p:cond evt="onNext" delay="0">
+                  <p:tgtEl>
+                    <p:sldTgt/>
+                  </p:tgtEl>
+                </p:cond>
+              </p:nextCondLst>
+            </p:seq>
+          </p:childTnLst>
+        </p:cTn>
+      </p:par>
+    </p:tnLst>
+  </p:timing>
 </p:sld>
 </file>
 
@@ -6125,7 +8381,13 @@
   <p:cSld>
     <p:spTree>
       <p:nvGrpSpPr>
-        <p:cNvPr id="1" name=""/>
+        <p:cNvPr id="1" name="">
+          <a:extLst>
+            <a:ext uri="{FF2B5EF4-FFF2-40B4-BE49-F238E27FC236}">
+              <a16:creationId xmlns:a16="http://schemas.microsoft.com/office/drawing/2014/main" id="{655EF2F0-C1F4-7060-8C27-F6CEE85359AA}"/>
+            </a:ext>
+          </a:extLst>
+        </p:cNvPr>
         <p:cNvGrpSpPr/>
         <p:nvPr/>
       </p:nvGrpSpPr>
@@ -6142,7 +8404,7 @@
           <p:cNvPr id="2" name="Title 1">
             <a:extLst>
               <a:ext uri="{FF2B5EF4-FFF2-40B4-BE49-F238E27FC236}">
-                <a16:creationId xmlns:a16="http://schemas.microsoft.com/office/drawing/2014/main" id="{2A27C760-E838-8BB6-C13D-895F674BBE84}"/>
+                <a16:creationId xmlns:a16="http://schemas.microsoft.com/office/drawing/2014/main" id="{44313098-C249-1086-6764-2B67C46C4127}"/>
               </a:ext>
             </a:extLst>
           </p:cNvPr>
@@ -6164,67 +8426,931 @@
                   <a:schemeClr val="bg1"/>
                 </a:solidFill>
               </a:rPr>
-              <a:t>Refining Data </a:t>
+              <a:t>How it Works?</a:t>
             </a:r>
           </a:p>
         </p:txBody>
       </p:sp>
-      <p:sp>
-        <p:nvSpPr>
-          <p:cNvPr id="3" name="Content Placeholder 2">
-            <a:extLst>
-              <a:ext uri="{FF2B5EF4-FFF2-40B4-BE49-F238E27FC236}">
-                <a16:creationId xmlns:a16="http://schemas.microsoft.com/office/drawing/2014/main" id="{826FCB4C-102F-AFD7-3407-F421566F069C}"/>
-              </a:ext>
-            </a:extLst>
-          </p:cNvPr>
-          <p:cNvSpPr>
-            <a:spLocks noGrp="1"/>
-          </p:cNvSpPr>
-          <p:nvPr>
-            <p:ph idx="1"/>
-          </p:nvPr>
-        </p:nvSpPr>
-        <p:spPr/>
-        <p:txBody>
-          <a:bodyPr/>
-          <a:lstStyle/>
-          <a:p>
-            <a:r>
-              <a:rPr lang="en-US" dirty="0">
-                <a:solidFill>
-                  <a:schemeClr val="bg1"/>
-                </a:solidFill>
-              </a:rPr>
-              <a:t>Pixel Size of Images (15,32,64)</a:t>
-            </a:r>
-          </a:p>
-          <a:p>
-            <a:r>
-              <a:rPr lang="en-US" dirty="0">
-                <a:solidFill>
-                  <a:schemeClr val="bg1"/>
-                </a:solidFill>
-              </a:rPr>
-              <a:t>Training Test Split </a:t>
-            </a:r>
-          </a:p>
-          <a:p>
-            <a:r>
-              <a:rPr lang="en-US" dirty="0">
-                <a:solidFill>
-                  <a:schemeClr val="bg1"/>
-                </a:solidFill>
-              </a:rPr>
-              <a:t>Confidence Interval Going in </a:t>
-            </a:r>
-          </a:p>
-        </p:txBody>
-      </p:sp>
+      <p:graphicFrame>
+        <p:nvGraphicFramePr>
+          <p:cNvPr id="9" name="Table 8">
+            <a:extLst>
+              <a:ext uri="{FF2B5EF4-FFF2-40B4-BE49-F238E27FC236}">
+                <a16:creationId xmlns:a16="http://schemas.microsoft.com/office/drawing/2014/main" id="{1AC7A55C-C0D3-8C84-C5BA-76889CDE9EC0}"/>
+              </a:ext>
+            </a:extLst>
+          </p:cNvPr>
+          <p:cNvGraphicFramePr>
+            <a:graphicFrameLocks noGrp="1"/>
+          </p:cNvGraphicFramePr>
+          <p:nvPr>
+            <p:extLst>
+              <p:ext uri="{D42A27DB-BD31-4B8C-83A1-F6EECF244321}">
+                <p14:modId xmlns:p14="http://schemas.microsoft.com/office/powerpoint/2010/main" val="353480989"/>
+              </p:ext>
+            </p:extLst>
+          </p:nvPr>
+        </p:nvGraphicFramePr>
+        <p:xfrm>
+          <a:off x="-197232" y="3169920"/>
+          <a:ext cx="3146616" cy="518160"/>
+        </p:xfrm>
+        <a:graphic>
+          <a:graphicData uri="http://schemas.openxmlformats.org/drawingml/2006/table">
+            <a:tbl>
+              <a:tblPr firstRow="1" bandRow="1">
+                <a:tableStyleId>{5C22544A-7EE6-4342-B048-85BDC9FD1C3A}</a:tableStyleId>
+              </a:tblPr>
+              <a:tblGrid>
+                <a:gridCol w="524436">
+                  <a:extLst>
+                    <a:ext uri="{9D8B030D-6E8A-4147-A177-3AD203B41FA5}">
+                      <a16:colId xmlns:a16="http://schemas.microsoft.com/office/drawing/2014/main" val="4211837832"/>
+                    </a:ext>
+                  </a:extLst>
+                </a:gridCol>
+                <a:gridCol w="524436">
+                  <a:extLst>
+                    <a:ext uri="{9D8B030D-6E8A-4147-A177-3AD203B41FA5}">
+                      <a16:colId xmlns:a16="http://schemas.microsoft.com/office/drawing/2014/main" val="4151084722"/>
+                    </a:ext>
+                  </a:extLst>
+                </a:gridCol>
+                <a:gridCol w="524436">
+                  <a:extLst>
+                    <a:ext uri="{9D8B030D-6E8A-4147-A177-3AD203B41FA5}">
+                      <a16:colId xmlns:a16="http://schemas.microsoft.com/office/drawing/2014/main" val="1880714615"/>
+                    </a:ext>
+                  </a:extLst>
+                </a:gridCol>
+                <a:gridCol w="524436">
+                  <a:extLst>
+                    <a:ext uri="{9D8B030D-6E8A-4147-A177-3AD203B41FA5}">
+                      <a16:colId xmlns:a16="http://schemas.microsoft.com/office/drawing/2014/main" val="3610185664"/>
+                    </a:ext>
+                  </a:extLst>
+                </a:gridCol>
+                <a:gridCol w="524436">
+                  <a:extLst>
+                    <a:ext uri="{9D8B030D-6E8A-4147-A177-3AD203B41FA5}">
+                      <a16:colId xmlns:a16="http://schemas.microsoft.com/office/drawing/2014/main" val="818466917"/>
+                    </a:ext>
+                  </a:extLst>
+                </a:gridCol>
+                <a:gridCol w="524436">
+                  <a:extLst>
+                    <a:ext uri="{9D8B030D-6E8A-4147-A177-3AD203B41FA5}">
+                      <a16:colId xmlns:a16="http://schemas.microsoft.com/office/drawing/2014/main" val="302328336"/>
+                    </a:ext>
+                  </a:extLst>
+                </a:gridCol>
+              </a:tblGrid>
+              <a:tr h="330935">
+                <a:tc>
+                  <a:txBody>
+                    <a:bodyPr/>
+                    <a:lstStyle/>
+                    <a:p>
+                      <a:pPr algn="ctr"/>
+                      <a:r>
+                        <a:rPr lang="en-US" sz="2800" b="1" dirty="0">
+                          <a:solidFill>
+                            <a:schemeClr val="bg1"/>
+                          </a:solidFill>
+                        </a:rPr>
+                        <a:t>0</a:t>
+                      </a:r>
+                    </a:p>
+                  </a:txBody>
+                  <a:tcPr anchor="ctr">
+                    <a:solidFill>
+                      <a:srgbClr val="000000">
+                        <a:alpha val="87000"/>
+                      </a:srgbClr>
+                    </a:solidFill>
+                  </a:tcPr>
+                </a:tc>
+                <a:tc>
+                  <a:txBody>
+                    <a:bodyPr/>
+                    <a:lstStyle/>
+                    <a:p>
+                      <a:pPr algn="ctr"/>
+                      <a:r>
+                        <a:rPr lang="en-US" sz="2800" b="1" dirty="0">
+                          <a:solidFill>
+                            <a:schemeClr val="bg1"/>
+                          </a:solidFill>
+                        </a:rPr>
+                        <a:t>0</a:t>
+                      </a:r>
+                    </a:p>
+                  </a:txBody>
+                  <a:tcPr anchor="ctr">
+                    <a:solidFill>
+                      <a:srgbClr val="000000">
+                        <a:alpha val="87000"/>
+                      </a:srgbClr>
+                    </a:solidFill>
+                  </a:tcPr>
+                </a:tc>
+                <a:tc>
+                  <a:txBody>
+                    <a:bodyPr/>
+                    <a:lstStyle/>
+                    <a:p>
+                      <a:pPr algn="ctr"/>
+                      <a:r>
+                        <a:rPr lang="en-US" sz="2800" b="1" dirty="0">
+                          <a:solidFill>
+                            <a:schemeClr val="bg1"/>
+                          </a:solidFill>
+                        </a:rPr>
+                        <a:t>1</a:t>
+                      </a:r>
+                    </a:p>
+                  </a:txBody>
+                  <a:tcPr anchor="ctr">
+                    <a:solidFill>
+                      <a:srgbClr val="000000">
+                        <a:alpha val="87000"/>
+                      </a:srgbClr>
+                    </a:solidFill>
+                  </a:tcPr>
+                </a:tc>
+                <a:tc>
+                  <a:txBody>
+                    <a:bodyPr/>
+                    <a:lstStyle/>
+                    <a:p>
+                      <a:pPr algn="ctr"/>
+                      <a:r>
+                        <a:rPr lang="en-US" sz="2800" b="1" dirty="0">
+                          <a:solidFill>
+                            <a:schemeClr val="bg1"/>
+                          </a:solidFill>
+                        </a:rPr>
+                        <a:t>0</a:t>
+                      </a:r>
+                    </a:p>
+                  </a:txBody>
+                  <a:tcPr anchor="ctr">
+                    <a:solidFill>
+                      <a:srgbClr val="000000">
+                        <a:alpha val="87000"/>
+                      </a:srgbClr>
+                    </a:solidFill>
+                  </a:tcPr>
+                </a:tc>
+                <a:tc>
+                  <a:txBody>
+                    <a:bodyPr/>
+                    <a:lstStyle/>
+                    <a:p>
+                      <a:pPr algn="ctr"/>
+                      <a:r>
+                        <a:rPr lang="en-US" sz="2800" b="1" dirty="0">
+                          <a:solidFill>
+                            <a:schemeClr val="bg1"/>
+                          </a:solidFill>
+                        </a:rPr>
+                        <a:t>0</a:t>
+                      </a:r>
+                    </a:p>
+                  </a:txBody>
+                  <a:tcPr anchor="ctr">
+                    <a:solidFill>
+                      <a:srgbClr val="000000">
+                        <a:alpha val="87000"/>
+                      </a:srgbClr>
+                    </a:solidFill>
+                  </a:tcPr>
+                </a:tc>
+                <a:tc>
+                  <a:txBody>
+                    <a:bodyPr/>
+                    <a:lstStyle/>
+                    <a:p>
+                      <a:pPr algn="ctr"/>
+                      <a:r>
+                        <a:rPr lang="en-US" sz="2800" b="1" dirty="0">
+                          <a:solidFill>
+                            <a:schemeClr val="bg1"/>
+                          </a:solidFill>
+                        </a:rPr>
+                        <a:t>0</a:t>
+                      </a:r>
+                    </a:p>
+                  </a:txBody>
+                  <a:tcPr anchor="ctr">
+                    <a:solidFill>
+                      <a:srgbClr val="000000">
+                        <a:alpha val="87000"/>
+                      </a:srgbClr>
+                    </a:solidFill>
+                  </a:tcPr>
+                </a:tc>
+                <a:extLst>
+                  <a:ext uri="{0D108BD9-81ED-4DB2-BD59-A6C34878D82A}">
+                    <a16:rowId xmlns:a16="http://schemas.microsoft.com/office/drawing/2014/main" val="2907742382"/>
+                  </a:ext>
+                </a:extLst>
+              </a:tr>
+            </a:tbl>
+          </a:graphicData>
+        </a:graphic>
+      </p:graphicFrame>
+      <p:graphicFrame>
+        <p:nvGraphicFramePr>
+          <p:cNvPr id="10" name="Table 9">
+            <a:extLst>
+              <a:ext uri="{FF2B5EF4-FFF2-40B4-BE49-F238E27FC236}">
+                <a16:creationId xmlns:a16="http://schemas.microsoft.com/office/drawing/2014/main" id="{5A2F1787-A139-3002-0616-9BEAC4A77AD8}"/>
+              </a:ext>
+            </a:extLst>
+          </p:cNvPr>
+          <p:cNvGraphicFramePr>
+            <a:graphicFrameLocks noGrp="1"/>
+          </p:cNvGraphicFramePr>
+          <p:nvPr>
+            <p:extLst>
+              <p:ext uri="{D42A27DB-BD31-4B8C-83A1-F6EECF244321}">
+                <p14:modId xmlns:p14="http://schemas.microsoft.com/office/powerpoint/2010/main" val="1451103094"/>
+              </p:ext>
+            </p:extLst>
+          </p:nvPr>
+        </p:nvGraphicFramePr>
+        <p:xfrm>
+          <a:off x="2949384" y="3169920"/>
+          <a:ext cx="3146616" cy="518160"/>
+        </p:xfrm>
+        <a:graphic>
+          <a:graphicData uri="http://schemas.openxmlformats.org/drawingml/2006/table">
+            <a:tbl>
+              <a:tblPr firstRow="1" bandRow="1">
+                <a:tableStyleId>{5C22544A-7EE6-4342-B048-85BDC9FD1C3A}</a:tableStyleId>
+              </a:tblPr>
+              <a:tblGrid>
+                <a:gridCol w="524436">
+                  <a:extLst>
+                    <a:ext uri="{9D8B030D-6E8A-4147-A177-3AD203B41FA5}">
+                      <a16:colId xmlns:a16="http://schemas.microsoft.com/office/drawing/2014/main" val="849425856"/>
+                    </a:ext>
+                  </a:extLst>
+                </a:gridCol>
+                <a:gridCol w="524436">
+                  <a:extLst>
+                    <a:ext uri="{9D8B030D-6E8A-4147-A177-3AD203B41FA5}">
+                      <a16:colId xmlns:a16="http://schemas.microsoft.com/office/drawing/2014/main" val="1942197919"/>
+                    </a:ext>
+                  </a:extLst>
+                </a:gridCol>
+                <a:gridCol w="524436">
+                  <a:extLst>
+                    <a:ext uri="{9D8B030D-6E8A-4147-A177-3AD203B41FA5}">
+                      <a16:colId xmlns:a16="http://schemas.microsoft.com/office/drawing/2014/main" val="1858596374"/>
+                    </a:ext>
+                  </a:extLst>
+                </a:gridCol>
+                <a:gridCol w="524436">
+                  <a:extLst>
+                    <a:ext uri="{9D8B030D-6E8A-4147-A177-3AD203B41FA5}">
+                      <a16:colId xmlns:a16="http://schemas.microsoft.com/office/drawing/2014/main" val="2542119546"/>
+                    </a:ext>
+                  </a:extLst>
+                </a:gridCol>
+                <a:gridCol w="524436">
+                  <a:extLst>
+                    <a:ext uri="{9D8B030D-6E8A-4147-A177-3AD203B41FA5}">
+                      <a16:colId xmlns:a16="http://schemas.microsoft.com/office/drawing/2014/main" val="2645514274"/>
+                    </a:ext>
+                  </a:extLst>
+                </a:gridCol>
+                <a:gridCol w="524436">
+                  <a:extLst>
+                    <a:ext uri="{9D8B030D-6E8A-4147-A177-3AD203B41FA5}">
+                      <a16:colId xmlns:a16="http://schemas.microsoft.com/office/drawing/2014/main" val="597635454"/>
+                    </a:ext>
+                  </a:extLst>
+                </a:gridCol>
+              </a:tblGrid>
+              <a:tr h="317477">
+                <a:tc>
+                  <a:txBody>
+                    <a:bodyPr/>
+                    <a:lstStyle/>
+                    <a:p>
+                      <a:pPr algn="ctr"/>
+                      <a:r>
+                        <a:rPr lang="en-US" sz="2800" b="1" dirty="0">
+                          <a:solidFill>
+                            <a:schemeClr val="bg1"/>
+                          </a:solidFill>
+                        </a:rPr>
+                        <a:t>0</a:t>
+                      </a:r>
+                    </a:p>
+                  </a:txBody>
+                  <a:tcPr anchor="ctr">
+                    <a:solidFill>
+                      <a:srgbClr val="000000">
+                        <a:alpha val="87000"/>
+                      </a:srgbClr>
+                    </a:solidFill>
+                  </a:tcPr>
+                </a:tc>
+                <a:tc>
+                  <a:txBody>
+                    <a:bodyPr/>
+                    <a:lstStyle/>
+                    <a:p>
+                      <a:pPr algn="ctr"/>
+                      <a:r>
+                        <a:rPr lang="en-US" sz="2800" b="1" dirty="0">
+                          <a:solidFill>
+                            <a:schemeClr val="bg1"/>
+                          </a:solidFill>
+                        </a:rPr>
+                        <a:t>1</a:t>
+                      </a:r>
+                    </a:p>
+                  </a:txBody>
+                  <a:tcPr anchor="ctr">
+                    <a:solidFill>
+                      <a:srgbClr val="000000">
+                        <a:alpha val="87000"/>
+                      </a:srgbClr>
+                    </a:solidFill>
+                  </a:tcPr>
+                </a:tc>
+                <a:tc>
+                  <a:txBody>
+                    <a:bodyPr/>
+                    <a:lstStyle/>
+                    <a:p>
+                      <a:pPr algn="ctr"/>
+                      <a:r>
+                        <a:rPr lang="en-US" sz="2800" b="1" dirty="0">
+                          <a:solidFill>
+                            <a:schemeClr val="bg1"/>
+                          </a:solidFill>
+                        </a:rPr>
+                        <a:t>1</a:t>
+                      </a:r>
+                    </a:p>
+                  </a:txBody>
+                  <a:tcPr anchor="ctr">
+                    <a:solidFill>
+                      <a:srgbClr val="000000">
+                        <a:alpha val="87000"/>
+                      </a:srgbClr>
+                    </a:solidFill>
+                  </a:tcPr>
+                </a:tc>
+                <a:tc>
+                  <a:txBody>
+                    <a:bodyPr/>
+                    <a:lstStyle/>
+                    <a:p>
+                      <a:pPr algn="ctr"/>
+                      <a:r>
+                        <a:rPr lang="en-US" sz="2800" b="1" dirty="0">
+                          <a:solidFill>
+                            <a:schemeClr val="bg1"/>
+                          </a:solidFill>
+                        </a:rPr>
+                        <a:t>0</a:t>
+                      </a:r>
+                    </a:p>
+                  </a:txBody>
+                  <a:tcPr anchor="ctr">
+                    <a:solidFill>
+                      <a:srgbClr val="000000">
+                        <a:alpha val="87000"/>
+                      </a:srgbClr>
+                    </a:solidFill>
+                  </a:tcPr>
+                </a:tc>
+                <a:tc>
+                  <a:txBody>
+                    <a:bodyPr/>
+                    <a:lstStyle/>
+                    <a:p>
+                      <a:pPr algn="ctr"/>
+                      <a:r>
+                        <a:rPr lang="en-US" sz="2800" b="1" dirty="0">
+                          <a:solidFill>
+                            <a:schemeClr val="bg1"/>
+                          </a:solidFill>
+                        </a:rPr>
+                        <a:t>1</a:t>
+                      </a:r>
+                    </a:p>
+                  </a:txBody>
+                  <a:tcPr anchor="ctr">
+                    <a:solidFill>
+                      <a:srgbClr val="000000">
+                        <a:alpha val="87000"/>
+                      </a:srgbClr>
+                    </a:solidFill>
+                  </a:tcPr>
+                </a:tc>
+                <a:tc>
+                  <a:txBody>
+                    <a:bodyPr/>
+                    <a:lstStyle/>
+                    <a:p>
+                      <a:pPr algn="ctr"/>
+                      <a:r>
+                        <a:rPr lang="en-US" sz="2800" b="1" dirty="0">
+                          <a:solidFill>
+                            <a:schemeClr val="bg1"/>
+                          </a:solidFill>
+                        </a:rPr>
+                        <a:t>0</a:t>
+                      </a:r>
+                    </a:p>
+                  </a:txBody>
+                  <a:tcPr anchor="ctr">
+                    <a:solidFill>
+                      <a:srgbClr val="000000">
+                        <a:alpha val="87000"/>
+                      </a:srgbClr>
+                    </a:solidFill>
+                  </a:tcPr>
+                </a:tc>
+                <a:extLst>
+                  <a:ext uri="{0D108BD9-81ED-4DB2-BD59-A6C34878D82A}">
+                    <a16:rowId xmlns:a16="http://schemas.microsoft.com/office/drawing/2014/main" val="3851340607"/>
+                  </a:ext>
+                </a:extLst>
+              </a:tr>
+            </a:tbl>
+          </a:graphicData>
+        </a:graphic>
+      </p:graphicFrame>
+      <p:graphicFrame>
+        <p:nvGraphicFramePr>
+          <p:cNvPr id="11" name="Table 10">
+            <a:extLst>
+              <a:ext uri="{FF2B5EF4-FFF2-40B4-BE49-F238E27FC236}">
+                <a16:creationId xmlns:a16="http://schemas.microsoft.com/office/drawing/2014/main" id="{94941ECE-4371-E6A0-1FDD-104B395ACA96}"/>
+              </a:ext>
+            </a:extLst>
+          </p:cNvPr>
+          <p:cNvGraphicFramePr>
+            <a:graphicFrameLocks noGrp="1"/>
+          </p:cNvGraphicFramePr>
+          <p:nvPr>
+            <p:extLst>
+              <p:ext uri="{D42A27DB-BD31-4B8C-83A1-F6EECF244321}">
+                <p14:modId xmlns:p14="http://schemas.microsoft.com/office/powerpoint/2010/main" val="772498380"/>
+              </p:ext>
+            </p:extLst>
+          </p:nvPr>
+        </p:nvGraphicFramePr>
+        <p:xfrm>
+          <a:off x="6096000" y="3169920"/>
+          <a:ext cx="3146616" cy="518160"/>
+        </p:xfrm>
+        <a:graphic>
+          <a:graphicData uri="http://schemas.openxmlformats.org/drawingml/2006/table">
+            <a:tbl>
+              <a:tblPr firstRow="1" bandRow="1">
+                <a:tableStyleId>{5C22544A-7EE6-4342-B048-85BDC9FD1C3A}</a:tableStyleId>
+              </a:tblPr>
+              <a:tblGrid>
+                <a:gridCol w="524436">
+                  <a:extLst>
+                    <a:ext uri="{9D8B030D-6E8A-4147-A177-3AD203B41FA5}">
+                      <a16:colId xmlns:a16="http://schemas.microsoft.com/office/drawing/2014/main" val="342125468"/>
+                    </a:ext>
+                  </a:extLst>
+                </a:gridCol>
+                <a:gridCol w="524436">
+                  <a:extLst>
+                    <a:ext uri="{9D8B030D-6E8A-4147-A177-3AD203B41FA5}">
+                      <a16:colId xmlns:a16="http://schemas.microsoft.com/office/drawing/2014/main" val="739269462"/>
+                    </a:ext>
+                  </a:extLst>
+                </a:gridCol>
+                <a:gridCol w="524436">
+                  <a:extLst>
+                    <a:ext uri="{9D8B030D-6E8A-4147-A177-3AD203B41FA5}">
+                      <a16:colId xmlns:a16="http://schemas.microsoft.com/office/drawing/2014/main" val="181431330"/>
+                    </a:ext>
+                  </a:extLst>
+                </a:gridCol>
+                <a:gridCol w="524436">
+                  <a:extLst>
+                    <a:ext uri="{9D8B030D-6E8A-4147-A177-3AD203B41FA5}">
+                      <a16:colId xmlns:a16="http://schemas.microsoft.com/office/drawing/2014/main" val="4234069376"/>
+                    </a:ext>
+                  </a:extLst>
+                </a:gridCol>
+                <a:gridCol w="524436">
+                  <a:extLst>
+                    <a:ext uri="{9D8B030D-6E8A-4147-A177-3AD203B41FA5}">
+                      <a16:colId xmlns:a16="http://schemas.microsoft.com/office/drawing/2014/main" val="4283068691"/>
+                    </a:ext>
+                  </a:extLst>
+                </a:gridCol>
+                <a:gridCol w="524436">
+                  <a:extLst>
+                    <a:ext uri="{9D8B030D-6E8A-4147-A177-3AD203B41FA5}">
+                      <a16:colId xmlns:a16="http://schemas.microsoft.com/office/drawing/2014/main" val="694854647"/>
+                    </a:ext>
+                  </a:extLst>
+                </a:gridCol>
+              </a:tblGrid>
+              <a:tr h="330935">
+                <a:tc>
+                  <a:txBody>
+                    <a:bodyPr/>
+                    <a:lstStyle/>
+                    <a:p>
+                      <a:pPr algn="ctr"/>
+                      <a:r>
+                        <a:rPr lang="en-US" sz="2800" b="1" dirty="0">
+                          <a:solidFill>
+                            <a:schemeClr val="bg1"/>
+                          </a:solidFill>
+                        </a:rPr>
+                        <a:t>0</a:t>
+                      </a:r>
+                    </a:p>
+                  </a:txBody>
+                  <a:tcPr anchor="ctr">
+                    <a:solidFill>
+                      <a:srgbClr val="000000">
+                        <a:alpha val="87000"/>
+                      </a:srgbClr>
+                    </a:solidFill>
+                  </a:tcPr>
+                </a:tc>
+                <a:tc>
+                  <a:txBody>
+                    <a:bodyPr/>
+                    <a:lstStyle/>
+                    <a:p>
+                      <a:pPr algn="ctr"/>
+                      <a:r>
+                        <a:rPr lang="en-US" sz="2800" b="1" dirty="0">
+                          <a:solidFill>
+                            <a:schemeClr val="bg1"/>
+                          </a:solidFill>
+                        </a:rPr>
+                        <a:t>1</a:t>
+                      </a:r>
+                    </a:p>
+                  </a:txBody>
+                  <a:tcPr anchor="ctr">
+                    <a:solidFill>
+                      <a:srgbClr val="000000">
+                        <a:alpha val="87000"/>
+                      </a:srgbClr>
+                    </a:solidFill>
+                  </a:tcPr>
+                </a:tc>
+                <a:tc>
+                  <a:txBody>
+                    <a:bodyPr/>
+                    <a:lstStyle/>
+                    <a:p>
+                      <a:pPr algn="ctr"/>
+                      <a:r>
+                        <a:rPr lang="en-US" sz="2800" b="1" dirty="0">
+                          <a:solidFill>
+                            <a:schemeClr val="bg1"/>
+                          </a:solidFill>
+                        </a:rPr>
+                        <a:t>1</a:t>
+                      </a:r>
+                    </a:p>
+                  </a:txBody>
+                  <a:tcPr anchor="ctr">
+                    <a:solidFill>
+                      <a:srgbClr val="000000">
+                        <a:alpha val="87000"/>
+                      </a:srgbClr>
+                    </a:solidFill>
+                  </a:tcPr>
+                </a:tc>
+                <a:tc>
+                  <a:txBody>
+                    <a:bodyPr/>
+                    <a:lstStyle/>
+                    <a:p>
+                      <a:pPr algn="ctr"/>
+                      <a:r>
+                        <a:rPr lang="en-US" sz="2800" b="1" dirty="0">
+                          <a:solidFill>
+                            <a:schemeClr val="bg1"/>
+                          </a:solidFill>
+                        </a:rPr>
+                        <a:t>1</a:t>
+                      </a:r>
+                    </a:p>
+                  </a:txBody>
+                  <a:tcPr anchor="ctr">
+                    <a:solidFill>
+                      <a:srgbClr val="000000">
+                        <a:alpha val="87000"/>
+                      </a:srgbClr>
+                    </a:solidFill>
+                  </a:tcPr>
+                </a:tc>
+                <a:tc>
+                  <a:txBody>
+                    <a:bodyPr/>
+                    <a:lstStyle/>
+                    <a:p>
+                      <a:pPr algn="ctr"/>
+                      <a:r>
+                        <a:rPr lang="en-US" sz="2800" b="1" dirty="0">
+                          <a:solidFill>
+                            <a:schemeClr val="bg1"/>
+                          </a:solidFill>
+                        </a:rPr>
+                        <a:t>1</a:t>
+                      </a:r>
+                    </a:p>
+                  </a:txBody>
+                  <a:tcPr anchor="ctr">
+                    <a:solidFill>
+                      <a:srgbClr val="000000">
+                        <a:alpha val="87000"/>
+                      </a:srgbClr>
+                    </a:solidFill>
+                  </a:tcPr>
+                </a:tc>
+                <a:tc>
+                  <a:txBody>
+                    <a:bodyPr/>
+                    <a:lstStyle/>
+                    <a:p>
+                      <a:pPr algn="ctr"/>
+                      <a:r>
+                        <a:rPr lang="en-US" sz="2800" b="1" dirty="0">
+                          <a:solidFill>
+                            <a:schemeClr val="bg1"/>
+                          </a:solidFill>
+                        </a:rPr>
+                        <a:t>0</a:t>
+                      </a:r>
+                    </a:p>
+                  </a:txBody>
+                  <a:tcPr anchor="ctr">
+                    <a:solidFill>
+                      <a:srgbClr val="000000">
+                        <a:alpha val="87000"/>
+                      </a:srgbClr>
+                    </a:solidFill>
+                  </a:tcPr>
+                </a:tc>
+                <a:extLst>
+                  <a:ext uri="{0D108BD9-81ED-4DB2-BD59-A6C34878D82A}">
+                    <a16:rowId xmlns:a16="http://schemas.microsoft.com/office/drawing/2014/main" val="1222843003"/>
+                  </a:ext>
+                </a:extLst>
+              </a:tr>
+            </a:tbl>
+          </a:graphicData>
+        </a:graphic>
+      </p:graphicFrame>
+      <p:graphicFrame>
+        <p:nvGraphicFramePr>
+          <p:cNvPr id="12" name="Table 11">
+            <a:extLst>
+              <a:ext uri="{FF2B5EF4-FFF2-40B4-BE49-F238E27FC236}">
+                <a16:creationId xmlns:a16="http://schemas.microsoft.com/office/drawing/2014/main" id="{D3808A46-10BE-16AE-3407-18625685C297}"/>
+              </a:ext>
+            </a:extLst>
+          </p:cNvPr>
+          <p:cNvGraphicFramePr>
+            <a:graphicFrameLocks noGrp="1"/>
+          </p:cNvGraphicFramePr>
+          <p:nvPr>
+            <p:extLst>
+              <p:ext uri="{D42A27DB-BD31-4B8C-83A1-F6EECF244321}">
+                <p14:modId xmlns:p14="http://schemas.microsoft.com/office/powerpoint/2010/main" val="971353285"/>
+              </p:ext>
+            </p:extLst>
+          </p:nvPr>
+        </p:nvGraphicFramePr>
+        <p:xfrm>
+          <a:off x="9242616" y="3169920"/>
+          <a:ext cx="3146616" cy="518160"/>
+        </p:xfrm>
+        <a:graphic>
+          <a:graphicData uri="http://schemas.openxmlformats.org/drawingml/2006/table">
+            <a:tbl>
+              <a:tblPr firstRow="1" bandRow="1">
+                <a:tableStyleId>{5C22544A-7EE6-4342-B048-85BDC9FD1C3A}</a:tableStyleId>
+              </a:tblPr>
+              <a:tblGrid>
+                <a:gridCol w="524436">
+                  <a:extLst>
+                    <a:ext uri="{9D8B030D-6E8A-4147-A177-3AD203B41FA5}">
+                      <a16:colId xmlns:a16="http://schemas.microsoft.com/office/drawing/2014/main" val="4081638529"/>
+                    </a:ext>
+                  </a:extLst>
+                </a:gridCol>
+                <a:gridCol w="524436">
+                  <a:extLst>
+                    <a:ext uri="{9D8B030D-6E8A-4147-A177-3AD203B41FA5}">
+                      <a16:colId xmlns:a16="http://schemas.microsoft.com/office/drawing/2014/main" val="3018580774"/>
+                    </a:ext>
+                  </a:extLst>
+                </a:gridCol>
+                <a:gridCol w="524436">
+                  <a:extLst>
+                    <a:ext uri="{9D8B030D-6E8A-4147-A177-3AD203B41FA5}">
+                      <a16:colId xmlns:a16="http://schemas.microsoft.com/office/drawing/2014/main" val="461984862"/>
+                    </a:ext>
+                  </a:extLst>
+                </a:gridCol>
+                <a:gridCol w="524436">
+                  <a:extLst>
+                    <a:ext uri="{9D8B030D-6E8A-4147-A177-3AD203B41FA5}">
+                      <a16:colId xmlns:a16="http://schemas.microsoft.com/office/drawing/2014/main" val="2519658815"/>
+                    </a:ext>
+                  </a:extLst>
+                </a:gridCol>
+                <a:gridCol w="524436">
+                  <a:extLst>
+                    <a:ext uri="{9D8B030D-6E8A-4147-A177-3AD203B41FA5}">
+                      <a16:colId xmlns:a16="http://schemas.microsoft.com/office/drawing/2014/main" val="815797447"/>
+                    </a:ext>
+                  </a:extLst>
+                </a:gridCol>
+                <a:gridCol w="524436">
+                  <a:extLst>
+                    <a:ext uri="{9D8B030D-6E8A-4147-A177-3AD203B41FA5}">
+                      <a16:colId xmlns:a16="http://schemas.microsoft.com/office/drawing/2014/main" val="3696997343"/>
+                    </a:ext>
+                  </a:extLst>
+                </a:gridCol>
+              </a:tblGrid>
+              <a:tr h="330935">
+                <a:tc>
+                  <a:txBody>
+                    <a:bodyPr/>
+                    <a:lstStyle/>
+                    <a:p>
+                      <a:pPr algn="ctr"/>
+                      <a:r>
+                        <a:rPr lang="en-US" sz="2800" b="1" dirty="0">
+                          <a:solidFill>
+                            <a:schemeClr val="bg1"/>
+                          </a:solidFill>
+                        </a:rPr>
+                        <a:t>1</a:t>
+                      </a:r>
+                    </a:p>
+                  </a:txBody>
+                  <a:tcPr anchor="ctr">
+                    <a:solidFill>
+                      <a:srgbClr val="000000">
+                        <a:alpha val="87000"/>
+                      </a:srgbClr>
+                    </a:solidFill>
+                  </a:tcPr>
+                </a:tc>
+                <a:tc>
+                  <a:txBody>
+                    <a:bodyPr/>
+                    <a:lstStyle/>
+                    <a:p>
+                      <a:pPr algn="ctr"/>
+                      <a:r>
+                        <a:rPr lang="en-US" sz="2800" b="1" dirty="0">
+                          <a:solidFill>
+                            <a:schemeClr val="bg1"/>
+                          </a:solidFill>
+                        </a:rPr>
+                        <a:t>1</a:t>
+                      </a:r>
+                    </a:p>
+                  </a:txBody>
+                  <a:tcPr anchor="ctr">
+                    <a:solidFill>
+                      <a:srgbClr val="000000">
+                        <a:alpha val="87000"/>
+                      </a:srgbClr>
+                    </a:solidFill>
+                  </a:tcPr>
+                </a:tc>
+                <a:tc>
+                  <a:txBody>
+                    <a:bodyPr/>
+                    <a:lstStyle/>
+                    <a:p>
+                      <a:pPr algn="ctr"/>
+                      <a:r>
+                        <a:rPr lang="en-US" sz="2800" b="1" dirty="0">
+                          <a:solidFill>
+                            <a:schemeClr val="bg1"/>
+                          </a:solidFill>
+                        </a:rPr>
+                        <a:t>1</a:t>
+                      </a:r>
+                    </a:p>
+                  </a:txBody>
+                  <a:tcPr anchor="ctr">
+                    <a:solidFill>
+                      <a:srgbClr val="000000">
+                        <a:alpha val="87000"/>
+                      </a:srgbClr>
+                    </a:solidFill>
+                  </a:tcPr>
+                </a:tc>
+                <a:tc>
+                  <a:txBody>
+                    <a:bodyPr/>
+                    <a:lstStyle/>
+                    <a:p>
+                      <a:pPr algn="ctr"/>
+                      <a:r>
+                        <a:rPr lang="en-US" sz="2800" b="1" dirty="0">
+                          <a:solidFill>
+                            <a:schemeClr val="bg1"/>
+                          </a:solidFill>
+                        </a:rPr>
+                        <a:t>1</a:t>
+                      </a:r>
+                    </a:p>
+                  </a:txBody>
+                  <a:tcPr anchor="ctr">
+                    <a:solidFill>
+                      <a:srgbClr val="000000">
+                        <a:alpha val="87000"/>
+                      </a:srgbClr>
+                    </a:solidFill>
+                  </a:tcPr>
+                </a:tc>
+                <a:tc>
+                  <a:txBody>
+                    <a:bodyPr/>
+                    <a:lstStyle/>
+                    <a:p>
+                      <a:pPr algn="ctr"/>
+                      <a:r>
+                        <a:rPr lang="en-US" sz="2800" b="1" dirty="0">
+                          <a:solidFill>
+                            <a:schemeClr val="bg1"/>
+                          </a:solidFill>
+                        </a:rPr>
+                        <a:t>1</a:t>
+                      </a:r>
+                    </a:p>
+                  </a:txBody>
+                  <a:tcPr anchor="ctr">
+                    <a:solidFill>
+                      <a:srgbClr val="000000">
+                        <a:alpha val="87000"/>
+                      </a:srgbClr>
+                    </a:solidFill>
+                  </a:tcPr>
+                </a:tc>
+                <a:tc>
+                  <a:txBody>
+                    <a:bodyPr/>
+                    <a:lstStyle/>
+                    <a:p>
+                      <a:pPr algn="ctr"/>
+                      <a:r>
+                        <a:rPr lang="en-US" sz="2800" b="1" dirty="0">
+                          <a:solidFill>
+                            <a:schemeClr val="bg1"/>
+                          </a:solidFill>
+                        </a:rPr>
+                        <a:t>0</a:t>
+                      </a:r>
+                    </a:p>
+                  </a:txBody>
+                  <a:tcPr anchor="ctr">
+                    <a:solidFill>
+                      <a:srgbClr val="000000">
+                        <a:alpha val="87000"/>
+                      </a:srgbClr>
+                    </a:solidFill>
+                  </a:tcPr>
+                </a:tc>
+                <a:extLst>
+                  <a:ext uri="{0D108BD9-81ED-4DB2-BD59-A6C34878D82A}">
+                    <a16:rowId xmlns:a16="http://schemas.microsoft.com/office/drawing/2014/main" val="2367067989"/>
+                  </a:ext>
+                </a:extLst>
+              </a:tr>
+            </a:tbl>
+          </a:graphicData>
+        </a:graphic>
+      </p:graphicFrame>
     </p:spTree>
     <p:extLst>
       <p:ext uri="{BB962C8B-B14F-4D97-AF65-F5344CB8AC3E}">
-        <p14:creationId xmlns:p14="http://schemas.microsoft.com/office/powerpoint/2010/main" val="3323121695"/>
+        <p14:creationId xmlns:p14="http://schemas.microsoft.com/office/powerpoint/2010/main" val="1524577758"/>
       </p:ext>
     </p:extLst>
   </p:cSld>
@@ -6233,7 +9359,7 @@
   </p:clrMapOvr>
   <mc:AlternateContent xmlns:mc="http://schemas.openxmlformats.org/markup-compatibility/2006">
     <mc:Choice xmlns:p159="http://schemas.microsoft.com/office/powerpoint/2015/09/main" Requires="p159">
-      <p:transition xmlns:p14="http://schemas.microsoft.com/office/powerpoint/2010/main" spd="slow" p14:dur="2000">
+      <p:transition spd="slow">
         <p159:morph option="byObject"/>
       </p:transition>
     </mc:Choice>
@@ -6251,7 +9377,13 @@
   <p:cSld>
     <p:spTree>
       <p:nvGrpSpPr>
-        <p:cNvPr id="1" name=""/>
+        <p:cNvPr id="1" name="">
+          <a:extLst>
+            <a:ext uri="{FF2B5EF4-FFF2-40B4-BE49-F238E27FC236}">
+              <a16:creationId xmlns:a16="http://schemas.microsoft.com/office/drawing/2014/main" id="{801DBAE7-C1C9-75C1-9815-692D43CD378E}"/>
+            </a:ext>
+          </a:extLst>
+        </p:cNvPr>
         <p:cNvGrpSpPr/>
         <p:nvPr/>
       </p:nvGrpSpPr>
@@ -6268,7 +9400,7 @@
           <p:cNvPr id="2" name="Title 1">
             <a:extLst>
               <a:ext uri="{FF2B5EF4-FFF2-40B4-BE49-F238E27FC236}">
-                <a16:creationId xmlns:a16="http://schemas.microsoft.com/office/drawing/2014/main" id="{0A847C95-15A8-98F1-6DC4-15D84EF3D7A5}"/>
+                <a16:creationId xmlns:a16="http://schemas.microsoft.com/office/drawing/2014/main" id="{90860CCB-FF41-E9E9-AF1A-65271970BC57}"/>
               </a:ext>
             </a:extLst>
           </p:cNvPr>
@@ -6290,107 +9422,244 @@
                   <a:schemeClr val="bg1"/>
                 </a:solidFill>
               </a:rPr>
-              <a:t>Results</a:t>
+              <a:t>How it Works?</a:t>
             </a:r>
           </a:p>
         </p:txBody>
       </p:sp>
-      <p:sp>
-        <p:nvSpPr>
-          <p:cNvPr id="3" name="Content Placeholder 2">
-            <a:extLst>
-              <a:ext uri="{FF2B5EF4-FFF2-40B4-BE49-F238E27FC236}">
-                <a16:creationId xmlns:a16="http://schemas.microsoft.com/office/drawing/2014/main" id="{9813D788-46DF-BA86-72AE-CA995EEA4B7C}"/>
-              </a:ext>
-            </a:extLst>
-          </p:cNvPr>
-          <p:cNvSpPr>
-            <a:spLocks noGrp="1"/>
-          </p:cNvSpPr>
-          <p:nvPr>
-            <p:ph idx="1"/>
-          </p:nvPr>
-        </p:nvSpPr>
-        <p:spPr/>
-        <p:txBody>
-          <a:bodyPr/>
-          <a:lstStyle/>
-          <a:p>
-            <a:r>
-              <a:rPr lang="en-US" dirty="0">
-                <a:solidFill>
-                  <a:schemeClr val="bg1"/>
-                </a:solidFill>
-              </a:rPr>
-              <a:t>Training Data Accuracy 86%</a:t>
-            </a:r>
-          </a:p>
-          <a:p>
-            <a:r>
-              <a:rPr lang="en-US" dirty="0">
-                <a:solidFill>
-                  <a:schemeClr val="bg1"/>
-                </a:solidFill>
-              </a:rPr>
-              <a:t>Golden Sample Accuracy 68%</a:t>
-            </a:r>
-          </a:p>
-          <a:p>
-            <a:r>
-              <a:rPr lang="en-US" dirty="0">
-                <a:solidFill>
-                  <a:schemeClr val="bg1"/>
-                </a:solidFill>
-              </a:rPr>
-              <a:t>10,15,8,1</a:t>
-            </a:r>
-          </a:p>
-          <a:p>
-            <a:r>
-              <a:rPr lang="en-US" dirty="0">
-                <a:solidFill>
-                  <a:schemeClr val="bg1"/>
-                </a:solidFill>
-              </a:rPr>
-              <a:t>Classified extended</a:t>
-            </a:r>
-          </a:p>
-        </p:txBody>
-      </p:sp>
-      <p:pic>
-        <p:nvPicPr>
-          <p:cNvPr id="5" name="Picture 4">
-            <a:extLst>
-              <a:ext uri="{FF2B5EF4-FFF2-40B4-BE49-F238E27FC236}">
-                <a16:creationId xmlns:a16="http://schemas.microsoft.com/office/drawing/2014/main" id="{309C68B5-153B-351D-7F40-4197B0E98E87}"/>
-              </a:ext>
-            </a:extLst>
-          </p:cNvPr>
-          <p:cNvPicPr>
-            <a:picLocks noChangeAspect="1"/>
-          </p:cNvPicPr>
-          <p:nvPr/>
-        </p:nvPicPr>
-        <p:blipFill>
-          <a:blip r:embed="rId2"/>
-          <a:stretch>
-            <a:fillRect/>
-          </a:stretch>
-        </p:blipFill>
-        <p:spPr>
-          <a:xfrm>
-            <a:off x="7136869" y="1825625"/>
-            <a:ext cx="4351867" cy="3263900"/>
-          </a:xfrm>
-          <a:prstGeom prst="rect">
-            <a:avLst/>
-          </a:prstGeom>
-        </p:spPr>
-      </p:pic>
+      <p:graphicFrame>
+        <p:nvGraphicFramePr>
+          <p:cNvPr id="9" name="Table 8">
+            <a:extLst>
+              <a:ext uri="{FF2B5EF4-FFF2-40B4-BE49-F238E27FC236}">
+                <a16:creationId xmlns:a16="http://schemas.microsoft.com/office/drawing/2014/main" id="{D5DAE28F-DE33-9A43-380D-0B0815C375C3}"/>
+              </a:ext>
+            </a:extLst>
+          </p:cNvPr>
+          <p:cNvGraphicFramePr>
+            <a:graphicFrameLocks noGrp="1"/>
+          </p:cNvGraphicFramePr>
+          <p:nvPr>
+            <p:extLst>
+              <p:ext uri="{D42A27DB-BD31-4B8C-83A1-F6EECF244321}">
+                <p14:modId xmlns:p14="http://schemas.microsoft.com/office/powerpoint/2010/main" val="1135859654"/>
+              </p:ext>
+            </p:extLst>
+          </p:nvPr>
+        </p:nvGraphicFramePr>
+        <p:xfrm>
+          <a:off x="988101" y="3169920"/>
+          <a:ext cx="3146616" cy="518160"/>
+        </p:xfrm>
+        <a:graphic>
+          <a:graphicData uri="http://schemas.openxmlformats.org/drawingml/2006/table">
+            <a:tbl>
+              <a:tblPr firstRow="1" bandRow="1">
+                <a:tableStyleId>{5C22544A-7EE6-4342-B048-85BDC9FD1C3A}</a:tableStyleId>
+              </a:tblPr>
+              <a:tblGrid>
+                <a:gridCol w="524436">
+                  <a:extLst>
+                    <a:ext uri="{9D8B030D-6E8A-4147-A177-3AD203B41FA5}">
+                      <a16:colId xmlns:a16="http://schemas.microsoft.com/office/drawing/2014/main" val="4211837832"/>
+                    </a:ext>
+                  </a:extLst>
+                </a:gridCol>
+                <a:gridCol w="524436">
+                  <a:extLst>
+                    <a:ext uri="{9D8B030D-6E8A-4147-A177-3AD203B41FA5}">
+                      <a16:colId xmlns:a16="http://schemas.microsoft.com/office/drawing/2014/main" val="4151084722"/>
+                    </a:ext>
+                  </a:extLst>
+                </a:gridCol>
+                <a:gridCol w="524436">
+                  <a:extLst>
+                    <a:ext uri="{9D8B030D-6E8A-4147-A177-3AD203B41FA5}">
+                      <a16:colId xmlns:a16="http://schemas.microsoft.com/office/drawing/2014/main" val="1880714615"/>
+                    </a:ext>
+                  </a:extLst>
+                </a:gridCol>
+                <a:gridCol w="524436">
+                  <a:extLst>
+                    <a:ext uri="{9D8B030D-6E8A-4147-A177-3AD203B41FA5}">
+                      <a16:colId xmlns:a16="http://schemas.microsoft.com/office/drawing/2014/main" val="3610185664"/>
+                    </a:ext>
+                  </a:extLst>
+                </a:gridCol>
+                <a:gridCol w="524436">
+                  <a:extLst>
+                    <a:ext uri="{9D8B030D-6E8A-4147-A177-3AD203B41FA5}">
+                      <a16:colId xmlns:a16="http://schemas.microsoft.com/office/drawing/2014/main" val="818466917"/>
+                    </a:ext>
+                  </a:extLst>
+                </a:gridCol>
+                <a:gridCol w="524436">
+                  <a:extLst>
+                    <a:ext uri="{9D8B030D-6E8A-4147-A177-3AD203B41FA5}">
+                      <a16:colId xmlns:a16="http://schemas.microsoft.com/office/drawing/2014/main" val="302328336"/>
+                    </a:ext>
+                  </a:extLst>
+                </a:gridCol>
+              </a:tblGrid>
+              <a:tr h="330935">
+                <a:tc>
+                  <a:txBody>
+                    <a:bodyPr/>
+                    <a:lstStyle/>
+                    <a:p>
+                      <a:pPr algn="ctr"/>
+                      <a:r>
+                        <a:rPr lang="en-US" sz="2800" b="1" dirty="0">
+                          <a:solidFill>
+                            <a:schemeClr val="bg1"/>
+                          </a:solidFill>
+                        </a:rPr>
+                        <a:t>0</a:t>
+                      </a:r>
+                    </a:p>
+                  </a:txBody>
+                  <a:tcPr anchor="ctr">
+                    <a:solidFill>
+                      <a:srgbClr val="000000">
+                        <a:alpha val="87000"/>
+                      </a:srgbClr>
+                    </a:solidFill>
+                  </a:tcPr>
+                </a:tc>
+                <a:tc>
+                  <a:txBody>
+                    <a:bodyPr/>
+                    <a:lstStyle/>
+                    <a:p>
+                      <a:pPr algn="ctr"/>
+                      <a:r>
+                        <a:rPr lang="en-US" sz="2800" b="1" dirty="0">
+                          <a:solidFill>
+                            <a:schemeClr val="bg1"/>
+                          </a:solidFill>
+                        </a:rPr>
+                        <a:t>0</a:t>
+                      </a:r>
+                    </a:p>
+                  </a:txBody>
+                  <a:tcPr anchor="ctr">
+                    <a:solidFill>
+                      <a:srgbClr val="000000">
+                        <a:alpha val="87000"/>
+                      </a:srgbClr>
+                    </a:solidFill>
+                  </a:tcPr>
+                </a:tc>
+                <a:tc>
+                  <a:txBody>
+                    <a:bodyPr/>
+                    <a:lstStyle/>
+                    <a:p>
+                      <a:pPr algn="ctr"/>
+                      <a:r>
+                        <a:rPr lang="en-US" sz="2800" b="1" dirty="0">
+                          <a:solidFill>
+                            <a:schemeClr val="bg1"/>
+                          </a:solidFill>
+                        </a:rPr>
+                        <a:t>1</a:t>
+                      </a:r>
+                    </a:p>
+                  </a:txBody>
+                  <a:tcPr anchor="ctr">
+                    <a:solidFill>
+                      <a:srgbClr val="000000">
+                        <a:alpha val="87000"/>
+                      </a:srgbClr>
+                    </a:solidFill>
+                  </a:tcPr>
+                </a:tc>
+                <a:tc>
+                  <a:txBody>
+                    <a:bodyPr/>
+                    <a:lstStyle/>
+                    <a:p>
+                      <a:pPr algn="ctr"/>
+                      <a:r>
+                        <a:rPr lang="en-US" sz="2800" b="1" dirty="0">
+                          <a:solidFill>
+                            <a:schemeClr val="bg1"/>
+                          </a:solidFill>
+                        </a:rPr>
+                        <a:t>0</a:t>
+                      </a:r>
+                    </a:p>
+                  </a:txBody>
+                  <a:tcPr anchor="ctr">
+                    <a:solidFill>
+                      <a:srgbClr val="000000">
+                        <a:alpha val="87000"/>
+                      </a:srgbClr>
+                    </a:solidFill>
+                  </a:tcPr>
+                </a:tc>
+                <a:tc>
+                  <a:txBody>
+                    <a:bodyPr/>
+                    <a:lstStyle/>
+                    <a:p>
+                      <a:pPr algn="ctr"/>
+                      <a:r>
+                        <a:rPr lang="en-US" sz="2800" b="1" dirty="0">
+                          <a:solidFill>
+                            <a:schemeClr val="bg1"/>
+                          </a:solidFill>
+                        </a:rPr>
+                        <a:t>0</a:t>
+                      </a:r>
+                    </a:p>
+                  </a:txBody>
+                  <a:tcPr anchor="ctr">
+                    <a:solidFill>
+                      <a:srgbClr val="000000">
+                        <a:alpha val="87000"/>
+                      </a:srgbClr>
+                    </a:solidFill>
+                  </a:tcPr>
+                </a:tc>
+                <a:tc>
+                  <a:txBody>
+                    <a:bodyPr/>
+                    <a:lstStyle/>
+                    <a:p>
+                      <a:pPr algn="ctr"/>
+                      <a:r>
+                        <a:rPr lang="en-US" sz="2800" b="1" dirty="0">
+                          <a:solidFill>
+                            <a:schemeClr val="bg1"/>
+                          </a:solidFill>
+                        </a:rPr>
+                        <a:t>0</a:t>
+                      </a:r>
+                    </a:p>
+                  </a:txBody>
+                  <a:tcPr anchor="ctr">
+                    <a:solidFill>
+                      <a:srgbClr val="000000">
+                        <a:alpha val="87000"/>
+                      </a:srgbClr>
+                    </a:solidFill>
+                  </a:tcPr>
+                </a:tc>
+                <a:extLst>
+                  <a:ext uri="{0D108BD9-81ED-4DB2-BD59-A6C34878D82A}">
+                    <a16:rowId xmlns:a16="http://schemas.microsoft.com/office/drawing/2014/main" val="2907742382"/>
+                  </a:ext>
+                </a:extLst>
+              </a:tr>
+            </a:tbl>
+          </a:graphicData>
+        </a:graphic>
+      </p:graphicFrame>
     </p:spTree>
     <p:extLst>
       <p:ext uri="{BB962C8B-B14F-4D97-AF65-F5344CB8AC3E}">
-        <p14:creationId xmlns:p14="http://schemas.microsoft.com/office/powerpoint/2010/main" val="769525873"/>
+        <p14:creationId xmlns:p14="http://schemas.microsoft.com/office/powerpoint/2010/main" val="3242028861"/>
       </p:ext>
     </p:extLst>
   </p:cSld>
@@ -6399,7 +9668,7 @@
   </p:clrMapOvr>
   <mc:AlternateContent xmlns:mc="http://schemas.openxmlformats.org/markup-compatibility/2006">
     <mc:Choice xmlns:p159="http://schemas.microsoft.com/office/powerpoint/2015/09/main" Requires="p159">
-      <p:transition xmlns:p14="http://schemas.microsoft.com/office/powerpoint/2010/main" spd="slow" p14:dur="2000">
+      <p:transition spd="slow">
         <p159:morph option="byObject"/>
       </p:transition>
     </mc:Choice>
@@ -6725,4 +9994,319 @@
     </a:ext>
   </a:extLst>
 </a:theme>
+</file>
+
+<file path=ppt/theme/theme2.xml><?xml version="1.0" encoding="utf-8"?>
+<a:theme xmlns:a="http://schemas.openxmlformats.org/drawingml/2006/main" name="Office Theme">
+  <a:themeElements>
+    <a:clrScheme name="Office">
+      <a:dk1>
+        <a:sysClr val="windowText" lastClr="000000"/>
+      </a:dk1>
+      <a:lt1>
+        <a:sysClr val="window" lastClr="FFFFFF"/>
+      </a:lt1>
+      <a:dk2>
+        <a:srgbClr val="0E2841"/>
+      </a:dk2>
+      <a:lt2>
+        <a:srgbClr val="E8E8E8"/>
+      </a:lt2>
+      <a:accent1>
+        <a:srgbClr val="156082"/>
+      </a:accent1>
+      <a:accent2>
+        <a:srgbClr val="E97132"/>
+      </a:accent2>
+      <a:accent3>
+        <a:srgbClr val="196B24"/>
+      </a:accent3>
+      <a:accent4>
+        <a:srgbClr val="0F9ED5"/>
+      </a:accent4>
+      <a:accent5>
+        <a:srgbClr val="A02B93"/>
+      </a:accent5>
+      <a:accent6>
+        <a:srgbClr val="4EA72E"/>
+      </a:accent6>
+      <a:hlink>
+        <a:srgbClr val="467886"/>
+      </a:hlink>
+      <a:folHlink>
+        <a:srgbClr val="96607D"/>
+      </a:folHlink>
+    </a:clrScheme>
+    <a:fontScheme name="Office">
+      <a:majorFont>
+        <a:latin typeface="Aptos Display" panose="02110004020202020204"/>
+        <a:ea typeface=""/>
+        <a:cs typeface=""/>
+        <a:font script="Jpan" typeface="游ゴシック Light"/>
+        <a:font script="Hang" typeface="맑은 고딕"/>
+        <a:font script="Hans" typeface="等线 Light"/>
+        <a:font script="Hant" typeface="新細明體"/>
+        <a:font script="Arab" typeface="Times New Roman"/>
+        <a:font script="Hebr" typeface="Times New Roman"/>
+        <a:font script="Thai" typeface="Angsana New"/>
+        <a:font script="Ethi" typeface="Nyala"/>
+        <a:font script="Beng" typeface="Vrinda"/>
+        <a:font script="Gujr" typeface="Shruti"/>
+        <a:font script="Khmr" typeface="MoolBoran"/>
+        <a:font script="Knda" typeface="Tunga"/>
+        <a:font script="Guru" typeface="Raavi"/>
+        <a:font script="Cans" typeface="Euphemia"/>
+        <a:font script="Cher" typeface="Plantagenet Cherokee"/>
+        <a:font script="Yiii" typeface="Microsoft Yi Baiti"/>
+        <a:font script="Tibt" typeface="Microsoft Himalaya"/>
+        <a:font script="Thaa" typeface="MV Boli"/>
+        <a:font script="Deva" typeface="Mangal"/>
+        <a:font script="Telu" typeface="Gautami"/>
+        <a:font script="Taml" typeface="Latha"/>
+        <a:font script="Syrc" typeface="Estrangelo Edessa"/>
+        <a:font script="Orya" typeface="Kalinga"/>
+        <a:font script="Mlym" typeface="Kartika"/>
+        <a:font script="Laoo" typeface="DokChampa"/>
+        <a:font script="Sinh" typeface="Iskoola Pota"/>
+        <a:font script="Mong" typeface="Mongolian Baiti"/>
+        <a:font script="Viet" typeface="Times New Roman"/>
+        <a:font script="Uigh" typeface="Microsoft Uighur"/>
+        <a:font script="Geor" typeface="Sylfaen"/>
+        <a:font script="Armn" typeface="Arial"/>
+        <a:font script="Bugi" typeface="Leelawadee UI"/>
+        <a:font script="Bopo" typeface="Microsoft JhengHei"/>
+        <a:font script="Java" typeface="Javanese Text"/>
+        <a:font script="Lisu" typeface="Segoe UI"/>
+        <a:font script="Mymr" typeface="Myanmar Text"/>
+        <a:font script="Nkoo" typeface="Ebrima"/>
+        <a:font script="Olck" typeface="Nirmala UI"/>
+        <a:font script="Osma" typeface="Ebrima"/>
+        <a:font script="Phag" typeface="Phagspa"/>
+        <a:font script="Syrn" typeface="Estrangelo Edessa"/>
+        <a:font script="Syrj" typeface="Estrangelo Edessa"/>
+        <a:font script="Syre" typeface="Estrangelo Edessa"/>
+        <a:font script="Sora" typeface="Nirmala UI"/>
+        <a:font script="Tale" typeface="Microsoft Tai Le"/>
+        <a:font script="Talu" typeface="Microsoft New Tai Lue"/>
+        <a:font script="Tfng" typeface="Ebrima"/>
+      </a:majorFont>
+      <a:minorFont>
+        <a:latin typeface="Aptos" panose="02110004020202020204"/>
+        <a:ea typeface=""/>
+        <a:cs typeface=""/>
+        <a:font script="Jpan" typeface="游ゴシック"/>
+        <a:font script="Hang" typeface="맑은 고딕"/>
+        <a:font script="Hans" typeface="等线"/>
+        <a:font script="Hant" typeface="新細明體"/>
+        <a:font script="Arab" typeface="Arial"/>
+        <a:font script="Hebr" typeface="Arial"/>
+        <a:font script="Thai" typeface="Cordia New"/>
+        <a:font script="Ethi" typeface="Nyala"/>
+        <a:font script="Beng" typeface="Vrinda"/>
+        <a:font script="Gujr" typeface="Shruti"/>
+        <a:font script="Khmr" typeface="DaunPenh"/>
+        <a:font script="Knda" typeface="Tunga"/>
+        <a:font script="Guru" typeface="Raavi"/>
+        <a:font script="Cans" typeface="Euphemia"/>
+        <a:font script="Cher" typeface="Plantagenet Cherokee"/>
+        <a:font script="Yiii" typeface="Microsoft Yi Baiti"/>
+        <a:font script="Tibt" typeface="Microsoft Himalaya"/>
+        <a:font script="Thaa" typeface="MV Boli"/>
+        <a:font script="Deva" typeface="Mangal"/>
+        <a:font script="Telu" typeface="Gautami"/>
+        <a:font script="Taml" typeface="Latha"/>
+        <a:font script="Syrc" typeface="Estrangelo Edessa"/>
+        <a:font script="Orya" typeface="Kalinga"/>
+        <a:font script="Mlym" typeface="Kartika"/>
+        <a:font script="Laoo" typeface="DokChampa"/>
+        <a:font script="Sinh" typeface="Iskoola Pota"/>
+        <a:font script="Mong" typeface="Mongolian Baiti"/>
+        <a:font script="Viet" typeface="Arial"/>
+        <a:font script="Uigh" typeface="Microsoft Uighur"/>
+        <a:font script="Geor" typeface="Sylfaen"/>
+        <a:font script="Armn" typeface="Arial"/>
+        <a:font script="Bugi" typeface="Leelawadee UI"/>
+        <a:font script="Bopo" typeface="Microsoft JhengHei"/>
+        <a:font script="Java" typeface="Javanese Text"/>
+        <a:font script="Lisu" typeface="Segoe UI"/>
+        <a:font script="Mymr" typeface="Myanmar Text"/>
+        <a:font script="Nkoo" typeface="Ebrima"/>
+        <a:font script="Olck" typeface="Nirmala UI"/>
+        <a:font script="Osma" typeface="Ebrima"/>
+        <a:font script="Phag" typeface="Phagspa"/>
+        <a:font script="Syrn" typeface="Estrangelo Edessa"/>
+        <a:font script="Syrj" typeface="Estrangelo Edessa"/>
+        <a:font script="Syre" typeface="Estrangelo Edessa"/>
+        <a:font script="Sora" typeface="Nirmala UI"/>
+        <a:font script="Tale" typeface="Microsoft Tai Le"/>
+        <a:font script="Talu" typeface="Microsoft New Tai Lue"/>
+        <a:font script="Tfng" typeface="Ebrima"/>
+      </a:minorFont>
+    </a:fontScheme>
+    <a:fmtScheme name="Office">
+      <a:fillStyleLst>
+        <a:solidFill>
+          <a:schemeClr val="phClr"/>
+        </a:solidFill>
+        <a:gradFill rotWithShape="1">
+          <a:gsLst>
+            <a:gs pos="0">
+              <a:schemeClr val="phClr">
+                <a:lumMod val="110000"/>
+                <a:satMod val="105000"/>
+                <a:tint val="67000"/>
+              </a:schemeClr>
+            </a:gs>
+            <a:gs pos="50000">
+              <a:schemeClr val="phClr">
+                <a:lumMod val="105000"/>
+                <a:satMod val="103000"/>
+                <a:tint val="73000"/>
+              </a:schemeClr>
+            </a:gs>
+            <a:gs pos="100000">
+              <a:schemeClr val="phClr">
+                <a:lumMod val="105000"/>
+                <a:satMod val="109000"/>
+                <a:tint val="81000"/>
+              </a:schemeClr>
+            </a:gs>
+          </a:gsLst>
+          <a:lin ang="5400000" scaled="0"/>
+        </a:gradFill>
+        <a:gradFill rotWithShape="1">
+          <a:gsLst>
+            <a:gs pos="0">
+              <a:schemeClr val="phClr">
+                <a:satMod val="103000"/>
+                <a:lumMod val="102000"/>
+                <a:tint val="94000"/>
+              </a:schemeClr>
+            </a:gs>
+            <a:gs pos="50000">
+              <a:schemeClr val="phClr">
+                <a:satMod val="110000"/>
+                <a:lumMod val="100000"/>
+                <a:shade val="100000"/>
+              </a:schemeClr>
+            </a:gs>
+            <a:gs pos="100000">
+              <a:schemeClr val="phClr">
+                <a:lumMod val="99000"/>
+                <a:satMod val="120000"/>
+                <a:shade val="78000"/>
+              </a:schemeClr>
+            </a:gs>
+          </a:gsLst>
+          <a:lin ang="5400000" scaled="0"/>
+        </a:gradFill>
+      </a:fillStyleLst>
+      <a:lnStyleLst>
+        <a:ln w="12700" cap="flat" cmpd="sng" algn="ctr">
+          <a:solidFill>
+            <a:schemeClr val="phClr"/>
+          </a:solidFill>
+          <a:prstDash val="solid"/>
+          <a:miter lim="800000"/>
+        </a:ln>
+        <a:ln w="19050" cap="flat" cmpd="sng" algn="ctr">
+          <a:solidFill>
+            <a:schemeClr val="phClr"/>
+          </a:solidFill>
+          <a:prstDash val="solid"/>
+          <a:miter lim="800000"/>
+        </a:ln>
+        <a:ln w="25400" cap="flat" cmpd="sng" algn="ctr">
+          <a:solidFill>
+            <a:schemeClr val="phClr"/>
+          </a:solidFill>
+          <a:prstDash val="solid"/>
+          <a:miter lim="800000"/>
+        </a:ln>
+      </a:lnStyleLst>
+      <a:effectStyleLst>
+        <a:effectStyle>
+          <a:effectLst/>
+        </a:effectStyle>
+        <a:effectStyle>
+          <a:effectLst/>
+        </a:effectStyle>
+        <a:effectStyle>
+          <a:effectLst>
+            <a:outerShdw blurRad="57150" dist="19050" dir="5400000" algn="ctr" rotWithShape="0">
+              <a:srgbClr val="000000">
+                <a:alpha val="63000"/>
+              </a:srgbClr>
+            </a:outerShdw>
+          </a:effectLst>
+        </a:effectStyle>
+      </a:effectStyleLst>
+      <a:bgFillStyleLst>
+        <a:solidFill>
+          <a:schemeClr val="phClr"/>
+        </a:solidFill>
+        <a:solidFill>
+          <a:schemeClr val="phClr">
+            <a:tint val="95000"/>
+            <a:satMod val="170000"/>
+          </a:schemeClr>
+        </a:solidFill>
+        <a:gradFill rotWithShape="1">
+          <a:gsLst>
+            <a:gs pos="0">
+              <a:schemeClr val="phClr">
+                <a:tint val="93000"/>
+                <a:satMod val="150000"/>
+                <a:shade val="98000"/>
+                <a:lumMod val="102000"/>
+              </a:schemeClr>
+            </a:gs>
+            <a:gs pos="50000">
+              <a:schemeClr val="phClr">
+                <a:tint val="98000"/>
+                <a:satMod val="130000"/>
+                <a:shade val="90000"/>
+                <a:lumMod val="103000"/>
+              </a:schemeClr>
+            </a:gs>
+            <a:gs pos="100000">
+              <a:schemeClr val="phClr">
+                <a:shade val="63000"/>
+                <a:satMod val="120000"/>
+              </a:schemeClr>
+            </a:gs>
+          </a:gsLst>
+          <a:lin ang="5400000" scaled="0"/>
+        </a:gradFill>
+      </a:bgFillStyleLst>
+    </a:fmtScheme>
+  </a:themeElements>
+  <a:objectDefaults>
+    <a:lnDef>
+      <a:spPr/>
+      <a:bodyPr/>
+      <a:lstStyle/>
+      <a:style>
+        <a:lnRef idx="2">
+          <a:schemeClr val="accent1"/>
+        </a:lnRef>
+        <a:fillRef idx="0">
+          <a:schemeClr val="accent1"/>
+        </a:fillRef>
+        <a:effectRef idx="1">
+          <a:schemeClr val="accent1"/>
+        </a:effectRef>
+        <a:fontRef idx="minor">
+          <a:schemeClr val="tx1"/>
+        </a:fontRef>
+      </a:style>
+    </a:lnDef>
+  </a:objectDefaults>
+  <a:extraClrSchemeLst/>
+  <a:extLst>
+    <a:ext uri="{05A4C25C-085E-4340-85A3-A5531E510DB2}">
+      <thm15:themeFamily xmlns:thm15="http://schemas.microsoft.com/office/thememl/2012/main" name="Office Theme" id="{2E142A2C-CD16-42D6-873A-C26D2A0506FA}" vid="{1BDDFF52-6CD6-40A5-AB3C-68EB2F1E4D0A}"/>
+    </a:ext>
+  </a:extLst>
+</a:theme>
 </file>